--- a/Python.pptx
+++ b/Python.pptx
@@ -46,12 +46,13 @@
     <p:sldId id="299" r:id="rId40"/>
     <p:sldId id="300" r:id="rId41"/>
     <p:sldId id="301" r:id="rId42"/>
-    <p:sldId id="302" r:id="rId43"/>
-    <p:sldId id="303" r:id="rId44"/>
-    <p:sldId id="277" r:id="rId45"/>
-    <p:sldId id="278" r:id="rId46"/>
-    <p:sldId id="279" r:id="rId47"/>
-    <p:sldId id="297" r:id="rId48"/>
+    <p:sldId id="304" r:id="rId43"/>
+    <p:sldId id="302" r:id="rId44"/>
+    <p:sldId id="303" r:id="rId45"/>
+    <p:sldId id="277" r:id="rId46"/>
+    <p:sldId id="278" r:id="rId47"/>
+    <p:sldId id="279" r:id="rId48"/>
+    <p:sldId id="297" r:id="rId49"/>
   </p:sldIdLst>
   <p:sldSz cx="12192000" cy="6858000"/>
   <p:notesSz cx="6858000" cy="9144000"/>
@@ -150,6 +151,11 @@
       </a:defRPr>
     </a:lvl9pPr>
   </p:defaultTextStyle>
+  <p:extLst>
+    <p:ext uri="{EFAFB233-063F-42B5-8137-9DF3F51BA10A}">
+      <p15:sldGuideLst xmlns:p15="http://schemas.microsoft.com/office/powerpoint/2012/main"/>
+    </p:ext>
+  </p:extLst>
 </p:presentation>
 </file>
 
@@ -35066,12 +35072,530 @@
             <p:ph idx="1"/>
           </p:nvPr>
         </p:nvSpPr>
-        <p:spPr/>
+        <p:spPr>
+          <a:xfrm>
+            <a:off x="784713" y="1752076"/>
+            <a:ext cx="2902384" cy="4540569"/>
+          </a:xfrm>
+        </p:spPr>
         <p:txBody>
-          <a:bodyPr/>
+          <a:bodyPr>
+            <a:noAutofit/>
+          </a:bodyPr>
           <a:lstStyle/>
           <a:p>
-            <a:endParaRPr lang="en-US" dirty="0"/>
+            <a:pPr marL="0" marR="0" indent="0" algn="l" rtl="0">
+              <a:spcBef>
+                <a:spcPts val="0"/>
+              </a:spcBef>
+              <a:buNone/>
+            </a:pPr>
+            <a:r>
+              <a:rPr lang="en-US" sz="1000" b="0" i="0" u="none" strike="noStrike" baseline="0" dirty="0">
+                <a:latin typeface="Times New Roman" panose="02020603050405020304" pitchFamily="18" charset="0"/>
+              </a:rPr>
+              <a:t>import random</a:t>
+            </a:r>
+          </a:p>
+          <a:p>
+            <a:pPr marL="0" marR="0" indent="0" algn="l" rtl="0">
+              <a:spcBef>
+                <a:spcPts val="0"/>
+              </a:spcBef>
+              <a:buNone/>
+            </a:pPr>
+            <a:r>
+              <a:rPr lang="en-US" sz="1000" b="0" i="0" u="none" strike="noStrike" baseline="0" dirty="0">
+                <a:latin typeface="Times New Roman" panose="02020603050405020304" pitchFamily="18" charset="0"/>
+              </a:rPr>
+              <a:t>import copy</a:t>
+            </a:r>
+          </a:p>
+          <a:p>
+            <a:pPr marL="0" marR="0" indent="0" algn="l" rtl="0">
+              <a:spcBef>
+                <a:spcPts val="0"/>
+              </a:spcBef>
+              <a:buNone/>
+            </a:pPr>
+            <a:r>
+              <a:rPr lang="en-US" sz="1000" b="0" i="0" u="none" strike="noStrike" baseline="0" dirty="0">
+                <a:latin typeface="Times New Roman" panose="02020603050405020304" pitchFamily="18" charset="0"/>
+              </a:rPr>
+              <a:t>import time</a:t>
+            </a:r>
+          </a:p>
+          <a:p>
+            <a:pPr marL="0" marR="0" indent="0" algn="l" rtl="0">
+              <a:spcBef>
+                <a:spcPts val="0"/>
+              </a:spcBef>
+              <a:buNone/>
+            </a:pPr>
+            <a:r>
+              <a:rPr lang="en-US" sz="1000" b="0" i="0" u="none" strike="noStrike" baseline="0" dirty="0">
+                <a:latin typeface="Times New Roman" panose="02020603050405020304" pitchFamily="18" charset="0"/>
+              </a:rPr>
+              <a:t>from collections import </a:t>
+            </a:r>
+            <a:r>
+              <a:rPr lang="en-US" sz="1000" b="0" i="0" u="none" strike="noStrike" baseline="0" dirty="0" err="1">
+                <a:latin typeface="Times New Roman" panose="02020603050405020304" pitchFamily="18" charset="0"/>
+              </a:rPr>
+              <a:t>defaultdict</a:t>
+            </a:r>
+            <a:endParaRPr lang="en-US" sz="1000" b="0" i="0" u="none" strike="noStrike" baseline="0" dirty="0">
+              <a:latin typeface="Times New Roman" panose="02020603050405020304" pitchFamily="18" charset="0"/>
+            </a:endParaRPr>
+          </a:p>
+          <a:p>
+            <a:pPr marL="0" marR="0" indent="0" algn="l" rtl="0">
+              <a:spcBef>
+                <a:spcPts val="0"/>
+              </a:spcBef>
+              <a:buNone/>
+            </a:pPr>
+            <a:r>
+              <a:rPr lang="en-US" sz="1000" b="0" i="0" u="none" strike="noStrike" baseline="0" dirty="0">
+                <a:latin typeface="Times New Roman" panose="02020603050405020304" pitchFamily="18" charset="0"/>
+              </a:rPr>
+              <a:t>from move import Move</a:t>
+            </a:r>
+          </a:p>
+          <a:p>
+            <a:pPr marL="0" marR="0" indent="0" algn="l" rtl="0">
+              <a:spcBef>
+                <a:spcPts val="0"/>
+              </a:spcBef>
+              <a:buNone/>
+            </a:pPr>
+            <a:endParaRPr lang="en-US" sz="1000" b="0" i="0" u="none" strike="noStrike" baseline="0" dirty="0">
+              <a:latin typeface="Times New Roman" panose="02020603050405020304" pitchFamily="18" charset="0"/>
+            </a:endParaRPr>
+          </a:p>
+          <a:p>
+            <a:pPr marL="0" marR="0" indent="0" algn="l" rtl="0">
+              <a:spcBef>
+                <a:spcPts val="0"/>
+              </a:spcBef>
+              <a:buNone/>
+            </a:pPr>
+            <a:r>
+              <a:rPr lang="en-US" sz="1000" b="1" i="0" u="none" strike="noStrike" baseline="0" dirty="0">
+                <a:latin typeface="Times New Roman" panose="02020603050405020304" pitchFamily="18" charset="0"/>
+              </a:rPr>
+              <a:t>class AI:</a:t>
+            </a:r>
+          </a:p>
+          <a:p>
+            <a:pPr marL="0" marR="0" indent="0" algn="l" rtl="0">
+              <a:spcBef>
+                <a:spcPts val="0"/>
+              </a:spcBef>
+              <a:buNone/>
+            </a:pPr>
+            <a:r>
+              <a:rPr lang="en-US" sz="1000" b="1" i="0" u="none" strike="noStrike" baseline="0" dirty="0">
+                <a:latin typeface="Times New Roman" panose="02020603050405020304" pitchFamily="18" charset="0"/>
+              </a:rPr>
+              <a:t>    def __</a:t>
+            </a:r>
+            <a:r>
+              <a:rPr lang="en-US" sz="1000" b="1" i="0" u="none" strike="noStrike" baseline="0" dirty="0" err="1">
+                <a:latin typeface="Times New Roman" panose="02020603050405020304" pitchFamily="18" charset="0"/>
+              </a:rPr>
+              <a:t>init</a:t>
+            </a:r>
+            <a:r>
+              <a:rPr lang="en-US" sz="1000" b="1" i="0" u="none" strike="noStrike" baseline="0" dirty="0">
+                <a:latin typeface="Times New Roman" panose="02020603050405020304" pitchFamily="18" charset="0"/>
+              </a:rPr>
+              <a:t>__(self, board):</a:t>
+            </a:r>
+          </a:p>
+          <a:p>
+            <a:pPr marL="0" marR="0" indent="0" algn="l" rtl="0">
+              <a:spcBef>
+                <a:spcPts val="0"/>
+              </a:spcBef>
+              <a:buNone/>
+            </a:pPr>
+            <a:r>
+              <a:rPr lang="en-US" sz="1000" b="0" i="0" u="none" strike="noStrike" baseline="0" dirty="0">
+                <a:latin typeface="Times New Roman" panose="02020603050405020304" pitchFamily="18" charset="0"/>
+              </a:rPr>
+              <a:t>        </a:t>
+            </a:r>
+            <a:r>
+              <a:rPr lang="en-US" sz="1000" b="0" i="0" u="none" strike="noStrike" baseline="0" dirty="0" err="1">
+                <a:latin typeface="Times New Roman" panose="02020603050405020304" pitchFamily="18" charset="0"/>
+              </a:rPr>
+              <a:t>self.board</a:t>
+            </a:r>
+            <a:r>
+              <a:rPr lang="en-US" sz="1000" b="0" i="0" u="none" strike="noStrike" baseline="0" dirty="0">
+                <a:latin typeface="Times New Roman" panose="02020603050405020304" pitchFamily="18" charset="0"/>
+              </a:rPr>
+              <a:t> = board</a:t>
+            </a:r>
+          </a:p>
+          <a:p>
+            <a:pPr marL="0" marR="0" indent="0" algn="l" rtl="0">
+              <a:spcBef>
+                <a:spcPts val="0"/>
+              </a:spcBef>
+              <a:buNone/>
+            </a:pPr>
+            <a:endParaRPr lang="en-US" sz="1000" b="0" i="0" u="none" strike="noStrike" baseline="0" dirty="0">
+              <a:latin typeface="Times New Roman" panose="02020603050405020304" pitchFamily="18" charset="0"/>
+            </a:endParaRPr>
+          </a:p>
+          <a:p>
+            <a:pPr marL="0" marR="0" indent="0" algn="l" rtl="0">
+              <a:spcBef>
+                <a:spcPts val="0"/>
+              </a:spcBef>
+              <a:buNone/>
+            </a:pPr>
+            <a:r>
+              <a:rPr lang="en-US" sz="1000" b="0" i="0" u="none" strike="noStrike" baseline="0" dirty="0">
+                <a:latin typeface="Times New Roman" panose="02020603050405020304" pitchFamily="18" charset="0"/>
+              </a:rPr>
+              <a:t>    </a:t>
+            </a:r>
+            <a:r>
+              <a:rPr lang="en-US" sz="1000" b="1" i="0" u="none" strike="noStrike" baseline="0" dirty="0">
+                <a:latin typeface="Times New Roman" panose="02020603050405020304" pitchFamily="18" charset="0"/>
+              </a:rPr>
+              <a:t>def </a:t>
+            </a:r>
+            <a:r>
+              <a:rPr lang="en-US" sz="1000" b="1" i="0" u="none" strike="noStrike" baseline="0" dirty="0" err="1">
+                <a:latin typeface="Times New Roman" panose="02020603050405020304" pitchFamily="18" charset="0"/>
+              </a:rPr>
+              <a:t>evaluate_board</a:t>
+            </a:r>
+            <a:r>
+              <a:rPr lang="en-US" sz="1000" b="1" i="0" u="none" strike="noStrike" baseline="0" dirty="0">
+                <a:latin typeface="Times New Roman" panose="02020603050405020304" pitchFamily="18" charset="0"/>
+              </a:rPr>
+              <a:t>(self):</a:t>
+            </a:r>
+          </a:p>
+          <a:p>
+            <a:pPr marL="0" marR="0" indent="0" algn="l" rtl="0">
+              <a:spcBef>
+                <a:spcPts val="0"/>
+              </a:spcBef>
+              <a:buNone/>
+            </a:pPr>
+            <a:r>
+              <a:rPr lang="en-US" sz="1000" b="0" i="0" u="none" strike="noStrike" baseline="0" dirty="0">
+                <a:latin typeface="Times New Roman" panose="02020603050405020304" pitchFamily="18" charset="0"/>
+              </a:rPr>
+              <a:t>        </a:t>
+            </a:r>
+            <a:r>
+              <a:rPr lang="en-US" sz="1000" b="0" i="0" u="none" strike="noStrike" baseline="0" dirty="0" err="1">
+                <a:latin typeface="Times New Roman" panose="02020603050405020304" pitchFamily="18" charset="0"/>
+              </a:rPr>
+              <a:t>piece_square_tables</a:t>
+            </a:r>
+            <a:r>
+              <a:rPr lang="en-US" sz="1000" b="0" i="0" u="none" strike="noStrike" baseline="0" dirty="0">
+                <a:latin typeface="Times New Roman" panose="02020603050405020304" pitchFamily="18" charset="0"/>
+              </a:rPr>
+              <a:t> = {</a:t>
+            </a:r>
+          </a:p>
+          <a:p>
+            <a:pPr marL="0" marR="0" indent="0" algn="l" rtl="0">
+              <a:spcBef>
+                <a:spcPts val="0"/>
+              </a:spcBef>
+              <a:buNone/>
+            </a:pPr>
+            <a:r>
+              <a:rPr lang="en-US" sz="1000" b="0" i="0" u="none" strike="noStrike" baseline="0" dirty="0">
+                <a:latin typeface="Times New Roman" panose="02020603050405020304" pitchFamily="18" charset="0"/>
+              </a:rPr>
+              <a:t>            'Pawn': [</a:t>
+            </a:r>
+          </a:p>
+          <a:p>
+            <a:pPr marL="0" marR="0" indent="0" algn="l" rtl="0">
+              <a:spcBef>
+                <a:spcPts val="0"/>
+              </a:spcBef>
+              <a:buNone/>
+            </a:pPr>
+            <a:r>
+              <a:rPr lang="en-US" sz="1000" b="0" i="0" u="none" strike="noStrike" baseline="0" dirty="0">
+                <a:latin typeface="Times New Roman" panose="02020603050405020304" pitchFamily="18" charset="0"/>
+              </a:rPr>
+              <a:t>                [0.0, 0.0, 0.0, 0.0, 0.0, 0.0, 0.0, 0.0],   </a:t>
+            </a:r>
+          </a:p>
+          <a:p>
+            <a:pPr marL="0" marR="0" indent="0" algn="l" rtl="0">
+              <a:spcBef>
+                <a:spcPts val="0"/>
+              </a:spcBef>
+              <a:buNone/>
+            </a:pPr>
+            <a:r>
+              <a:rPr lang="en-US" sz="1000" b="0" i="0" u="none" strike="noStrike" baseline="0" dirty="0">
+                <a:latin typeface="Times New Roman" panose="02020603050405020304" pitchFamily="18" charset="0"/>
+              </a:rPr>
+              <a:t>                [5.0, 5.0, 5.0, 5.0, 5.0, 5.0, 5.0, 5.0],   </a:t>
+            </a:r>
+          </a:p>
+          <a:p>
+            <a:pPr marL="0" marR="0" indent="0" algn="l" rtl="0">
+              <a:spcBef>
+                <a:spcPts val="0"/>
+              </a:spcBef>
+              <a:buNone/>
+            </a:pPr>
+            <a:r>
+              <a:rPr lang="en-US" sz="1000" b="0" i="0" u="none" strike="noStrike" baseline="0" dirty="0">
+                <a:latin typeface="Times New Roman" panose="02020603050405020304" pitchFamily="18" charset="0"/>
+              </a:rPr>
+              <a:t>                [1.0, 1.0, 2.0, 3.0, 3.0, 2.0, 1.0, 1.0],</a:t>
+            </a:r>
+          </a:p>
+          <a:p>
+            <a:pPr marL="0" marR="0" indent="0" algn="l" rtl="0">
+              <a:spcBef>
+                <a:spcPts val="0"/>
+              </a:spcBef>
+              <a:buNone/>
+            </a:pPr>
+            <a:r>
+              <a:rPr lang="en-US" sz="1000" b="0" i="0" u="none" strike="noStrike" baseline="0" dirty="0">
+                <a:latin typeface="Times New Roman" panose="02020603050405020304" pitchFamily="18" charset="0"/>
+              </a:rPr>
+              <a:t>                [0.5, 0.5, 1.0, 2.5, 2.5, 1.0, 0.5, 0.5],</a:t>
+            </a:r>
+          </a:p>
+          <a:p>
+            <a:pPr marL="0" marR="0" indent="0" algn="l" rtl="0">
+              <a:spcBef>
+                <a:spcPts val="0"/>
+              </a:spcBef>
+              <a:buNone/>
+            </a:pPr>
+            <a:r>
+              <a:rPr lang="en-US" sz="1000" b="0" i="0" u="none" strike="noStrike" baseline="0" dirty="0">
+                <a:latin typeface="Times New Roman" panose="02020603050405020304" pitchFamily="18" charset="0"/>
+              </a:rPr>
+              <a:t>                [0.0, 0.0, 0.0, 2.0, 2.0, 0.0, 0.0, 0.0],</a:t>
+            </a:r>
+          </a:p>
+          <a:p>
+            <a:pPr marL="0" marR="0" indent="0" algn="l" rtl="0">
+              <a:spcBef>
+                <a:spcPts val="0"/>
+              </a:spcBef>
+              <a:buNone/>
+            </a:pPr>
+            <a:r>
+              <a:rPr lang="en-US" sz="1000" b="0" i="0" u="none" strike="noStrike" baseline="0" dirty="0">
+                <a:latin typeface="Times New Roman" panose="02020603050405020304" pitchFamily="18" charset="0"/>
+              </a:rPr>
+              <a:t>                [0.5, -0.5, -1.0, 0.0, 0.0, -1.0, -0.5, 0.5],</a:t>
+            </a:r>
+          </a:p>
+          <a:p>
+            <a:pPr marL="0" marR="0" indent="0" algn="l" rtl="0">
+              <a:spcBef>
+                <a:spcPts val="0"/>
+              </a:spcBef>
+              <a:buNone/>
+            </a:pPr>
+            <a:r>
+              <a:rPr lang="en-US" sz="1000" b="0" i="0" u="none" strike="noStrike" baseline="0" dirty="0">
+                <a:latin typeface="Times New Roman" panose="02020603050405020304" pitchFamily="18" charset="0"/>
+              </a:rPr>
+              <a:t>                [0.5, 1.0, 1.0, -2.0, -2.0, 1.0, 1.0, 0.5],</a:t>
+            </a:r>
+          </a:p>
+          <a:p>
+            <a:pPr marL="0" marR="0" indent="0" algn="l" rtl="0">
+              <a:spcBef>
+                <a:spcPts val="0"/>
+              </a:spcBef>
+              <a:buNone/>
+            </a:pPr>
+            <a:r>
+              <a:rPr lang="en-US" sz="1000" b="0" i="0" u="none" strike="noStrike" baseline="0" dirty="0">
+                <a:latin typeface="Times New Roman" panose="02020603050405020304" pitchFamily="18" charset="0"/>
+              </a:rPr>
+              <a:t>                [0.0, 0.0, 0.0, 0.0, 0.0, 0.0, 0.0, 0.0]</a:t>
+            </a:r>
+          </a:p>
+          <a:p>
+            <a:pPr marL="0" marR="0" indent="0" algn="l" rtl="0">
+              <a:spcBef>
+                <a:spcPts val="0"/>
+              </a:spcBef>
+              <a:buNone/>
+            </a:pPr>
+            <a:r>
+              <a:rPr lang="en-US" sz="1000" b="0" i="0" u="none" strike="noStrike" baseline="0" dirty="0">
+                <a:latin typeface="Times New Roman" panose="02020603050405020304" pitchFamily="18" charset="0"/>
+              </a:rPr>
+              <a:t>            ],</a:t>
+            </a:r>
+          </a:p>
+          <a:p>
+            <a:pPr marL="0" marR="0" indent="0" algn="l" rtl="0">
+              <a:spcBef>
+                <a:spcPts val="0"/>
+              </a:spcBef>
+              <a:buNone/>
+            </a:pPr>
+            <a:r>
+              <a:rPr lang="en-US" sz="1000" b="0" i="0" u="none" strike="noStrike" baseline="0" dirty="0">
+                <a:latin typeface="Times New Roman" panose="02020603050405020304" pitchFamily="18" charset="0"/>
+              </a:rPr>
+              <a:t>            'Knight': [</a:t>
+            </a:r>
+          </a:p>
+          <a:p>
+            <a:pPr marL="0" marR="0" indent="0" algn="l" rtl="0">
+              <a:spcBef>
+                <a:spcPts val="0"/>
+              </a:spcBef>
+              <a:buNone/>
+            </a:pPr>
+            <a:r>
+              <a:rPr lang="en-US" sz="1000" b="0" i="0" u="none" strike="noStrike" baseline="0" dirty="0">
+                <a:latin typeface="Times New Roman" panose="02020603050405020304" pitchFamily="18" charset="0"/>
+              </a:rPr>
+              <a:t>                [-5.0, -4.0, -3.0, -3.0, -3.0, -3.0, -4.0, -5.0],</a:t>
+            </a:r>
+          </a:p>
+          <a:p>
+            <a:pPr marL="0" marR="0" indent="0" algn="l" rtl="0">
+              <a:spcBef>
+                <a:spcPts val="0"/>
+              </a:spcBef>
+              <a:buNone/>
+            </a:pPr>
+            <a:r>
+              <a:rPr lang="en-US" sz="1000" b="0" i="0" u="none" strike="noStrike" baseline="0" dirty="0">
+                <a:latin typeface="Times New Roman" panose="02020603050405020304" pitchFamily="18" charset="0"/>
+              </a:rPr>
+              <a:t>                [-4.0, -2.0, 0.0, 0.0, 0.0, 0.0, -2.0, -4.0],</a:t>
+            </a:r>
+          </a:p>
+          <a:p>
+            <a:pPr marL="0" marR="0" indent="0" algn="l" rtl="0">
+              <a:spcBef>
+                <a:spcPts val="0"/>
+              </a:spcBef>
+              <a:buNone/>
+            </a:pPr>
+            <a:r>
+              <a:rPr lang="en-US" sz="1000" b="0" i="0" u="none" strike="noStrike" baseline="0" dirty="0">
+                <a:latin typeface="Times New Roman" panose="02020603050405020304" pitchFamily="18" charset="0"/>
+              </a:rPr>
+              <a:t>                [-3.0, 0.0, 1.0, 1.5, 1.5, 1.0, 0.0, -3.0],</a:t>
+            </a:r>
+          </a:p>
+          <a:p>
+            <a:pPr marL="0" marR="0" indent="0" algn="l" rtl="0">
+              <a:spcBef>
+                <a:spcPts val="0"/>
+              </a:spcBef>
+              <a:buNone/>
+            </a:pPr>
+            <a:r>
+              <a:rPr lang="en-US" sz="1000" b="0" i="0" u="none" strike="noStrike" baseline="0" dirty="0">
+                <a:latin typeface="Times New Roman" panose="02020603050405020304" pitchFamily="18" charset="0"/>
+              </a:rPr>
+              <a:t>                [-3.0, 0.5, 1.5, 2.0, 2.0, 1.5, 0.5, -3.0],</a:t>
+            </a:r>
+          </a:p>
+          <a:p>
+            <a:pPr marL="0" marR="0" indent="0" algn="l" rtl="0">
+              <a:spcBef>
+                <a:spcPts val="0"/>
+              </a:spcBef>
+              <a:buNone/>
+            </a:pPr>
+            <a:r>
+              <a:rPr lang="en-US" sz="1000" b="0" i="0" u="none" strike="noStrike" baseline="0" dirty="0">
+                <a:latin typeface="Times New Roman" panose="02020603050405020304" pitchFamily="18" charset="0"/>
+              </a:rPr>
+              <a:t>                [-3.0, 0.0, 1.5, 2.0, 2.0, 1.5, 0.0, -3.0],</a:t>
+            </a:r>
+          </a:p>
+          <a:p>
+            <a:pPr marL="0" marR="0" indent="0" algn="l" rtl="0">
+              <a:spcBef>
+                <a:spcPts val="0"/>
+              </a:spcBef>
+              <a:buNone/>
+            </a:pPr>
+            <a:r>
+              <a:rPr lang="en-US" sz="1000" b="0" i="0" u="none" strike="noStrike" baseline="0" dirty="0">
+                <a:latin typeface="Times New Roman" panose="02020603050405020304" pitchFamily="18" charset="0"/>
+              </a:rPr>
+              <a:t>                [-3.0, 0.5, 1.0, 1.5, 1.5, 1.0, 0.5, -3.0],</a:t>
+            </a:r>
+          </a:p>
+          <a:p>
+            <a:pPr marL="0" marR="0" indent="0" algn="l" rtl="0">
+              <a:spcBef>
+                <a:spcPts val="0"/>
+              </a:spcBef>
+              <a:buNone/>
+            </a:pPr>
+            <a:r>
+              <a:rPr lang="en-US" sz="1000" b="0" i="0" u="none" strike="noStrike" baseline="0" dirty="0">
+                <a:latin typeface="Times New Roman" panose="02020603050405020304" pitchFamily="18" charset="0"/>
+              </a:rPr>
+              <a:t>                [-4.0, -2.0, 0.0, 0.5, 0.5, 0.0, -2.0, -4.0],</a:t>
+            </a:r>
+          </a:p>
+          <a:p>
+            <a:pPr marL="0" marR="0" indent="0" algn="l" rtl="0">
+              <a:spcBef>
+                <a:spcPts val="0"/>
+              </a:spcBef>
+              <a:buNone/>
+            </a:pPr>
+            <a:r>
+              <a:rPr lang="en-US" sz="1000" b="0" i="0" u="none" strike="noStrike" baseline="0" dirty="0">
+                <a:latin typeface="Times New Roman" panose="02020603050405020304" pitchFamily="18" charset="0"/>
+              </a:rPr>
+              <a:t>                [-5.0, -4.0, -3.0, -3.0, -3.0, -3.0, -4.0, -5.0]</a:t>
+            </a:r>
+          </a:p>
+          <a:p>
+            <a:pPr marL="0" marR="0" indent="0" algn="l" rtl="0">
+              <a:spcBef>
+                <a:spcPts val="0"/>
+              </a:spcBef>
+              <a:buNone/>
+            </a:pPr>
+            <a:r>
+              <a:rPr lang="en-US" sz="1000" b="0" i="0" u="none" strike="noStrike" baseline="0" dirty="0">
+                <a:latin typeface="Times New Roman" panose="02020603050405020304" pitchFamily="18" charset="0"/>
+              </a:rPr>
+              <a:t>            ],</a:t>
+            </a:r>
+          </a:p>
+          <a:p>
+            <a:pPr marL="0" indent="0">
+              <a:spcBef>
+                <a:spcPts val="0"/>
+              </a:spcBef>
+              <a:buNone/>
+            </a:pPr>
+            <a:endParaRPr lang="en-US" sz="1000" dirty="0"/>
           </a:p>
         </p:txBody>
       </p:sp>
@@ -35089,7 +35613,7 @@
         </p:nvSpPr>
         <p:spPr>
           <a:xfrm>
-            <a:off x="963561" y="1341186"/>
+            <a:off x="953729" y="1256727"/>
             <a:ext cx="4240328" cy="369332"/>
           </a:xfrm>
           <a:prstGeom prst="rect">
@@ -35116,6 +35640,949 @@
               </a:rPr>
               <a:t>Quản lí AI đánh cờ với người chơi (ai.py)</a:t>
             </a:r>
+          </a:p>
+        </p:txBody>
+      </p:sp>
+      <p:sp>
+        <p:nvSpPr>
+          <p:cNvPr id="6" name="TextBox 5">
+            <a:extLst>
+              <a:ext uri="{FF2B5EF4-FFF2-40B4-BE49-F238E27FC236}">
+                <a16:creationId xmlns:a16="http://schemas.microsoft.com/office/drawing/2014/main" id="{71AFABD2-E65E-D26D-86A0-98DDB8E6A02A}"/>
+              </a:ext>
+            </a:extLst>
+          </p:cNvPr>
+          <p:cNvSpPr txBox="1"/>
+          <p:nvPr/>
+        </p:nvSpPr>
+        <p:spPr>
+          <a:xfrm>
+            <a:off x="3992992" y="1783507"/>
+            <a:ext cx="2893741" cy="4862870"/>
+          </a:xfrm>
+          <a:prstGeom prst="rect">
+            <a:avLst/>
+          </a:prstGeom>
+          <a:noFill/>
+        </p:spPr>
+        <p:txBody>
+          <a:bodyPr wrap="none" rtlCol="0">
+            <a:spAutoFit/>
+          </a:bodyPr>
+          <a:lstStyle/>
+          <a:p>
+            <a:pPr marL="0" marR="0" indent="0" algn="l" rtl="0">
+              <a:spcBef>
+                <a:spcPts val="0"/>
+              </a:spcBef>
+              <a:buNone/>
+            </a:pPr>
+            <a:r>
+              <a:rPr lang="en-US" sz="1000" b="0" i="0" u="none" strike="noStrike" baseline="0" dirty="0">
+                <a:latin typeface="Times New Roman" panose="02020603050405020304" pitchFamily="18" charset="0"/>
+              </a:rPr>
+              <a:t>            'Bishop': [</a:t>
+            </a:r>
+          </a:p>
+          <a:p>
+            <a:pPr marL="0" marR="0" indent="0" algn="l" rtl="0">
+              <a:spcBef>
+                <a:spcPts val="0"/>
+              </a:spcBef>
+              <a:buNone/>
+            </a:pPr>
+            <a:r>
+              <a:rPr lang="en-US" sz="1000" b="0" i="0" u="none" strike="noStrike" baseline="0" dirty="0">
+                <a:latin typeface="Times New Roman" panose="02020603050405020304" pitchFamily="18" charset="0"/>
+              </a:rPr>
+              <a:t>                [-2.0, -1.0, -1.0, -1.0, -1.0, -1.0, -1.0, -2.0],</a:t>
+            </a:r>
+          </a:p>
+          <a:p>
+            <a:pPr marL="0" marR="0" indent="0" algn="l" rtl="0">
+              <a:spcBef>
+                <a:spcPts val="0"/>
+              </a:spcBef>
+              <a:buNone/>
+            </a:pPr>
+            <a:r>
+              <a:rPr lang="en-US" sz="1000" b="0" i="0" u="none" strike="noStrike" baseline="0" dirty="0">
+                <a:latin typeface="Times New Roman" panose="02020603050405020304" pitchFamily="18" charset="0"/>
+              </a:rPr>
+              <a:t>                [-1.0, 0.0, 0.0, 0.0, 0.0, 0.0, 0.0, -1.0],</a:t>
+            </a:r>
+          </a:p>
+          <a:p>
+            <a:pPr marL="0" marR="0" indent="0" algn="l" rtl="0">
+              <a:spcBef>
+                <a:spcPts val="0"/>
+              </a:spcBef>
+              <a:buNone/>
+            </a:pPr>
+            <a:r>
+              <a:rPr lang="en-US" sz="1000" b="0" i="0" u="none" strike="noStrike" baseline="0" dirty="0">
+                <a:latin typeface="Times New Roman" panose="02020603050405020304" pitchFamily="18" charset="0"/>
+              </a:rPr>
+              <a:t>                [-1.0, 0.0, 0.5, 1.0, 1.0, 0.5, 0.0, -1.0],</a:t>
+            </a:r>
+          </a:p>
+          <a:p>
+            <a:pPr marL="0" marR="0" indent="0" algn="l" rtl="0">
+              <a:spcBef>
+                <a:spcPts val="0"/>
+              </a:spcBef>
+              <a:buNone/>
+            </a:pPr>
+            <a:r>
+              <a:rPr lang="en-US" sz="1000" b="0" i="0" u="none" strike="noStrike" baseline="0" dirty="0">
+                <a:latin typeface="Times New Roman" panose="02020603050405020304" pitchFamily="18" charset="0"/>
+              </a:rPr>
+              <a:t>                [-1.0, 0.5, 0.5, 1.0, 1.0, 0.5, 0.5, -1.0],</a:t>
+            </a:r>
+          </a:p>
+          <a:p>
+            <a:pPr marL="0" marR="0" indent="0" algn="l" rtl="0">
+              <a:spcBef>
+                <a:spcPts val="0"/>
+              </a:spcBef>
+              <a:buNone/>
+            </a:pPr>
+            <a:r>
+              <a:rPr lang="en-US" sz="1000" b="0" i="0" u="none" strike="noStrike" baseline="0" dirty="0">
+                <a:latin typeface="Times New Roman" panose="02020603050405020304" pitchFamily="18" charset="0"/>
+              </a:rPr>
+              <a:t>                [-1.0, 0.0, 1.0, 1.0, 1.0, 1.0, 0.0, -1.0],</a:t>
+            </a:r>
+          </a:p>
+          <a:p>
+            <a:pPr marL="0" marR="0" indent="0" algn="l" rtl="0">
+              <a:spcBef>
+                <a:spcPts val="0"/>
+              </a:spcBef>
+              <a:buNone/>
+            </a:pPr>
+            <a:r>
+              <a:rPr lang="en-US" sz="1000" b="0" i="0" u="none" strike="noStrike" baseline="0" dirty="0">
+                <a:latin typeface="Times New Roman" panose="02020603050405020304" pitchFamily="18" charset="0"/>
+              </a:rPr>
+              <a:t>                [-1.0, 1.0, 1.0, 1.0, 1.0, 1.0, 1.0, -1.0],</a:t>
+            </a:r>
+          </a:p>
+          <a:p>
+            <a:pPr marL="0" marR="0" indent="0" algn="l" rtl="0">
+              <a:spcBef>
+                <a:spcPts val="0"/>
+              </a:spcBef>
+              <a:buNone/>
+            </a:pPr>
+            <a:r>
+              <a:rPr lang="en-US" sz="1000" b="0" i="0" u="none" strike="noStrike" baseline="0" dirty="0">
+                <a:latin typeface="Times New Roman" panose="02020603050405020304" pitchFamily="18" charset="0"/>
+              </a:rPr>
+              <a:t>                [-1.0, 0.5, 0.0, 0.0, 0.0, 0.0, 0.5, -1.0],</a:t>
+            </a:r>
+          </a:p>
+          <a:p>
+            <a:pPr marL="0" marR="0" indent="0" algn="l" rtl="0">
+              <a:spcBef>
+                <a:spcPts val="0"/>
+              </a:spcBef>
+              <a:buNone/>
+            </a:pPr>
+            <a:r>
+              <a:rPr lang="en-US" sz="1000" b="0" i="0" u="none" strike="noStrike" baseline="0" dirty="0">
+                <a:latin typeface="Times New Roman" panose="02020603050405020304" pitchFamily="18" charset="0"/>
+              </a:rPr>
+              <a:t>                [-2.0, -1.0, -1.0, -1.0, -1.0, -1.0, -1.0, -2.0]</a:t>
+            </a:r>
+          </a:p>
+          <a:p>
+            <a:pPr marL="0" marR="0" indent="0" algn="l" rtl="0">
+              <a:spcBef>
+                <a:spcPts val="0"/>
+              </a:spcBef>
+              <a:buNone/>
+            </a:pPr>
+            <a:r>
+              <a:rPr lang="en-US" sz="1000" b="0" i="0" u="none" strike="noStrike" baseline="0" dirty="0">
+                <a:latin typeface="Times New Roman" panose="02020603050405020304" pitchFamily="18" charset="0"/>
+              </a:rPr>
+              <a:t>            ],</a:t>
+            </a:r>
+          </a:p>
+          <a:p>
+            <a:pPr marL="0" marR="0" indent="0" algn="l" rtl="0">
+              <a:spcBef>
+                <a:spcPts val="0"/>
+              </a:spcBef>
+              <a:buNone/>
+            </a:pPr>
+            <a:r>
+              <a:rPr lang="en-US" sz="1000" b="0" i="0" u="none" strike="noStrike" baseline="0" dirty="0">
+                <a:latin typeface="Times New Roman" panose="02020603050405020304" pitchFamily="18" charset="0"/>
+              </a:rPr>
+              <a:t>            'Rook': [</a:t>
+            </a:r>
+          </a:p>
+          <a:p>
+            <a:pPr marL="0" marR="0" indent="0" algn="l" rtl="0">
+              <a:spcBef>
+                <a:spcPts val="0"/>
+              </a:spcBef>
+              <a:buNone/>
+            </a:pPr>
+            <a:r>
+              <a:rPr lang="en-US" sz="1000" b="0" i="0" u="none" strike="noStrike" baseline="0" dirty="0">
+                <a:latin typeface="Times New Roman" panose="02020603050405020304" pitchFamily="18" charset="0"/>
+              </a:rPr>
+              <a:t>                [0.0, 0.0, 0.0, 0.0, 0.0, 0.0, 0.0, 0.0],</a:t>
+            </a:r>
+          </a:p>
+          <a:p>
+            <a:pPr marL="0" marR="0" indent="0" algn="l" rtl="0">
+              <a:spcBef>
+                <a:spcPts val="0"/>
+              </a:spcBef>
+              <a:buNone/>
+            </a:pPr>
+            <a:r>
+              <a:rPr lang="en-US" sz="1000" b="0" i="0" u="none" strike="noStrike" baseline="0" dirty="0">
+                <a:latin typeface="Times New Roman" panose="02020603050405020304" pitchFamily="18" charset="0"/>
+              </a:rPr>
+              <a:t>                [0.5, 1.0, 1.0, 1.0, 1.0, 1.0, 1.0, 0.5],</a:t>
+            </a:r>
+          </a:p>
+          <a:p>
+            <a:pPr marL="0" marR="0" indent="0" algn="l" rtl="0">
+              <a:spcBef>
+                <a:spcPts val="0"/>
+              </a:spcBef>
+              <a:buNone/>
+            </a:pPr>
+            <a:r>
+              <a:rPr lang="en-US" sz="1000" b="0" i="0" u="none" strike="noStrike" baseline="0" dirty="0">
+                <a:latin typeface="Times New Roman" panose="02020603050405020304" pitchFamily="18" charset="0"/>
+              </a:rPr>
+              <a:t>                [-0.5, 0.0, 0.0, 0.0, 0.0, 0.0, 0.0, -0.5],</a:t>
+            </a:r>
+          </a:p>
+          <a:p>
+            <a:pPr marL="0" marR="0" indent="0" algn="l" rtl="0">
+              <a:spcBef>
+                <a:spcPts val="0"/>
+              </a:spcBef>
+              <a:buNone/>
+            </a:pPr>
+            <a:r>
+              <a:rPr lang="en-US" sz="1000" b="0" i="0" u="none" strike="noStrike" baseline="0" dirty="0">
+                <a:latin typeface="Times New Roman" panose="02020603050405020304" pitchFamily="18" charset="0"/>
+              </a:rPr>
+              <a:t>                [-0.5, 0.0, 0.0, 0.0, 0.0, 0.0, 0.0, -0.5],</a:t>
+            </a:r>
+          </a:p>
+          <a:p>
+            <a:pPr marL="0" marR="0" indent="0" algn="l" rtl="0">
+              <a:spcBef>
+                <a:spcPts val="0"/>
+              </a:spcBef>
+              <a:buNone/>
+            </a:pPr>
+            <a:r>
+              <a:rPr lang="en-US" sz="1000" b="0" i="0" u="none" strike="noStrike" baseline="0" dirty="0">
+                <a:latin typeface="Times New Roman" panose="02020603050405020304" pitchFamily="18" charset="0"/>
+              </a:rPr>
+              <a:t>                [-0.5, 0.0, 0.0, 0.0, 0.0, 0.0, 0.0, -0.5],</a:t>
+            </a:r>
+          </a:p>
+          <a:p>
+            <a:pPr marL="0" marR="0" indent="0" algn="l" rtl="0">
+              <a:spcBef>
+                <a:spcPts val="0"/>
+              </a:spcBef>
+              <a:buNone/>
+            </a:pPr>
+            <a:r>
+              <a:rPr lang="en-US" sz="1000" b="0" i="0" u="none" strike="noStrike" baseline="0" dirty="0">
+                <a:latin typeface="Times New Roman" panose="02020603050405020304" pitchFamily="18" charset="0"/>
+              </a:rPr>
+              <a:t>                [-0.5, 0.0, 0.0, 0.0, 0.0, 0.0, 0.0, -0.5],</a:t>
+            </a:r>
+          </a:p>
+          <a:p>
+            <a:pPr marL="0" marR="0" indent="0" algn="l" rtl="0">
+              <a:spcBef>
+                <a:spcPts val="0"/>
+              </a:spcBef>
+              <a:buNone/>
+            </a:pPr>
+            <a:r>
+              <a:rPr lang="en-US" sz="1000" b="0" i="0" u="none" strike="noStrike" baseline="0" dirty="0">
+                <a:latin typeface="Times New Roman" panose="02020603050405020304" pitchFamily="18" charset="0"/>
+              </a:rPr>
+              <a:t>                [-0.5, 0.0, 0.0, 0.0, 0.0, 0.0, 0.0, -0.5],</a:t>
+            </a:r>
+          </a:p>
+          <a:p>
+            <a:pPr marL="0" marR="0" indent="0" algn="l" rtl="0">
+              <a:spcBef>
+                <a:spcPts val="0"/>
+              </a:spcBef>
+              <a:buNone/>
+            </a:pPr>
+            <a:r>
+              <a:rPr lang="en-US" sz="1000" b="0" i="0" u="none" strike="noStrike" baseline="0" dirty="0">
+                <a:latin typeface="Times New Roman" panose="02020603050405020304" pitchFamily="18" charset="0"/>
+              </a:rPr>
+              <a:t>                [0.0, 0.0, 0.0, 0.5, 0.5, 0.0, 0.0, 0.0]</a:t>
+            </a:r>
+          </a:p>
+          <a:p>
+            <a:pPr marL="0" marR="0" indent="0" algn="l" rtl="0">
+              <a:spcBef>
+                <a:spcPts val="0"/>
+              </a:spcBef>
+              <a:buNone/>
+            </a:pPr>
+            <a:r>
+              <a:rPr lang="en-US" sz="1000" b="0" i="0" u="none" strike="noStrike" baseline="0" dirty="0">
+                <a:latin typeface="Times New Roman" panose="02020603050405020304" pitchFamily="18" charset="0"/>
+              </a:rPr>
+              <a:t>            ],</a:t>
+            </a:r>
+          </a:p>
+          <a:p>
+            <a:pPr marL="0" marR="0" indent="0" algn="l" rtl="0">
+              <a:spcBef>
+                <a:spcPts val="0"/>
+              </a:spcBef>
+              <a:buNone/>
+            </a:pPr>
+            <a:r>
+              <a:rPr lang="en-US" sz="1000" b="0" i="0" u="none" strike="noStrike" baseline="0" dirty="0">
+                <a:latin typeface="Times New Roman" panose="02020603050405020304" pitchFamily="18" charset="0"/>
+              </a:rPr>
+              <a:t>            'Queen': [</a:t>
+            </a:r>
+          </a:p>
+          <a:p>
+            <a:pPr marL="0" marR="0" indent="0" algn="l" rtl="0">
+              <a:spcBef>
+                <a:spcPts val="0"/>
+              </a:spcBef>
+              <a:buNone/>
+            </a:pPr>
+            <a:r>
+              <a:rPr lang="en-US" sz="1000" b="0" i="0" u="none" strike="noStrike" baseline="0" dirty="0">
+                <a:latin typeface="Times New Roman" panose="02020603050405020304" pitchFamily="18" charset="0"/>
+              </a:rPr>
+              <a:t>                [-2.0, -1.0, -1.0, -0.5, -0.5, -1.0, -1.0, -2.0],</a:t>
+            </a:r>
+          </a:p>
+          <a:p>
+            <a:pPr marL="0" marR="0" indent="0" algn="l" rtl="0">
+              <a:spcBef>
+                <a:spcPts val="0"/>
+              </a:spcBef>
+              <a:buNone/>
+            </a:pPr>
+            <a:r>
+              <a:rPr lang="en-US" sz="1000" b="0" i="0" u="none" strike="noStrike" baseline="0" dirty="0">
+                <a:latin typeface="Times New Roman" panose="02020603050405020304" pitchFamily="18" charset="0"/>
+              </a:rPr>
+              <a:t>                [-1.0, 0.0, 0.0, 0.0, 0.0, 0.0, 0.0, -1.0],</a:t>
+            </a:r>
+          </a:p>
+          <a:p>
+            <a:pPr marL="0" marR="0" indent="0" algn="l" rtl="0">
+              <a:spcBef>
+                <a:spcPts val="0"/>
+              </a:spcBef>
+              <a:buNone/>
+            </a:pPr>
+            <a:r>
+              <a:rPr lang="en-US" sz="1000" b="0" i="0" u="none" strike="noStrike" baseline="0" dirty="0">
+                <a:latin typeface="Times New Roman" panose="02020603050405020304" pitchFamily="18" charset="0"/>
+              </a:rPr>
+              <a:t>                [-1.0, 0.0, 0.5, 0.5, 0.5, 0.5, 0.0, -1.0],</a:t>
+            </a:r>
+          </a:p>
+          <a:p>
+            <a:pPr marL="0" marR="0" indent="0" algn="l" rtl="0">
+              <a:spcBef>
+                <a:spcPts val="0"/>
+              </a:spcBef>
+              <a:buNone/>
+            </a:pPr>
+            <a:r>
+              <a:rPr lang="en-US" sz="1000" b="0" i="0" u="none" strike="noStrike" baseline="0" dirty="0">
+                <a:latin typeface="Times New Roman" panose="02020603050405020304" pitchFamily="18" charset="0"/>
+              </a:rPr>
+              <a:t>                [-0.5, 0.0, 0.5, 0.5, 0.5, 0.5, 0.0, -0.5],</a:t>
+            </a:r>
+          </a:p>
+          <a:p>
+            <a:pPr marL="0" marR="0" indent="0" algn="l" rtl="0">
+              <a:spcBef>
+                <a:spcPts val="0"/>
+              </a:spcBef>
+              <a:buNone/>
+            </a:pPr>
+            <a:r>
+              <a:rPr lang="en-US" sz="1000" b="0" i="0" u="none" strike="noStrike" baseline="0" dirty="0">
+                <a:latin typeface="Times New Roman" panose="02020603050405020304" pitchFamily="18" charset="0"/>
+              </a:rPr>
+              <a:t>                [0.0, 0.0, 0.5, 0.5, 0.5, 0.5, 0.0, -0.5],</a:t>
+            </a:r>
+          </a:p>
+          <a:p>
+            <a:pPr marL="0" marR="0" indent="0" algn="l" rtl="0">
+              <a:spcBef>
+                <a:spcPts val="0"/>
+              </a:spcBef>
+              <a:buNone/>
+            </a:pPr>
+            <a:r>
+              <a:rPr lang="en-US" sz="1000" b="0" i="0" u="none" strike="noStrike" baseline="0" dirty="0">
+                <a:latin typeface="Times New Roman" panose="02020603050405020304" pitchFamily="18" charset="0"/>
+              </a:rPr>
+              <a:t>                [-1.0, 0.5, 0.5, 0.5, 0.5, 0.5, 0.0, -1.0],</a:t>
+            </a:r>
+          </a:p>
+          <a:p>
+            <a:pPr marL="0" marR="0" indent="0" algn="l" rtl="0">
+              <a:spcBef>
+                <a:spcPts val="0"/>
+              </a:spcBef>
+              <a:buNone/>
+            </a:pPr>
+            <a:r>
+              <a:rPr lang="en-US" sz="1000" b="0" i="0" u="none" strike="noStrike" baseline="0" dirty="0">
+                <a:latin typeface="Times New Roman" panose="02020603050405020304" pitchFamily="18" charset="0"/>
+              </a:rPr>
+              <a:t>                [-1.0, 0.0, 0.5, 0.0, 0.0, 0.0, 0.0, -1.0],</a:t>
+            </a:r>
+          </a:p>
+          <a:p>
+            <a:pPr marL="0" marR="0" indent="0" algn="l" rtl="0">
+              <a:spcBef>
+                <a:spcPts val="0"/>
+              </a:spcBef>
+              <a:buNone/>
+            </a:pPr>
+            <a:r>
+              <a:rPr lang="en-US" sz="1000" b="0" i="0" u="none" strike="noStrike" baseline="0" dirty="0">
+                <a:latin typeface="Times New Roman" panose="02020603050405020304" pitchFamily="18" charset="0"/>
+              </a:rPr>
+              <a:t>                [-2.0, -1.0, -1.0, -0.5, -0.5, -1.0, -1.0, -2.0]</a:t>
+            </a:r>
+          </a:p>
+          <a:p>
+            <a:pPr marL="0" marR="0" indent="0" algn="l" rtl="0">
+              <a:spcBef>
+                <a:spcPts val="0"/>
+              </a:spcBef>
+              <a:buNone/>
+            </a:pPr>
+            <a:r>
+              <a:rPr lang="en-US" sz="1000" b="0" i="0" u="none" strike="noStrike" baseline="0" dirty="0">
+                <a:latin typeface="Times New Roman" panose="02020603050405020304" pitchFamily="18" charset="0"/>
+              </a:rPr>
+              <a:t>            ],</a:t>
+            </a:r>
+          </a:p>
+          <a:p>
+            <a:endParaRPr lang="en-US" sz="1000" dirty="0"/>
+          </a:p>
+        </p:txBody>
+      </p:sp>
+      <p:sp>
+        <p:nvSpPr>
+          <p:cNvPr id="7" name="TextBox 6">
+            <a:extLst>
+              <a:ext uri="{FF2B5EF4-FFF2-40B4-BE49-F238E27FC236}">
+                <a16:creationId xmlns:a16="http://schemas.microsoft.com/office/drawing/2014/main" id="{5195E9CA-F821-814C-FD66-305CA8497C11}"/>
+              </a:ext>
+            </a:extLst>
+          </p:cNvPr>
+          <p:cNvSpPr txBox="1"/>
+          <p:nvPr/>
+        </p:nvSpPr>
+        <p:spPr>
+          <a:xfrm>
+            <a:off x="7462684" y="1626059"/>
+            <a:ext cx="3587842" cy="5056449"/>
+          </a:xfrm>
+          <a:prstGeom prst="rect">
+            <a:avLst/>
+          </a:prstGeom>
+          <a:noFill/>
+        </p:spPr>
+        <p:txBody>
+          <a:bodyPr wrap="none" rtlCol="0">
+            <a:spAutoFit/>
+          </a:bodyPr>
+          <a:lstStyle/>
+          <a:p>
+            <a:pPr marL="0" marR="0" indent="0" algn="l" rtl="0">
+              <a:spcBef>
+                <a:spcPts val="0"/>
+              </a:spcBef>
+              <a:buNone/>
+            </a:pPr>
+            <a:r>
+              <a:rPr lang="en-US" sz="1000" b="0" i="0" u="none" strike="noStrike" baseline="0" dirty="0">
+                <a:latin typeface="Times New Roman" panose="02020603050405020304" pitchFamily="18" charset="0"/>
+              </a:rPr>
+              <a:t>            'King': [</a:t>
+            </a:r>
+          </a:p>
+          <a:p>
+            <a:pPr marL="0" marR="0" indent="0" algn="l" rtl="0">
+              <a:spcBef>
+                <a:spcPts val="0"/>
+              </a:spcBef>
+              <a:buNone/>
+            </a:pPr>
+            <a:r>
+              <a:rPr lang="en-US" sz="1000" b="0" i="0" u="none" strike="noStrike" baseline="0" dirty="0">
+                <a:latin typeface="Times New Roman" panose="02020603050405020304" pitchFamily="18" charset="0"/>
+              </a:rPr>
+              <a:t>                [-3.0, -4.0, -4.0, -5.0, -5.0, -4.0, -4.0, -3.0],</a:t>
+            </a:r>
+          </a:p>
+          <a:p>
+            <a:pPr marL="0" marR="0" indent="0" algn="l" rtl="0">
+              <a:spcBef>
+                <a:spcPts val="0"/>
+              </a:spcBef>
+              <a:buNone/>
+            </a:pPr>
+            <a:r>
+              <a:rPr lang="en-US" sz="1000" b="0" i="0" u="none" strike="noStrike" baseline="0" dirty="0">
+                <a:latin typeface="Times New Roman" panose="02020603050405020304" pitchFamily="18" charset="0"/>
+              </a:rPr>
+              <a:t>                [-3.0, -4.0, -4.0, -5.0, -5.0, -4.0, -4.0, -3.0],</a:t>
+            </a:r>
+          </a:p>
+          <a:p>
+            <a:pPr marL="0" marR="0" indent="0" algn="l" rtl="0">
+              <a:spcBef>
+                <a:spcPts val="0"/>
+              </a:spcBef>
+              <a:buNone/>
+            </a:pPr>
+            <a:r>
+              <a:rPr lang="en-US" sz="1000" b="0" i="0" u="none" strike="noStrike" baseline="0" dirty="0">
+                <a:latin typeface="Times New Roman" panose="02020603050405020304" pitchFamily="18" charset="0"/>
+              </a:rPr>
+              <a:t>                [-3.0, -4.0, -4.0, -5.0, -5.0, -4.0, -4.0, -3.0],</a:t>
+            </a:r>
+          </a:p>
+          <a:p>
+            <a:pPr marL="0" marR="0" indent="0" algn="l" rtl="0">
+              <a:spcBef>
+                <a:spcPts val="0"/>
+              </a:spcBef>
+              <a:buNone/>
+            </a:pPr>
+            <a:r>
+              <a:rPr lang="en-US" sz="1000" b="0" i="0" u="none" strike="noStrike" baseline="0" dirty="0">
+                <a:latin typeface="Times New Roman" panose="02020603050405020304" pitchFamily="18" charset="0"/>
+              </a:rPr>
+              <a:t>                [-3.0, -4.0, -4.0, -5.0, -5.0, -4.0, -4.0, -3.0],</a:t>
+            </a:r>
+          </a:p>
+          <a:p>
+            <a:pPr marL="0" marR="0" indent="0" algn="l" rtl="0">
+              <a:spcBef>
+                <a:spcPts val="0"/>
+              </a:spcBef>
+              <a:buNone/>
+            </a:pPr>
+            <a:r>
+              <a:rPr lang="en-US" sz="1000" b="0" i="0" u="none" strike="noStrike" baseline="0" dirty="0">
+                <a:latin typeface="Times New Roman" panose="02020603050405020304" pitchFamily="18" charset="0"/>
+              </a:rPr>
+              <a:t>                [-2.0, -3.0, -3.0, -4.0, -4.0, -3.0, -3.0, -2.0],</a:t>
+            </a:r>
+          </a:p>
+          <a:p>
+            <a:pPr marL="0" marR="0" indent="0" algn="l" rtl="0">
+              <a:spcBef>
+                <a:spcPts val="0"/>
+              </a:spcBef>
+              <a:buNone/>
+            </a:pPr>
+            <a:r>
+              <a:rPr lang="en-US" sz="1000" b="0" i="0" u="none" strike="noStrike" baseline="0" dirty="0">
+                <a:latin typeface="Times New Roman" panose="02020603050405020304" pitchFamily="18" charset="0"/>
+              </a:rPr>
+              <a:t>                [-1.0, -2.0, -2.0, -2.0, -2.0, -2.0, -2.0, -1.0],</a:t>
+            </a:r>
+          </a:p>
+          <a:p>
+            <a:pPr marL="0" marR="0" indent="0" algn="l" rtl="0">
+              <a:spcBef>
+                <a:spcPts val="0"/>
+              </a:spcBef>
+              <a:buNone/>
+            </a:pPr>
+            <a:r>
+              <a:rPr lang="en-US" sz="1000" b="0" i="0" u="none" strike="noStrike" baseline="0" dirty="0">
+                <a:latin typeface="Times New Roman" panose="02020603050405020304" pitchFamily="18" charset="0"/>
+              </a:rPr>
+              <a:t>                [2.0, 2.0, 0.0, 0.0, 0.0, 0.0, 2.0, 2.0],        </a:t>
+            </a:r>
+          </a:p>
+          <a:p>
+            <a:pPr marL="0" marR="0" indent="0" algn="l" rtl="0">
+              <a:spcBef>
+                <a:spcPts val="0"/>
+              </a:spcBef>
+              <a:buNone/>
+            </a:pPr>
+            <a:r>
+              <a:rPr lang="en-US" sz="1000" b="0" i="0" u="none" strike="noStrike" baseline="0" dirty="0">
+                <a:latin typeface="Times New Roman" panose="02020603050405020304" pitchFamily="18" charset="0"/>
+              </a:rPr>
+              <a:t>                [2.0, 3.0, 1.0, 0.0, 0.0, 1.0, 3.0, 2.0]</a:t>
+            </a:r>
+          </a:p>
+          <a:p>
+            <a:pPr marL="0" marR="0" indent="0" algn="l" rtl="0">
+              <a:spcBef>
+                <a:spcPts val="0"/>
+              </a:spcBef>
+              <a:buNone/>
+            </a:pPr>
+            <a:r>
+              <a:rPr lang="en-US" sz="1000" b="0" i="0" u="none" strike="noStrike" baseline="0" dirty="0">
+                <a:latin typeface="Times New Roman" panose="02020603050405020304" pitchFamily="18" charset="0"/>
+              </a:rPr>
+              <a:t>            ]</a:t>
+            </a:r>
+          </a:p>
+          <a:p>
+            <a:pPr marL="0" marR="0" indent="0" algn="l" rtl="0">
+              <a:spcBef>
+                <a:spcPts val="0"/>
+              </a:spcBef>
+              <a:buNone/>
+            </a:pPr>
+            <a:r>
+              <a:rPr lang="en-US" sz="1000" b="0" i="0" u="none" strike="noStrike" baseline="0" dirty="0">
+                <a:latin typeface="Times New Roman" panose="02020603050405020304" pitchFamily="18" charset="0"/>
+              </a:rPr>
+              <a:t>        }</a:t>
+            </a:r>
+          </a:p>
+          <a:p>
+            <a:endParaRPr lang="en-US" sz="1000" dirty="0"/>
+          </a:p>
+          <a:p>
+            <a:pPr>
+              <a:lnSpc>
+                <a:spcPct val="107000"/>
+              </a:lnSpc>
+              <a:buNone/>
+            </a:pPr>
+            <a:r>
+              <a:rPr lang="vi-VN" sz="1000" dirty="0">
+                <a:effectLst/>
+                <a:latin typeface="Times New Roman" panose="02020603050405020304" pitchFamily="18" charset="0"/>
+                <a:ea typeface="Calibri" panose="020F0502020204030204" pitchFamily="34" charset="0"/>
+              </a:rPr>
+              <a:t>value_map = {</a:t>
+            </a:r>
+          </a:p>
+          <a:p>
+            <a:pPr>
+              <a:lnSpc>
+                <a:spcPct val="107000"/>
+              </a:lnSpc>
+              <a:buNone/>
+            </a:pPr>
+            <a:r>
+              <a:rPr lang="vi-VN" sz="1000" dirty="0">
+                <a:effectLst/>
+                <a:latin typeface="Times New Roman" panose="02020603050405020304" pitchFamily="18" charset="0"/>
+                <a:ea typeface="Calibri" panose="020F0502020204030204" pitchFamily="34" charset="0"/>
+              </a:rPr>
+              <a:t>            'Pawn': 1.0,</a:t>
+            </a:r>
+          </a:p>
+          <a:p>
+            <a:pPr>
+              <a:lnSpc>
+                <a:spcPct val="107000"/>
+              </a:lnSpc>
+              <a:buNone/>
+            </a:pPr>
+            <a:r>
+              <a:rPr lang="vi-VN" sz="1000" dirty="0">
+                <a:effectLst/>
+                <a:latin typeface="Times New Roman" panose="02020603050405020304" pitchFamily="18" charset="0"/>
+                <a:ea typeface="Calibri" panose="020F0502020204030204" pitchFamily="34" charset="0"/>
+              </a:rPr>
+              <a:t>            'Knight': 3.2,</a:t>
+            </a:r>
+          </a:p>
+          <a:p>
+            <a:pPr>
+              <a:lnSpc>
+                <a:spcPct val="107000"/>
+              </a:lnSpc>
+              <a:buNone/>
+            </a:pPr>
+            <a:r>
+              <a:rPr lang="vi-VN" sz="1000" dirty="0">
+                <a:effectLst/>
+                <a:latin typeface="Times New Roman" panose="02020603050405020304" pitchFamily="18" charset="0"/>
+                <a:ea typeface="Calibri" panose="020F0502020204030204" pitchFamily="34" charset="0"/>
+              </a:rPr>
+              <a:t>            'Bishop': 3.3,</a:t>
+            </a:r>
+          </a:p>
+          <a:p>
+            <a:pPr>
+              <a:lnSpc>
+                <a:spcPct val="107000"/>
+              </a:lnSpc>
+              <a:buNone/>
+            </a:pPr>
+            <a:r>
+              <a:rPr lang="vi-VN" sz="1000" dirty="0">
+                <a:effectLst/>
+                <a:latin typeface="Times New Roman" panose="02020603050405020304" pitchFamily="18" charset="0"/>
+                <a:ea typeface="Calibri" panose="020F0502020204030204" pitchFamily="34" charset="0"/>
+              </a:rPr>
+              <a:t>            'Rook': 5.0,</a:t>
+            </a:r>
+          </a:p>
+          <a:p>
+            <a:pPr>
+              <a:lnSpc>
+                <a:spcPct val="107000"/>
+              </a:lnSpc>
+              <a:buNone/>
+            </a:pPr>
+            <a:r>
+              <a:rPr lang="vi-VN" sz="1000" dirty="0">
+                <a:effectLst/>
+                <a:latin typeface="Times New Roman" panose="02020603050405020304" pitchFamily="18" charset="0"/>
+                <a:ea typeface="Calibri" panose="020F0502020204030204" pitchFamily="34" charset="0"/>
+              </a:rPr>
+              <a:t>            'Queen': 9.0,</a:t>
+            </a:r>
+          </a:p>
+          <a:p>
+            <a:pPr>
+              <a:lnSpc>
+                <a:spcPct val="107000"/>
+              </a:lnSpc>
+              <a:buNone/>
+            </a:pPr>
+            <a:r>
+              <a:rPr lang="vi-VN" sz="1000" dirty="0">
+                <a:effectLst/>
+                <a:latin typeface="Times New Roman" panose="02020603050405020304" pitchFamily="18" charset="0"/>
+                <a:ea typeface="Calibri" panose="020F0502020204030204" pitchFamily="34" charset="0"/>
+              </a:rPr>
+              <a:t>            'King': 1000.0</a:t>
+            </a:r>
+          </a:p>
+          <a:p>
+            <a:pPr>
+              <a:lnSpc>
+                <a:spcPct val="107000"/>
+              </a:lnSpc>
+              <a:buNone/>
+            </a:pPr>
+            <a:r>
+              <a:rPr lang="vi-VN" sz="1000" dirty="0">
+                <a:effectLst/>
+                <a:latin typeface="Times New Roman" panose="02020603050405020304" pitchFamily="18" charset="0"/>
+                <a:ea typeface="Calibri" panose="020F0502020204030204" pitchFamily="34" charset="0"/>
+              </a:rPr>
+              <a:t>        }</a:t>
+            </a:r>
+          </a:p>
+          <a:p>
+            <a:pPr>
+              <a:lnSpc>
+                <a:spcPct val="107000"/>
+              </a:lnSpc>
+              <a:buNone/>
+            </a:pPr>
+            <a:r>
+              <a:rPr lang="vi-VN" sz="1000" dirty="0">
+                <a:effectLst/>
+                <a:latin typeface="Times New Roman" panose="02020603050405020304" pitchFamily="18" charset="0"/>
+                <a:ea typeface="Calibri" panose="020F0502020204030204" pitchFamily="34" charset="0"/>
+              </a:rPr>
+              <a:t>        </a:t>
+            </a:r>
+          </a:p>
+          <a:p>
+            <a:pPr>
+              <a:lnSpc>
+                <a:spcPct val="107000"/>
+              </a:lnSpc>
+              <a:buNone/>
+            </a:pPr>
+            <a:r>
+              <a:rPr lang="vi-VN" sz="1000" dirty="0">
+                <a:effectLst/>
+                <a:latin typeface="Times New Roman" panose="02020603050405020304" pitchFamily="18" charset="0"/>
+                <a:ea typeface="Calibri" panose="020F0502020204030204" pitchFamily="34" charset="0"/>
+              </a:rPr>
+              <a:t>        score = 0</a:t>
+            </a:r>
+          </a:p>
+          <a:p>
+            <a:pPr>
+              <a:lnSpc>
+                <a:spcPct val="107000"/>
+              </a:lnSpc>
+              <a:buNone/>
+            </a:pPr>
+            <a:r>
+              <a:rPr lang="vi-VN" sz="1000" dirty="0">
+                <a:effectLst/>
+                <a:latin typeface="Times New Roman" panose="02020603050405020304" pitchFamily="18" charset="0"/>
+                <a:ea typeface="Calibri" panose="020F0502020204030204" pitchFamily="34" charset="0"/>
+              </a:rPr>
+              <a:t>        mobility = 0</a:t>
+            </a:r>
+          </a:p>
+          <a:p>
+            <a:pPr>
+              <a:lnSpc>
+                <a:spcPct val="107000"/>
+              </a:lnSpc>
+              <a:buNone/>
+            </a:pPr>
+            <a:r>
+              <a:rPr lang="vi-VN" sz="1000" dirty="0">
+                <a:effectLst/>
+                <a:latin typeface="Times New Roman" panose="02020603050405020304" pitchFamily="18" charset="0"/>
+                <a:ea typeface="Calibri" panose="020F0502020204030204" pitchFamily="34" charset="0"/>
+              </a:rPr>
+              <a:t>        </a:t>
+            </a:r>
+          </a:p>
+          <a:p>
+            <a:pPr>
+              <a:lnSpc>
+                <a:spcPct val="107000"/>
+              </a:lnSpc>
+              <a:buNone/>
+            </a:pPr>
+            <a:r>
+              <a:rPr lang="vi-VN" sz="1000" dirty="0">
+                <a:effectLst/>
+                <a:latin typeface="Times New Roman" panose="02020603050405020304" pitchFamily="18" charset="0"/>
+                <a:ea typeface="Calibri" panose="020F0502020204030204" pitchFamily="34" charset="0"/>
+              </a:rPr>
+              <a:t>        for row in range(8):</a:t>
+            </a:r>
+          </a:p>
+          <a:p>
+            <a:pPr>
+              <a:lnSpc>
+                <a:spcPct val="107000"/>
+              </a:lnSpc>
+              <a:buNone/>
+            </a:pPr>
+            <a:r>
+              <a:rPr lang="vi-VN" sz="1000" dirty="0">
+                <a:effectLst/>
+                <a:latin typeface="Times New Roman" panose="02020603050405020304" pitchFamily="18" charset="0"/>
+                <a:ea typeface="Calibri" panose="020F0502020204030204" pitchFamily="34" charset="0"/>
+              </a:rPr>
+              <a:t>            for col in range(8):</a:t>
+            </a:r>
+          </a:p>
+          <a:p>
+            <a:pPr>
+              <a:lnSpc>
+                <a:spcPct val="107000"/>
+              </a:lnSpc>
+              <a:buNone/>
+            </a:pPr>
+            <a:r>
+              <a:rPr lang="vi-VN" sz="1000" dirty="0">
+                <a:effectLst/>
+                <a:latin typeface="Times New Roman" panose="02020603050405020304" pitchFamily="18" charset="0"/>
+                <a:ea typeface="Calibri" panose="020F0502020204030204" pitchFamily="34" charset="0"/>
+              </a:rPr>
+              <a:t>                piece = self.board.squares[row][col].piece</a:t>
+            </a:r>
+          </a:p>
+          <a:p>
+            <a:pPr>
+              <a:lnSpc>
+                <a:spcPct val="107000"/>
+              </a:lnSpc>
+              <a:buNone/>
+            </a:pPr>
+            <a:r>
+              <a:rPr lang="vi-VN" sz="1000" dirty="0">
+                <a:effectLst/>
+                <a:latin typeface="Times New Roman" panose="02020603050405020304" pitchFamily="18" charset="0"/>
+                <a:ea typeface="Calibri" panose="020F0502020204030204" pitchFamily="34" charset="0"/>
+              </a:rPr>
+              <a:t>                if piece:</a:t>
+            </a:r>
+          </a:p>
+          <a:p>
+            <a:pPr>
+              <a:lnSpc>
+                <a:spcPct val="107000"/>
+              </a:lnSpc>
+              <a:buNone/>
+            </a:pPr>
+            <a:r>
+              <a:rPr lang="vi-VN" sz="1000" dirty="0">
+                <a:effectLst/>
+                <a:latin typeface="Times New Roman" panose="02020603050405020304" pitchFamily="18" charset="0"/>
+                <a:ea typeface="Calibri" panose="020F0502020204030204" pitchFamily="34" charset="0"/>
+              </a:rPr>
+              <a:t>                    # Giá trị cơ bản</a:t>
+            </a:r>
+          </a:p>
+          <a:p>
+            <a:pPr>
+              <a:lnSpc>
+                <a:spcPct val="107000"/>
+              </a:lnSpc>
+              <a:buNone/>
+            </a:pPr>
+            <a:r>
+              <a:rPr lang="vi-VN" sz="1000" dirty="0">
+                <a:effectLst/>
+                <a:latin typeface="Times New Roman" panose="02020603050405020304" pitchFamily="18" charset="0"/>
+                <a:ea typeface="Calibri" panose="020F0502020204030204" pitchFamily="34" charset="0"/>
+              </a:rPr>
+              <a:t>                    value = value_map.get(piece.__class__.__name__, 0)</a:t>
+            </a:r>
+          </a:p>
+          <a:p>
+            <a:pPr>
+              <a:lnSpc>
+                <a:spcPct val="107000"/>
+              </a:lnSpc>
+              <a:buNone/>
+            </a:pPr>
+            <a:r>
+              <a:rPr lang="vi-VN" sz="1000" dirty="0">
+                <a:effectLst/>
+                <a:latin typeface="Times New Roman" panose="02020603050405020304" pitchFamily="18" charset="0"/>
+                <a:ea typeface="Calibri" panose="020F0502020204030204" pitchFamily="34" charset="0"/>
+              </a:rPr>
+              <a:t>                    </a:t>
+            </a:r>
+            <a:endParaRPr lang="en-US" sz="1000" dirty="0"/>
           </a:p>
         </p:txBody>
       </p:sp>
@@ -35285,12 +36752,1529 @@
             <p:ph idx="1"/>
           </p:nvPr>
         </p:nvSpPr>
-        <p:spPr/>
+        <p:spPr>
+          <a:xfrm>
+            <a:off x="617564" y="1238520"/>
+            <a:ext cx="3492320" cy="5134848"/>
+          </a:xfrm>
+        </p:spPr>
         <p:txBody>
-          <a:bodyPr/>
+          <a:bodyPr>
+            <a:noAutofit/>
+          </a:bodyPr>
           <a:lstStyle/>
           <a:p>
-            <a:endParaRPr lang="en-US"/>
+            <a:pPr>
+              <a:lnSpc>
+                <a:spcPct val="107000"/>
+              </a:lnSpc>
+              <a:spcBef>
+                <a:spcPts val="0"/>
+              </a:spcBef>
+              <a:buNone/>
+            </a:pPr>
+            <a:r>
+              <a:rPr lang="en-US" sz="1000" dirty="0">
+                <a:effectLst/>
+                <a:latin typeface="Times New Roman" panose="02020603050405020304" pitchFamily="18" charset="0"/>
+                <a:ea typeface="Calibri" panose="020F0502020204030204" pitchFamily="34" charset="0"/>
+              </a:rPr>
+              <a:t>                    </a:t>
+            </a:r>
+            <a:r>
+              <a:rPr lang="vi-VN" sz="1000" dirty="0">
+                <a:effectLst/>
+                <a:latin typeface="Times New Roman" panose="02020603050405020304" pitchFamily="18" charset="0"/>
+                <a:ea typeface="Calibri" panose="020F0502020204030204" pitchFamily="34" charset="0"/>
+              </a:rPr>
+              <a:t># Giá trị vị trí</a:t>
+            </a:r>
+          </a:p>
+          <a:p>
+            <a:pPr>
+              <a:lnSpc>
+                <a:spcPct val="107000"/>
+              </a:lnSpc>
+              <a:spcBef>
+                <a:spcPts val="0"/>
+              </a:spcBef>
+              <a:buNone/>
+            </a:pPr>
+            <a:r>
+              <a:rPr lang="vi-VN" sz="1000" dirty="0">
+                <a:effectLst/>
+                <a:latin typeface="Times New Roman" panose="02020603050405020304" pitchFamily="18" charset="0"/>
+                <a:ea typeface="Calibri" panose="020F0502020204030204" pitchFamily="34" charset="0"/>
+              </a:rPr>
+              <a:t>                    if piece.__class__.__name__ in piece_square_tables:</a:t>
+            </a:r>
+          </a:p>
+          <a:p>
+            <a:pPr>
+              <a:lnSpc>
+                <a:spcPct val="107000"/>
+              </a:lnSpc>
+              <a:spcBef>
+                <a:spcPts val="0"/>
+              </a:spcBef>
+              <a:buNone/>
+            </a:pPr>
+            <a:r>
+              <a:rPr lang="vi-VN" sz="1000" dirty="0">
+                <a:effectLst/>
+                <a:latin typeface="Times New Roman" panose="02020603050405020304" pitchFamily="18" charset="0"/>
+                <a:ea typeface="Calibri" panose="020F0502020204030204" pitchFamily="34" charset="0"/>
+              </a:rPr>
+              <a:t>                        table = piece_square_tables[piece.__class__.__name__]</a:t>
+            </a:r>
+          </a:p>
+          <a:p>
+            <a:pPr>
+              <a:lnSpc>
+                <a:spcPct val="107000"/>
+              </a:lnSpc>
+              <a:spcBef>
+                <a:spcPts val="0"/>
+              </a:spcBef>
+              <a:buNone/>
+            </a:pPr>
+            <a:r>
+              <a:rPr lang="vi-VN" sz="1000" dirty="0">
+                <a:effectLst/>
+                <a:latin typeface="Times New Roman" panose="02020603050405020304" pitchFamily="18" charset="0"/>
+                <a:ea typeface="Calibri" panose="020F0502020204030204" pitchFamily="34" charset="0"/>
+              </a:rPr>
+              <a:t>                        value += table[row][col] if piece.color == 'black' else table[7-row][col]</a:t>
+            </a:r>
+          </a:p>
+          <a:p>
+            <a:pPr>
+              <a:lnSpc>
+                <a:spcPct val="107000"/>
+              </a:lnSpc>
+              <a:spcBef>
+                <a:spcPts val="0"/>
+              </a:spcBef>
+              <a:buNone/>
+            </a:pPr>
+            <a:r>
+              <a:rPr lang="vi-VN" sz="1000" dirty="0">
+                <a:effectLst/>
+                <a:latin typeface="Times New Roman" panose="02020603050405020304" pitchFamily="18" charset="0"/>
+                <a:ea typeface="Calibri" panose="020F0502020204030204" pitchFamily="34" charset="0"/>
+              </a:rPr>
+              <a:t>                    </a:t>
+            </a:r>
+          </a:p>
+          <a:p>
+            <a:pPr>
+              <a:lnSpc>
+                <a:spcPct val="107000"/>
+              </a:lnSpc>
+              <a:spcBef>
+                <a:spcPts val="0"/>
+              </a:spcBef>
+              <a:buNone/>
+            </a:pPr>
+            <a:r>
+              <a:rPr lang="vi-VN" sz="1000" dirty="0">
+                <a:effectLst/>
+                <a:latin typeface="Times New Roman" panose="02020603050405020304" pitchFamily="18" charset="0"/>
+                <a:ea typeface="Calibri" panose="020F0502020204030204" pitchFamily="34" charset="0"/>
+              </a:rPr>
+              <a:t>                    score += value if piece.color == 'black' else -value</a:t>
+            </a:r>
+          </a:p>
+          <a:p>
+            <a:pPr>
+              <a:lnSpc>
+                <a:spcPct val="107000"/>
+              </a:lnSpc>
+              <a:spcBef>
+                <a:spcPts val="0"/>
+              </a:spcBef>
+              <a:buNone/>
+            </a:pPr>
+            <a:r>
+              <a:rPr lang="vi-VN" sz="1000" dirty="0">
+                <a:effectLst/>
+                <a:latin typeface="Times New Roman" panose="02020603050405020304" pitchFamily="18" charset="0"/>
+                <a:ea typeface="Calibri" panose="020F0502020204030204" pitchFamily="34" charset="0"/>
+              </a:rPr>
+              <a:t>                    </a:t>
+            </a:r>
+          </a:p>
+          <a:p>
+            <a:pPr>
+              <a:lnSpc>
+                <a:spcPct val="107000"/>
+              </a:lnSpc>
+              <a:spcBef>
+                <a:spcPts val="0"/>
+              </a:spcBef>
+              <a:buNone/>
+            </a:pPr>
+            <a:r>
+              <a:rPr lang="vi-VN" sz="1000" dirty="0">
+                <a:effectLst/>
+                <a:latin typeface="Times New Roman" panose="02020603050405020304" pitchFamily="18" charset="0"/>
+                <a:ea typeface="Calibri" panose="020F0502020204030204" pitchFamily="34" charset="0"/>
+              </a:rPr>
+              <a:t>                    # Tính toán khả năng di chuyển (mobility)</a:t>
+            </a:r>
+          </a:p>
+          <a:p>
+            <a:pPr>
+              <a:lnSpc>
+                <a:spcPct val="107000"/>
+              </a:lnSpc>
+              <a:spcBef>
+                <a:spcPts val="0"/>
+              </a:spcBef>
+              <a:buNone/>
+            </a:pPr>
+            <a:r>
+              <a:rPr lang="vi-VN" sz="1000" dirty="0">
+                <a:effectLst/>
+                <a:latin typeface="Times New Roman" panose="02020603050405020304" pitchFamily="18" charset="0"/>
+                <a:ea typeface="Calibri" panose="020F0502020204030204" pitchFamily="34" charset="0"/>
+              </a:rPr>
+              <a:t>                    self.board.calc_moves(piece, row, col, bool=True)</a:t>
+            </a:r>
+          </a:p>
+          <a:p>
+            <a:pPr>
+              <a:lnSpc>
+                <a:spcPct val="107000"/>
+              </a:lnSpc>
+              <a:spcBef>
+                <a:spcPts val="0"/>
+              </a:spcBef>
+              <a:buNone/>
+            </a:pPr>
+            <a:r>
+              <a:rPr lang="vi-VN" sz="1000" dirty="0">
+                <a:effectLst/>
+                <a:latin typeface="Times New Roman" panose="02020603050405020304" pitchFamily="18" charset="0"/>
+                <a:ea typeface="Calibri" panose="020F0502020204030204" pitchFamily="34" charset="0"/>
+              </a:rPr>
+              <a:t>                    mobility += len(piece.moves) * (1 if piece.color == 'black' else -1)</a:t>
+            </a:r>
+          </a:p>
+          <a:p>
+            <a:pPr>
+              <a:lnSpc>
+                <a:spcPct val="107000"/>
+              </a:lnSpc>
+              <a:spcBef>
+                <a:spcPts val="0"/>
+              </a:spcBef>
+              <a:buNone/>
+            </a:pPr>
+            <a:r>
+              <a:rPr lang="vi-VN" sz="1000" dirty="0">
+                <a:effectLst/>
+                <a:latin typeface="Times New Roman" panose="02020603050405020304" pitchFamily="18" charset="0"/>
+                <a:ea typeface="Calibri" panose="020F0502020204030204" pitchFamily="34" charset="0"/>
+              </a:rPr>
+              <a:t>        </a:t>
+            </a:r>
+          </a:p>
+          <a:p>
+            <a:pPr>
+              <a:lnSpc>
+                <a:spcPct val="107000"/>
+              </a:lnSpc>
+              <a:spcBef>
+                <a:spcPts val="0"/>
+              </a:spcBef>
+              <a:buNone/>
+            </a:pPr>
+            <a:r>
+              <a:rPr lang="vi-VN" sz="1000" dirty="0">
+                <a:effectLst/>
+                <a:latin typeface="Times New Roman" panose="02020603050405020304" pitchFamily="18" charset="0"/>
+                <a:ea typeface="Calibri" panose="020F0502020204030204" pitchFamily="34" charset="0"/>
+              </a:rPr>
+              <a:t>       </a:t>
+            </a:r>
+            <a:r>
+              <a:rPr lang="en-US" sz="1000" dirty="0">
+                <a:effectLst/>
+                <a:latin typeface="Times New Roman" panose="02020603050405020304" pitchFamily="18" charset="0"/>
+                <a:ea typeface="Calibri" panose="020F0502020204030204" pitchFamily="34" charset="0"/>
+              </a:rPr>
+              <a:t> </a:t>
+            </a:r>
+            <a:r>
+              <a:rPr lang="vi-VN" sz="1000" dirty="0">
+                <a:effectLst/>
+                <a:latin typeface="Times New Roman" panose="02020603050405020304" pitchFamily="18" charset="0"/>
+                <a:ea typeface="Calibri" panose="020F0502020204030204" pitchFamily="34" charset="0"/>
+              </a:rPr>
+              <a:t>score += mobility * 0.1  # Trọng số mobility</a:t>
+            </a:r>
+          </a:p>
+          <a:p>
+            <a:pPr>
+              <a:lnSpc>
+                <a:spcPct val="107000"/>
+              </a:lnSpc>
+              <a:spcBef>
+                <a:spcPts val="0"/>
+              </a:spcBef>
+              <a:buNone/>
+            </a:pPr>
+            <a:r>
+              <a:rPr lang="vi-VN" sz="1000" dirty="0">
+                <a:effectLst/>
+                <a:latin typeface="Times New Roman" panose="02020603050405020304" pitchFamily="18" charset="0"/>
+                <a:ea typeface="Calibri" panose="020F0502020204030204" pitchFamily="34" charset="0"/>
+              </a:rPr>
+              <a:t>        </a:t>
+            </a:r>
+          </a:p>
+          <a:p>
+            <a:pPr>
+              <a:lnSpc>
+                <a:spcPct val="107000"/>
+              </a:lnSpc>
+              <a:spcBef>
+                <a:spcPts val="0"/>
+              </a:spcBef>
+              <a:buNone/>
+            </a:pPr>
+            <a:r>
+              <a:rPr lang="vi-VN" sz="1000" dirty="0">
+                <a:effectLst/>
+                <a:latin typeface="Times New Roman" panose="02020603050405020304" pitchFamily="18" charset="0"/>
+                <a:ea typeface="Calibri" panose="020F0502020204030204" pitchFamily="34" charset="0"/>
+              </a:rPr>
+              <a:t>        return score</a:t>
+            </a:r>
+          </a:p>
+          <a:p>
+            <a:pPr>
+              <a:lnSpc>
+                <a:spcPct val="107000"/>
+              </a:lnSpc>
+              <a:spcBef>
+                <a:spcPts val="0"/>
+              </a:spcBef>
+              <a:buNone/>
+            </a:pPr>
+            <a:r>
+              <a:rPr lang="vi-VN" sz="1000" dirty="0">
+                <a:effectLst/>
+                <a:latin typeface="Times New Roman" panose="02020603050405020304" pitchFamily="18" charset="0"/>
+                <a:ea typeface="Calibri" panose="020F0502020204030204" pitchFamily="34" charset="0"/>
+              </a:rPr>
+              <a:t> </a:t>
+            </a:r>
+          </a:p>
+          <a:p>
+            <a:pPr>
+              <a:lnSpc>
+                <a:spcPct val="107000"/>
+              </a:lnSpc>
+              <a:spcBef>
+                <a:spcPts val="0"/>
+              </a:spcBef>
+              <a:buNone/>
+            </a:pPr>
+            <a:r>
+              <a:rPr lang="vi-VN" sz="1000" dirty="0">
+                <a:effectLst/>
+                <a:latin typeface="Times New Roman" panose="02020603050405020304" pitchFamily="18" charset="0"/>
+                <a:ea typeface="Calibri" panose="020F0502020204030204" pitchFamily="34" charset="0"/>
+              </a:rPr>
+              <a:t>    </a:t>
+            </a:r>
+            <a:r>
+              <a:rPr lang="vi-VN" sz="1000" b="1" dirty="0">
+                <a:effectLst/>
+                <a:latin typeface="Times New Roman" panose="02020603050405020304" pitchFamily="18" charset="0"/>
+                <a:ea typeface="Calibri" panose="020F0502020204030204" pitchFamily="34" charset="0"/>
+              </a:rPr>
+              <a:t>def get_all_moves(self, color):</a:t>
+            </a:r>
+          </a:p>
+          <a:p>
+            <a:pPr>
+              <a:lnSpc>
+                <a:spcPct val="107000"/>
+              </a:lnSpc>
+              <a:spcBef>
+                <a:spcPts val="0"/>
+              </a:spcBef>
+              <a:buNone/>
+            </a:pPr>
+            <a:r>
+              <a:rPr lang="vi-VN" sz="1000" dirty="0">
+                <a:effectLst/>
+                <a:latin typeface="Times New Roman" panose="02020603050405020304" pitchFamily="18" charset="0"/>
+                <a:ea typeface="Calibri" panose="020F0502020204030204" pitchFamily="34" charset="0"/>
+              </a:rPr>
+              <a:t>        moves = []</a:t>
+            </a:r>
+          </a:p>
+          <a:p>
+            <a:pPr>
+              <a:lnSpc>
+                <a:spcPct val="107000"/>
+              </a:lnSpc>
+              <a:spcBef>
+                <a:spcPts val="0"/>
+              </a:spcBef>
+              <a:buNone/>
+            </a:pPr>
+            <a:r>
+              <a:rPr lang="vi-VN" sz="1000" dirty="0">
+                <a:effectLst/>
+                <a:latin typeface="Times New Roman" panose="02020603050405020304" pitchFamily="18" charset="0"/>
+                <a:ea typeface="Calibri" panose="020F0502020204030204" pitchFamily="34" charset="0"/>
+              </a:rPr>
+              <a:t>        for row in range(8):</a:t>
+            </a:r>
+          </a:p>
+          <a:p>
+            <a:pPr>
+              <a:lnSpc>
+                <a:spcPct val="107000"/>
+              </a:lnSpc>
+              <a:spcBef>
+                <a:spcPts val="0"/>
+              </a:spcBef>
+              <a:buNone/>
+            </a:pPr>
+            <a:r>
+              <a:rPr lang="vi-VN" sz="1000" dirty="0">
+                <a:effectLst/>
+                <a:latin typeface="Times New Roman" panose="02020603050405020304" pitchFamily="18" charset="0"/>
+                <a:ea typeface="Calibri" panose="020F0502020204030204" pitchFamily="34" charset="0"/>
+              </a:rPr>
+              <a:t>            for col in range(8):</a:t>
+            </a:r>
+          </a:p>
+          <a:p>
+            <a:pPr>
+              <a:lnSpc>
+                <a:spcPct val="107000"/>
+              </a:lnSpc>
+              <a:spcBef>
+                <a:spcPts val="0"/>
+              </a:spcBef>
+              <a:buNone/>
+            </a:pPr>
+            <a:r>
+              <a:rPr lang="vi-VN" sz="1000" dirty="0">
+                <a:effectLst/>
+                <a:latin typeface="Times New Roman" panose="02020603050405020304" pitchFamily="18" charset="0"/>
+                <a:ea typeface="Calibri" panose="020F0502020204030204" pitchFamily="34" charset="0"/>
+              </a:rPr>
+              <a:t>                square = self.board.squares[row][col]</a:t>
+            </a:r>
+          </a:p>
+          <a:p>
+            <a:pPr>
+              <a:lnSpc>
+                <a:spcPct val="107000"/>
+              </a:lnSpc>
+              <a:spcBef>
+                <a:spcPts val="0"/>
+              </a:spcBef>
+              <a:buNone/>
+            </a:pPr>
+            <a:r>
+              <a:rPr lang="vi-VN" sz="1000" dirty="0">
+                <a:effectLst/>
+                <a:latin typeface="Times New Roman" panose="02020603050405020304" pitchFamily="18" charset="0"/>
+                <a:ea typeface="Calibri" panose="020F0502020204030204" pitchFamily="34" charset="0"/>
+              </a:rPr>
+              <a:t>                piece = square.piece</a:t>
+            </a:r>
+          </a:p>
+          <a:p>
+            <a:pPr>
+              <a:lnSpc>
+                <a:spcPct val="107000"/>
+              </a:lnSpc>
+              <a:spcBef>
+                <a:spcPts val="0"/>
+              </a:spcBef>
+              <a:buNone/>
+            </a:pPr>
+            <a:r>
+              <a:rPr lang="vi-VN" sz="1000" dirty="0">
+                <a:effectLst/>
+                <a:latin typeface="Times New Roman" panose="02020603050405020304" pitchFamily="18" charset="0"/>
+                <a:ea typeface="Calibri" panose="020F0502020204030204" pitchFamily="34" charset="0"/>
+              </a:rPr>
+              <a:t>                if piece and piece.color == color:</a:t>
+            </a:r>
+          </a:p>
+          <a:p>
+            <a:pPr>
+              <a:lnSpc>
+                <a:spcPct val="107000"/>
+              </a:lnSpc>
+              <a:spcBef>
+                <a:spcPts val="0"/>
+              </a:spcBef>
+              <a:buNone/>
+            </a:pPr>
+            <a:r>
+              <a:rPr lang="vi-VN" sz="1000" dirty="0">
+                <a:effectLst/>
+                <a:latin typeface="Times New Roman" panose="02020603050405020304" pitchFamily="18" charset="0"/>
+                <a:ea typeface="Calibri" panose="020F0502020204030204" pitchFamily="34" charset="0"/>
+              </a:rPr>
+              <a:t>                    self.board.calc_moves(piece, row, col, bool=True)</a:t>
+            </a:r>
+          </a:p>
+          <a:p>
+            <a:pPr>
+              <a:lnSpc>
+                <a:spcPct val="107000"/>
+              </a:lnSpc>
+              <a:spcBef>
+                <a:spcPts val="0"/>
+              </a:spcBef>
+              <a:buNone/>
+            </a:pPr>
+            <a:r>
+              <a:rPr lang="vi-VN" sz="1000" dirty="0">
+                <a:effectLst/>
+                <a:latin typeface="Times New Roman" panose="02020603050405020304" pitchFamily="18" charset="0"/>
+                <a:ea typeface="Calibri" panose="020F0502020204030204" pitchFamily="34" charset="0"/>
+              </a:rPr>
+              <a:t>                    for move in piece.moves:</a:t>
+            </a:r>
+          </a:p>
+          <a:p>
+            <a:pPr>
+              <a:lnSpc>
+                <a:spcPct val="107000"/>
+              </a:lnSpc>
+              <a:spcBef>
+                <a:spcPts val="0"/>
+              </a:spcBef>
+              <a:buNone/>
+            </a:pPr>
+            <a:r>
+              <a:rPr lang="vi-VN" sz="1000" dirty="0">
+                <a:effectLst/>
+                <a:latin typeface="Times New Roman" panose="02020603050405020304" pitchFamily="18" charset="0"/>
+                <a:ea typeface="Calibri" panose="020F0502020204030204" pitchFamily="34" charset="0"/>
+              </a:rPr>
+              <a:t>                        moves.append((piece, move))</a:t>
+            </a:r>
+          </a:p>
+          <a:p>
+            <a:pPr>
+              <a:lnSpc>
+                <a:spcPct val="107000"/>
+              </a:lnSpc>
+              <a:spcBef>
+                <a:spcPts val="0"/>
+              </a:spcBef>
+            </a:pPr>
+            <a:r>
+              <a:rPr lang="vi-VN" sz="1000" dirty="0">
+                <a:effectLst/>
+                <a:latin typeface="Times New Roman" panose="02020603050405020304" pitchFamily="18" charset="0"/>
+                <a:ea typeface="Calibri" panose="020F0502020204030204" pitchFamily="34" charset="0"/>
+              </a:rPr>
+              <a:t>        return moves</a:t>
+            </a:r>
+          </a:p>
+          <a:p>
+            <a:pPr>
+              <a:spcBef>
+                <a:spcPts val="0"/>
+              </a:spcBef>
+            </a:pPr>
+            <a:endParaRPr lang="en-US" sz="1000" dirty="0"/>
+          </a:p>
+        </p:txBody>
+      </p:sp>
+      <p:sp>
+        <p:nvSpPr>
+          <p:cNvPr id="4" name="TextBox 3">
+            <a:extLst>
+              <a:ext uri="{FF2B5EF4-FFF2-40B4-BE49-F238E27FC236}">
+                <a16:creationId xmlns:a16="http://schemas.microsoft.com/office/drawing/2014/main" id="{9A2BA06E-9545-7C19-317A-23932559A54D}"/>
+              </a:ext>
+            </a:extLst>
+          </p:cNvPr>
+          <p:cNvSpPr txBox="1"/>
+          <p:nvPr/>
+        </p:nvSpPr>
+        <p:spPr>
+          <a:xfrm>
+            <a:off x="4376289" y="1238520"/>
+            <a:ext cx="3234813" cy="5186035"/>
+          </a:xfrm>
+          <a:prstGeom prst="rect">
+            <a:avLst/>
+          </a:prstGeom>
+          <a:noFill/>
+        </p:spPr>
+        <p:txBody>
+          <a:bodyPr wrap="square" rtlCol="0">
+            <a:spAutoFit/>
+          </a:bodyPr>
+          <a:lstStyle/>
+          <a:p>
+            <a:pPr>
+              <a:lnSpc>
+                <a:spcPct val="107000"/>
+              </a:lnSpc>
+              <a:buNone/>
+            </a:pPr>
+            <a:r>
+              <a:rPr lang="vi-VN" sz="1000" b="1" dirty="0">
+                <a:effectLst/>
+                <a:latin typeface="Times New Roman" panose="02020603050405020304" pitchFamily="18" charset="0"/>
+                <a:ea typeface="Calibri" panose="020F0502020204030204" pitchFamily="34" charset="0"/>
+              </a:rPr>
+              <a:t>class AI_Minimax(AI):</a:t>
+            </a:r>
+          </a:p>
+          <a:p>
+            <a:pPr>
+              <a:lnSpc>
+                <a:spcPct val="107000"/>
+              </a:lnSpc>
+              <a:buNone/>
+            </a:pPr>
+            <a:r>
+              <a:rPr lang="vi-VN" sz="1000" b="1" dirty="0">
+                <a:effectLst/>
+                <a:latin typeface="Times New Roman" panose="02020603050405020304" pitchFamily="18" charset="0"/>
+                <a:ea typeface="Calibri" panose="020F0502020204030204" pitchFamily="34" charset="0"/>
+              </a:rPr>
+              <a:t>    def __init__(self, board):</a:t>
+            </a:r>
+          </a:p>
+          <a:p>
+            <a:pPr>
+              <a:lnSpc>
+                <a:spcPct val="107000"/>
+              </a:lnSpc>
+              <a:buNone/>
+            </a:pPr>
+            <a:r>
+              <a:rPr lang="vi-VN" sz="1000" dirty="0">
+                <a:effectLst/>
+                <a:latin typeface="Times New Roman" panose="02020603050405020304" pitchFamily="18" charset="0"/>
+                <a:ea typeface="Calibri" panose="020F0502020204030204" pitchFamily="34" charset="0"/>
+              </a:rPr>
+              <a:t>        super().__init__(board)</a:t>
+            </a:r>
+          </a:p>
+          <a:p>
+            <a:pPr>
+              <a:lnSpc>
+                <a:spcPct val="107000"/>
+              </a:lnSpc>
+              <a:buNone/>
+            </a:pPr>
+            <a:r>
+              <a:rPr lang="vi-VN" sz="1000" dirty="0">
+                <a:effectLst/>
+                <a:latin typeface="Times New Roman" panose="02020603050405020304" pitchFamily="18" charset="0"/>
+                <a:ea typeface="Calibri" panose="020F0502020204030204" pitchFamily="34" charset="0"/>
+              </a:rPr>
+              <a:t>        self.depth = 3  # Độ sâu cố định</a:t>
+            </a:r>
+          </a:p>
+          <a:p>
+            <a:pPr>
+              <a:lnSpc>
+                <a:spcPct val="107000"/>
+              </a:lnSpc>
+              <a:buNone/>
+            </a:pPr>
+            <a:r>
+              <a:rPr lang="vi-VN" sz="1000" dirty="0">
+                <a:effectLst/>
+                <a:latin typeface="Times New Roman" panose="02020603050405020304" pitchFamily="18" charset="0"/>
+                <a:ea typeface="Calibri" panose="020F0502020204030204" pitchFamily="34" charset="0"/>
+              </a:rPr>
+              <a:t>        self.time_limit = 2  # Giới hạn 3 giây cho mỗi nước đi</a:t>
+            </a:r>
+          </a:p>
+          <a:p>
+            <a:pPr>
+              <a:lnSpc>
+                <a:spcPct val="107000"/>
+              </a:lnSpc>
+              <a:buNone/>
+            </a:pPr>
+            <a:r>
+              <a:rPr lang="vi-VN" sz="1000" dirty="0">
+                <a:effectLst/>
+                <a:latin typeface="Times New Roman" panose="02020603050405020304" pitchFamily="18" charset="0"/>
+                <a:ea typeface="Calibri" panose="020F0502020204030204" pitchFamily="34" charset="0"/>
+              </a:rPr>
+              <a:t>        self.max_nodes = 50000  # Giới hạn số node tối đa</a:t>
+            </a:r>
+          </a:p>
+          <a:p>
+            <a:pPr>
+              <a:lnSpc>
+                <a:spcPct val="107000"/>
+              </a:lnSpc>
+              <a:buNone/>
+            </a:pPr>
+            <a:r>
+              <a:rPr lang="vi-VN" sz="1000" dirty="0">
+                <a:effectLst/>
+                <a:latin typeface="Times New Roman" panose="02020603050405020304" pitchFamily="18" charset="0"/>
+                <a:ea typeface="Calibri" panose="020F0502020204030204" pitchFamily="34" charset="0"/>
+              </a:rPr>
+              <a:t>        </a:t>
+            </a:r>
+          </a:p>
+          <a:p>
+            <a:pPr>
+              <a:lnSpc>
+                <a:spcPct val="107000"/>
+              </a:lnSpc>
+              <a:buNone/>
+            </a:pPr>
+            <a:r>
+              <a:rPr lang="vi-VN" sz="1000" dirty="0">
+                <a:effectLst/>
+                <a:latin typeface="Times New Roman" panose="02020603050405020304" pitchFamily="18" charset="0"/>
+                <a:ea typeface="Calibri" panose="020F0502020204030204" pitchFamily="34" charset="0"/>
+              </a:rPr>
+              <a:t>        # Hệ thống tối ưu</a:t>
+            </a:r>
+          </a:p>
+          <a:p>
+            <a:pPr>
+              <a:lnSpc>
+                <a:spcPct val="107000"/>
+              </a:lnSpc>
+              <a:buNone/>
+            </a:pPr>
+            <a:r>
+              <a:rPr lang="vi-VN" sz="1000" dirty="0">
+                <a:effectLst/>
+                <a:latin typeface="Times New Roman" panose="02020603050405020304" pitchFamily="18" charset="0"/>
+                <a:ea typeface="Calibri" panose="020F0502020204030204" pitchFamily="34" charset="0"/>
+              </a:rPr>
+              <a:t>        self.transposition_table = {}</a:t>
+            </a:r>
+          </a:p>
+          <a:p>
+            <a:pPr>
+              <a:lnSpc>
+                <a:spcPct val="107000"/>
+              </a:lnSpc>
+              <a:buNone/>
+            </a:pPr>
+            <a:r>
+              <a:rPr lang="vi-VN" sz="1000" dirty="0">
+                <a:effectLst/>
+                <a:latin typeface="Times New Roman" panose="02020603050405020304" pitchFamily="18" charset="0"/>
+                <a:ea typeface="Calibri" panose="020F0502020204030204" pitchFamily="34" charset="0"/>
+              </a:rPr>
+              <a:t>        self.killer_moves = defaultdict(list)</a:t>
+            </a:r>
+          </a:p>
+          <a:p>
+            <a:pPr>
+              <a:lnSpc>
+                <a:spcPct val="107000"/>
+              </a:lnSpc>
+              <a:buNone/>
+            </a:pPr>
+            <a:r>
+              <a:rPr lang="vi-VN" sz="1000" dirty="0">
+                <a:effectLst/>
+                <a:latin typeface="Times New Roman" panose="02020603050405020304" pitchFamily="18" charset="0"/>
+                <a:ea typeface="Calibri" panose="020F0502020204030204" pitchFamily="34" charset="0"/>
+              </a:rPr>
+              <a:t>        self.nodes_searched = 0</a:t>
+            </a:r>
+          </a:p>
+          <a:p>
+            <a:pPr>
+              <a:lnSpc>
+                <a:spcPct val="107000"/>
+              </a:lnSpc>
+              <a:buNone/>
+            </a:pPr>
+            <a:r>
+              <a:rPr lang="vi-VN" sz="1000" dirty="0">
+                <a:effectLst/>
+                <a:latin typeface="Times New Roman" panose="02020603050405020304" pitchFamily="18" charset="0"/>
+                <a:ea typeface="Calibri" panose="020F0502020204030204" pitchFamily="34" charset="0"/>
+              </a:rPr>
+              <a:t>        self.start_time = 0</a:t>
+            </a:r>
+          </a:p>
+          <a:p>
+            <a:pPr>
+              <a:lnSpc>
+                <a:spcPct val="107000"/>
+              </a:lnSpc>
+              <a:buNone/>
+            </a:pPr>
+            <a:r>
+              <a:rPr lang="vi-VN" sz="1000" dirty="0">
+                <a:effectLst/>
+                <a:latin typeface="Times New Roman" panose="02020603050405020304" pitchFamily="18" charset="0"/>
+                <a:ea typeface="Calibri" panose="020F0502020204030204" pitchFamily="34" charset="0"/>
+              </a:rPr>
+              <a:t> </a:t>
+            </a:r>
+          </a:p>
+          <a:p>
+            <a:pPr>
+              <a:lnSpc>
+                <a:spcPct val="107000"/>
+              </a:lnSpc>
+              <a:buNone/>
+            </a:pPr>
+            <a:r>
+              <a:rPr lang="vi-VN" sz="1000" dirty="0">
+                <a:effectLst/>
+                <a:latin typeface="Times New Roman" panose="02020603050405020304" pitchFamily="18" charset="0"/>
+                <a:ea typeface="Calibri" panose="020F0502020204030204" pitchFamily="34" charset="0"/>
+              </a:rPr>
+              <a:t>    </a:t>
+            </a:r>
+            <a:r>
+              <a:rPr lang="vi-VN" sz="1000" b="1" dirty="0">
+                <a:effectLst/>
+                <a:latin typeface="Times New Roman" panose="02020603050405020304" pitchFamily="18" charset="0"/>
+                <a:ea typeface="Calibri" panose="020F0502020204030204" pitchFamily="34" charset="0"/>
+              </a:rPr>
+              <a:t>def evaluate_board(self):</a:t>
+            </a:r>
+          </a:p>
+          <a:p>
+            <a:pPr>
+              <a:lnSpc>
+                <a:spcPct val="107000"/>
+              </a:lnSpc>
+              <a:buNone/>
+            </a:pPr>
+            <a:r>
+              <a:rPr lang="vi-VN" sz="1000" dirty="0">
+                <a:effectLst/>
+                <a:latin typeface="Times New Roman" panose="02020603050405020304" pitchFamily="18" charset="0"/>
+                <a:ea typeface="Calibri" panose="020F0502020204030204" pitchFamily="34" charset="0"/>
+              </a:rPr>
+              <a:t>        """Đơn giản hóa đánh giá bàn cờ"""</a:t>
+            </a:r>
+          </a:p>
+          <a:p>
+            <a:pPr>
+              <a:lnSpc>
+                <a:spcPct val="107000"/>
+              </a:lnSpc>
+              <a:buNone/>
+            </a:pPr>
+            <a:r>
+              <a:rPr lang="vi-VN" sz="1000" dirty="0">
+                <a:effectLst/>
+                <a:latin typeface="Times New Roman" panose="02020603050405020304" pitchFamily="18" charset="0"/>
+                <a:ea typeface="Calibri" panose="020F0502020204030204" pitchFamily="34" charset="0"/>
+              </a:rPr>
+              <a:t>        return super().evaluate_board()</a:t>
+            </a:r>
+          </a:p>
+          <a:p>
+            <a:pPr>
+              <a:lnSpc>
+                <a:spcPct val="107000"/>
+              </a:lnSpc>
+              <a:buNone/>
+            </a:pPr>
+            <a:r>
+              <a:rPr lang="vi-VN" sz="1000" dirty="0">
+                <a:effectLst/>
+                <a:latin typeface="Times New Roman" panose="02020603050405020304" pitchFamily="18" charset="0"/>
+                <a:ea typeface="Calibri" panose="020F0502020204030204" pitchFamily="34" charset="0"/>
+              </a:rPr>
+              <a:t> </a:t>
+            </a:r>
+          </a:p>
+          <a:p>
+            <a:pPr>
+              <a:lnSpc>
+                <a:spcPct val="107000"/>
+              </a:lnSpc>
+              <a:buNone/>
+            </a:pPr>
+            <a:r>
+              <a:rPr lang="vi-VN" sz="1000" dirty="0">
+                <a:effectLst/>
+                <a:latin typeface="Times New Roman" panose="02020603050405020304" pitchFamily="18" charset="0"/>
+                <a:ea typeface="Calibri" panose="020F0502020204030204" pitchFamily="34" charset="0"/>
+              </a:rPr>
+              <a:t>    </a:t>
+            </a:r>
+            <a:r>
+              <a:rPr lang="vi-VN" sz="1000" b="1" dirty="0">
+                <a:effectLst/>
+                <a:latin typeface="Times New Roman" panose="02020603050405020304" pitchFamily="18" charset="0"/>
+                <a:ea typeface="Calibri" panose="020F0502020204030204" pitchFamily="34" charset="0"/>
+              </a:rPr>
+              <a:t>def get_board_hash(self, board):</a:t>
+            </a:r>
+          </a:p>
+          <a:p>
+            <a:pPr>
+              <a:lnSpc>
+                <a:spcPct val="107000"/>
+              </a:lnSpc>
+              <a:buNone/>
+            </a:pPr>
+            <a:r>
+              <a:rPr lang="vi-VN" sz="1000" dirty="0">
+                <a:effectLst/>
+                <a:latin typeface="Times New Roman" panose="02020603050405020304" pitchFamily="18" charset="0"/>
+                <a:ea typeface="Calibri" panose="020F0502020204030204" pitchFamily="34" charset="0"/>
+              </a:rPr>
+              <a:t>        """Đơn giản hóa hash bàn cờ"""</a:t>
+            </a:r>
+          </a:p>
+          <a:p>
+            <a:pPr>
+              <a:lnSpc>
+                <a:spcPct val="107000"/>
+              </a:lnSpc>
+              <a:buNone/>
+            </a:pPr>
+            <a:r>
+              <a:rPr lang="vi-VN" sz="1000" dirty="0">
+                <a:effectLst/>
+                <a:latin typeface="Times New Roman" panose="02020603050405020304" pitchFamily="18" charset="0"/>
+                <a:ea typeface="Calibri" panose="020F0502020204030204" pitchFamily="34" charset="0"/>
+              </a:rPr>
+              <a:t>        hash_str = []</a:t>
+            </a:r>
+          </a:p>
+          <a:p>
+            <a:pPr>
+              <a:lnSpc>
+                <a:spcPct val="107000"/>
+              </a:lnSpc>
+              <a:buNone/>
+            </a:pPr>
+            <a:r>
+              <a:rPr lang="vi-VN" sz="1000" dirty="0">
+                <a:effectLst/>
+                <a:latin typeface="Times New Roman" panose="02020603050405020304" pitchFamily="18" charset="0"/>
+                <a:ea typeface="Calibri" panose="020F0502020204030204" pitchFamily="34" charset="0"/>
+              </a:rPr>
+              <a:t>        for row in board.squares:</a:t>
+            </a:r>
+          </a:p>
+          <a:p>
+            <a:pPr>
+              <a:lnSpc>
+                <a:spcPct val="107000"/>
+              </a:lnSpc>
+              <a:buNone/>
+            </a:pPr>
+            <a:r>
+              <a:rPr lang="vi-VN" sz="1000" dirty="0">
+                <a:effectLst/>
+                <a:latin typeface="Times New Roman" panose="02020603050405020304" pitchFamily="18" charset="0"/>
+                <a:ea typeface="Calibri" panose="020F0502020204030204" pitchFamily="34" charset="0"/>
+              </a:rPr>
+              <a:t>            for square in row:</a:t>
+            </a:r>
+          </a:p>
+          <a:p>
+            <a:pPr>
+              <a:lnSpc>
+                <a:spcPct val="107000"/>
+              </a:lnSpc>
+              <a:buNone/>
+            </a:pPr>
+            <a:r>
+              <a:rPr lang="vi-VN" sz="1000" dirty="0">
+                <a:effectLst/>
+                <a:latin typeface="Times New Roman" panose="02020603050405020304" pitchFamily="18" charset="0"/>
+                <a:ea typeface="Calibri" panose="020F0502020204030204" pitchFamily="34" charset="0"/>
+              </a:rPr>
+              <a:t>                piece = square.piece</a:t>
+            </a:r>
+          </a:p>
+          <a:p>
+            <a:pPr>
+              <a:lnSpc>
+                <a:spcPct val="107000"/>
+              </a:lnSpc>
+              <a:buNone/>
+            </a:pPr>
+            <a:r>
+              <a:rPr lang="vi-VN" sz="1000" dirty="0">
+                <a:effectLst/>
+                <a:latin typeface="Times New Roman" panose="02020603050405020304" pitchFamily="18" charset="0"/>
+                <a:ea typeface="Calibri" panose="020F0502020204030204" pitchFamily="34" charset="0"/>
+              </a:rPr>
+              <a:t>                if piece:</a:t>
+            </a:r>
+          </a:p>
+          <a:p>
+            <a:pPr>
+              <a:lnSpc>
+                <a:spcPct val="107000"/>
+              </a:lnSpc>
+              <a:buNone/>
+            </a:pPr>
+            <a:r>
+              <a:rPr lang="vi-VN" sz="1000" dirty="0">
+                <a:effectLst/>
+                <a:latin typeface="Times New Roman" panose="02020603050405020304" pitchFamily="18" charset="0"/>
+                <a:ea typeface="Calibri" panose="020F0502020204030204" pitchFamily="34" charset="0"/>
+              </a:rPr>
+              <a:t>                    hash_str.append(f"{piece.color[0]}{piece.__class__.__name__[0]}")</a:t>
+            </a:r>
+          </a:p>
+          <a:p>
+            <a:pPr>
+              <a:lnSpc>
+                <a:spcPct val="107000"/>
+              </a:lnSpc>
+              <a:buNone/>
+            </a:pPr>
+            <a:r>
+              <a:rPr lang="vi-VN" sz="1000" dirty="0">
+                <a:effectLst/>
+                <a:latin typeface="Times New Roman" panose="02020603050405020304" pitchFamily="18" charset="0"/>
+                <a:ea typeface="Calibri" panose="020F0502020204030204" pitchFamily="34" charset="0"/>
+              </a:rPr>
+              <a:t>                else:</a:t>
+            </a:r>
+          </a:p>
+          <a:p>
+            <a:pPr>
+              <a:lnSpc>
+                <a:spcPct val="107000"/>
+              </a:lnSpc>
+              <a:buNone/>
+            </a:pPr>
+            <a:r>
+              <a:rPr lang="vi-VN" sz="1000" dirty="0">
+                <a:effectLst/>
+                <a:latin typeface="Times New Roman" panose="02020603050405020304" pitchFamily="18" charset="0"/>
+                <a:ea typeface="Calibri" panose="020F0502020204030204" pitchFamily="34" charset="0"/>
+              </a:rPr>
+              <a:t>                    hash_str.append("--")</a:t>
+            </a:r>
+          </a:p>
+          <a:p>
+            <a:pPr>
+              <a:lnSpc>
+                <a:spcPct val="107000"/>
+              </a:lnSpc>
+            </a:pPr>
+            <a:r>
+              <a:rPr lang="vi-VN" sz="1000" dirty="0">
+                <a:effectLst/>
+                <a:latin typeface="Times New Roman" panose="02020603050405020304" pitchFamily="18" charset="0"/>
+                <a:ea typeface="Calibri" panose="020F0502020204030204" pitchFamily="34" charset="0"/>
+              </a:rPr>
+              <a:t>        return "|".join(hash_str)</a:t>
+            </a:r>
+          </a:p>
+          <a:p>
+            <a:endParaRPr lang="en-US" sz="1000" dirty="0"/>
+          </a:p>
+        </p:txBody>
+      </p:sp>
+      <p:sp>
+        <p:nvSpPr>
+          <p:cNvPr id="5" name="TextBox 4">
+            <a:extLst>
+              <a:ext uri="{FF2B5EF4-FFF2-40B4-BE49-F238E27FC236}">
+                <a16:creationId xmlns:a16="http://schemas.microsoft.com/office/drawing/2014/main" id="{857D0F1A-2266-8F8C-BA35-F300B21AF593}"/>
+              </a:ext>
+            </a:extLst>
+          </p:cNvPr>
+          <p:cNvSpPr txBox="1"/>
+          <p:nvPr/>
+        </p:nvSpPr>
+        <p:spPr>
+          <a:xfrm>
+            <a:off x="7877507" y="1228343"/>
+            <a:ext cx="3696929" cy="5021375"/>
+          </a:xfrm>
+          <a:prstGeom prst="rect">
+            <a:avLst/>
+          </a:prstGeom>
+          <a:noFill/>
+        </p:spPr>
+        <p:txBody>
+          <a:bodyPr wrap="square" rtlCol="0">
+            <a:spAutoFit/>
+          </a:bodyPr>
+          <a:lstStyle/>
+          <a:p>
+            <a:pPr>
+              <a:lnSpc>
+                <a:spcPct val="107000"/>
+              </a:lnSpc>
+              <a:buNone/>
+            </a:pPr>
+            <a:r>
+              <a:rPr lang="vi-VN" sz="1000" b="1" dirty="0">
+                <a:effectLst/>
+                <a:latin typeface="Times New Roman" panose="02020603050405020304" pitchFamily="18" charset="0"/>
+                <a:ea typeface="Calibri" panose="020F0502020204030204" pitchFamily="34" charset="0"/>
+              </a:rPr>
+              <a:t>def get_best_move(self, color):</a:t>
+            </a:r>
+            <a:endParaRPr lang="vi-VN" sz="1000" dirty="0">
+              <a:effectLst/>
+              <a:latin typeface="Times New Roman" panose="02020603050405020304" pitchFamily="18" charset="0"/>
+              <a:ea typeface="Calibri" panose="020F0502020204030204" pitchFamily="34" charset="0"/>
+            </a:endParaRPr>
+          </a:p>
+          <a:p>
+            <a:pPr>
+              <a:lnSpc>
+                <a:spcPct val="107000"/>
+              </a:lnSpc>
+              <a:buNone/>
+            </a:pPr>
+            <a:r>
+              <a:rPr lang="vi-VN" sz="1000" dirty="0">
+                <a:effectLst/>
+                <a:latin typeface="Times New Roman" panose="02020603050405020304" pitchFamily="18" charset="0"/>
+                <a:ea typeface="Calibri" panose="020F0502020204030204" pitchFamily="34" charset="0"/>
+              </a:rPr>
+              <a:t>        self.start_time = time.time()</a:t>
+            </a:r>
+          </a:p>
+          <a:p>
+            <a:pPr>
+              <a:lnSpc>
+                <a:spcPct val="107000"/>
+              </a:lnSpc>
+              <a:buNone/>
+            </a:pPr>
+            <a:r>
+              <a:rPr lang="vi-VN" sz="1000" dirty="0">
+                <a:effectLst/>
+                <a:latin typeface="Times New Roman" panose="02020603050405020304" pitchFamily="18" charset="0"/>
+                <a:ea typeface="Calibri" panose="020F0502020204030204" pitchFamily="34" charset="0"/>
+              </a:rPr>
+              <a:t>        self.nodes_searched = 0</a:t>
+            </a:r>
+          </a:p>
+          <a:p>
+            <a:pPr>
+              <a:lnSpc>
+                <a:spcPct val="107000"/>
+              </a:lnSpc>
+              <a:buNone/>
+            </a:pPr>
+            <a:r>
+              <a:rPr lang="vi-VN" sz="1000" dirty="0">
+                <a:effectLst/>
+                <a:latin typeface="Times New Roman" panose="02020603050405020304" pitchFamily="18" charset="0"/>
+                <a:ea typeface="Calibri" panose="020F0502020204030204" pitchFamily="34" charset="0"/>
+              </a:rPr>
+              <a:t>        self.transposition_table.clear()</a:t>
+            </a:r>
+          </a:p>
+          <a:p>
+            <a:pPr>
+              <a:lnSpc>
+                <a:spcPct val="107000"/>
+              </a:lnSpc>
+              <a:buNone/>
+            </a:pPr>
+            <a:r>
+              <a:rPr lang="vi-VN" sz="1000" dirty="0">
+                <a:effectLst/>
+                <a:latin typeface="Times New Roman" panose="02020603050405020304" pitchFamily="18" charset="0"/>
+                <a:ea typeface="Calibri" panose="020F0502020204030204" pitchFamily="34" charset="0"/>
+              </a:rPr>
+              <a:t>        best_move = None</a:t>
+            </a:r>
+          </a:p>
+          <a:p>
+            <a:pPr>
+              <a:lnSpc>
+                <a:spcPct val="107000"/>
+              </a:lnSpc>
+              <a:buNone/>
+            </a:pPr>
+            <a:r>
+              <a:rPr lang="vi-VN" sz="1000" dirty="0">
+                <a:effectLst/>
+                <a:latin typeface="Times New Roman" panose="02020603050405020304" pitchFamily="18" charset="0"/>
+                <a:ea typeface="Calibri" panose="020F0502020204030204" pitchFamily="34" charset="0"/>
+              </a:rPr>
+              <a:t>        </a:t>
+            </a:r>
+          </a:p>
+          <a:p>
+            <a:pPr>
+              <a:lnSpc>
+                <a:spcPct val="107000"/>
+              </a:lnSpc>
+              <a:buNone/>
+            </a:pPr>
+            <a:r>
+              <a:rPr lang="vi-VN" sz="1000" dirty="0">
+                <a:effectLst/>
+                <a:latin typeface="Times New Roman" panose="02020603050405020304" pitchFamily="18" charset="0"/>
+                <a:ea typeface="Calibri" panose="020F0502020204030204" pitchFamily="34" charset="0"/>
+              </a:rPr>
+              <a:t>        try:</a:t>
+            </a:r>
+          </a:p>
+          <a:p>
+            <a:pPr>
+              <a:lnSpc>
+                <a:spcPct val="107000"/>
+              </a:lnSpc>
+              <a:buNone/>
+            </a:pPr>
+            <a:r>
+              <a:rPr lang="vi-VN" sz="1000" dirty="0">
+                <a:effectLst/>
+                <a:latin typeface="Times New Roman" panose="02020603050405020304" pitchFamily="18" charset="0"/>
+                <a:ea typeface="Calibri" panose="020F0502020204030204" pitchFamily="34" charset="0"/>
+              </a:rPr>
+              <a:t>            for current_depth in range(1, self.depth + 1):</a:t>
+            </a:r>
+          </a:p>
+          <a:p>
+            <a:pPr>
+              <a:lnSpc>
+                <a:spcPct val="107000"/>
+              </a:lnSpc>
+              <a:buNone/>
+            </a:pPr>
+            <a:r>
+              <a:rPr lang="vi-VN" sz="1000" dirty="0">
+                <a:effectLst/>
+                <a:latin typeface="Times New Roman" panose="02020603050405020304" pitchFamily="18" charset="0"/>
+                <a:ea typeface="Calibri" panose="020F0502020204030204" pitchFamily="34" charset="0"/>
+              </a:rPr>
+              <a:t>                _, pos, move = self.minimax(</a:t>
+            </a:r>
+          </a:p>
+          <a:p>
+            <a:pPr>
+              <a:lnSpc>
+                <a:spcPct val="107000"/>
+              </a:lnSpc>
+              <a:buNone/>
+            </a:pPr>
+            <a:r>
+              <a:rPr lang="vi-VN" sz="1000" dirty="0">
+                <a:effectLst/>
+                <a:latin typeface="Times New Roman" panose="02020603050405020304" pitchFamily="18" charset="0"/>
+                <a:ea typeface="Calibri" panose="020F0502020204030204" pitchFamily="34" charset="0"/>
+              </a:rPr>
+              <a:t>                    self.board, </a:t>
+            </a:r>
+          </a:p>
+          <a:p>
+            <a:pPr>
+              <a:lnSpc>
+                <a:spcPct val="107000"/>
+              </a:lnSpc>
+              <a:buNone/>
+            </a:pPr>
+            <a:r>
+              <a:rPr lang="vi-VN" sz="1000" dirty="0">
+                <a:effectLst/>
+                <a:latin typeface="Times New Roman" panose="02020603050405020304" pitchFamily="18" charset="0"/>
+                <a:ea typeface="Calibri" panose="020F0502020204030204" pitchFamily="34" charset="0"/>
+              </a:rPr>
+              <a:t>                    color, </a:t>
+            </a:r>
+          </a:p>
+          <a:p>
+            <a:pPr>
+              <a:lnSpc>
+                <a:spcPct val="107000"/>
+              </a:lnSpc>
+              <a:buNone/>
+            </a:pPr>
+            <a:r>
+              <a:rPr lang="vi-VN" sz="1000" dirty="0">
+                <a:effectLst/>
+                <a:latin typeface="Times New Roman" panose="02020603050405020304" pitchFamily="18" charset="0"/>
+                <a:ea typeface="Calibri" panose="020F0502020204030204" pitchFamily="34" charset="0"/>
+              </a:rPr>
+              <a:t>                    current_depth,</a:t>
+            </a:r>
+          </a:p>
+          <a:p>
+            <a:pPr>
+              <a:lnSpc>
+                <a:spcPct val="107000"/>
+              </a:lnSpc>
+              <a:buNone/>
+            </a:pPr>
+            <a:r>
+              <a:rPr lang="vi-VN" sz="1000" dirty="0">
+                <a:effectLst/>
+                <a:latin typeface="Times New Roman" panose="02020603050405020304" pitchFamily="18" charset="0"/>
+                <a:ea typeface="Calibri" panose="020F0502020204030204" pitchFamily="34" charset="0"/>
+              </a:rPr>
+              <a:t>                    -float('inf'),</a:t>
+            </a:r>
+          </a:p>
+          <a:p>
+            <a:pPr>
+              <a:lnSpc>
+                <a:spcPct val="107000"/>
+              </a:lnSpc>
+              <a:buNone/>
+            </a:pPr>
+            <a:r>
+              <a:rPr lang="vi-VN" sz="1000" dirty="0">
+                <a:effectLst/>
+                <a:latin typeface="Times New Roman" panose="02020603050405020304" pitchFamily="18" charset="0"/>
+                <a:ea typeface="Calibri" panose="020F0502020204030204" pitchFamily="34" charset="0"/>
+              </a:rPr>
+              <a:t>                    float('inf'),</a:t>
+            </a:r>
+          </a:p>
+          <a:p>
+            <a:pPr>
+              <a:lnSpc>
+                <a:spcPct val="107000"/>
+              </a:lnSpc>
+              <a:buNone/>
+            </a:pPr>
+            <a:r>
+              <a:rPr lang="vi-VN" sz="1000" dirty="0">
+                <a:effectLst/>
+                <a:latin typeface="Times New Roman" panose="02020603050405020304" pitchFamily="18" charset="0"/>
+                <a:ea typeface="Calibri" panose="020F0502020204030204" pitchFamily="34" charset="0"/>
+              </a:rPr>
+              <a:t>                    0</a:t>
+            </a:r>
+          </a:p>
+          <a:p>
+            <a:pPr>
+              <a:lnSpc>
+                <a:spcPct val="107000"/>
+              </a:lnSpc>
+              <a:buNone/>
+            </a:pPr>
+            <a:r>
+              <a:rPr lang="vi-VN" sz="1000" dirty="0">
+                <a:effectLst/>
+                <a:latin typeface="Times New Roman" panose="02020603050405020304" pitchFamily="18" charset="0"/>
+                <a:ea typeface="Calibri" panose="020F0502020204030204" pitchFamily="34" charset="0"/>
+              </a:rPr>
+              <a:t>                )</a:t>
+            </a:r>
+          </a:p>
+          <a:p>
+            <a:pPr>
+              <a:lnSpc>
+                <a:spcPct val="107000"/>
+              </a:lnSpc>
+              <a:buNone/>
+            </a:pPr>
+            <a:r>
+              <a:rPr lang="vi-VN" sz="1000" dirty="0">
+                <a:effectLst/>
+                <a:latin typeface="Times New Roman" panose="02020603050405020304" pitchFamily="18" charset="0"/>
+                <a:ea typeface="Calibri" panose="020F0502020204030204" pitchFamily="34" charset="0"/>
+              </a:rPr>
+              <a:t>                if pos and move:</a:t>
+            </a:r>
+          </a:p>
+          <a:p>
+            <a:pPr>
+              <a:lnSpc>
+                <a:spcPct val="107000"/>
+              </a:lnSpc>
+              <a:buNone/>
+            </a:pPr>
+            <a:r>
+              <a:rPr lang="vi-VN" sz="1000" dirty="0">
+                <a:effectLst/>
+                <a:latin typeface="Times New Roman" panose="02020603050405020304" pitchFamily="18" charset="0"/>
+                <a:ea typeface="Calibri" panose="020F0502020204030204" pitchFamily="34" charset="0"/>
+              </a:rPr>
+              <a:t>                    row, col = pos</a:t>
+            </a:r>
+          </a:p>
+          <a:p>
+            <a:pPr>
+              <a:lnSpc>
+                <a:spcPct val="107000"/>
+              </a:lnSpc>
+              <a:buNone/>
+            </a:pPr>
+            <a:r>
+              <a:rPr lang="vi-VN" sz="1000" dirty="0">
+                <a:effectLst/>
+                <a:latin typeface="Times New Roman" panose="02020603050405020304" pitchFamily="18" charset="0"/>
+                <a:ea typeface="Calibri" panose="020F0502020204030204" pitchFamily="34" charset="0"/>
+              </a:rPr>
+              <a:t>                    best_move = (self.board.squares[row][col].piece, move)</a:t>
+            </a:r>
+          </a:p>
+          <a:p>
+            <a:pPr>
+              <a:lnSpc>
+                <a:spcPct val="107000"/>
+              </a:lnSpc>
+              <a:buNone/>
+            </a:pPr>
+            <a:r>
+              <a:rPr lang="vi-VN" sz="1000" dirty="0">
+                <a:effectLst/>
+                <a:latin typeface="Times New Roman" panose="02020603050405020304" pitchFamily="18" charset="0"/>
+                <a:ea typeface="Calibri" panose="020F0502020204030204" pitchFamily="34" charset="0"/>
+              </a:rPr>
+              <a:t>                if (time.time() - self.start_time &gt; self.time_limit * 0.9 or</a:t>
+            </a:r>
+          </a:p>
+          <a:p>
+            <a:pPr>
+              <a:lnSpc>
+                <a:spcPct val="107000"/>
+              </a:lnSpc>
+              <a:buNone/>
+            </a:pPr>
+            <a:r>
+              <a:rPr lang="vi-VN" sz="1000" dirty="0">
+                <a:effectLst/>
+                <a:latin typeface="Times New Roman" panose="02020603050405020304" pitchFamily="18" charset="0"/>
+                <a:ea typeface="Calibri" panose="020F0502020204030204" pitchFamily="34" charset="0"/>
+              </a:rPr>
+              <a:t>                    (best_move and getattr(best_move[1], 'is_checkmate', False))):</a:t>
+            </a:r>
+          </a:p>
+          <a:p>
+            <a:pPr>
+              <a:lnSpc>
+                <a:spcPct val="107000"/>
+              </a:lnSpc>
+              <a:buNone/>
+            </a:pPr>
+            <a:r>
+              <a:rPr lang="vi-VN" sz="1000" dirty="0">
+                <a:effectLst/>
+                <a:latin typeface="Times New Roman" panose="02020603050405020304" pitchFamily="18" charset="0"/>
+                <a:ea typeface="Calibri" panose="020F0502020204030204" pitchFamily="34" charset="0"/>
+              </a:rPr>
+              <a:t>                    break</a:t>
+            </a:r>
+          </a:p>
+          <a:p>
+            <a:pPr>
+              <a:lnSpc>
+                <a:spcPct val="107000"/>
+              </a:lnSpc>
+              <a:buNone/>
+            </a:pPr>
+            <a:r>
+              <a:rPr lang="vi-VN" sz="1000" dirty="0">
+                <a:effectLst/>
+                <a:latin typeface="Times New Roman" panose="02020603050405020304" pitchFamily="18" charset="0"/>
+                <a:ea typeface="Calibri" panose="020F0502020204030204" pitchFamily="34" charset="0"/>
+              </a:rPr>
+              <a:t>                    </a:t>
+            </a:r>
+          </a:p>
+          <a:p>
+            <a:pPr>
+              <a:lnSpc>
+                <a:spcPct val="107000"/>
+              </a:lnSpc>
+              <a:buNone/>
+            </a:pPr>
+            <a:r>
+              <a:rPr lang="vi-VN" sz="1000" dirty="0">
+                <a:effectLst/>
+                <a:latin typeface="Times New Roman" panose="02020603050405020304" pitchFamily="18" charset="0"/>
+                <a:ea typeface="Calibri" panose="020F0502020204030204" pitchFamily="34" charset="0"/>
+              </a:rPr>
+              <a:t>        except TimeoutError:</a:t>
+            </a:r>
+          </a:p>
+          <a:p>
+            <a:pPr>
+              <a:lnSpc>
+                <a:spcPct val="107000"/>
+              </a:lnSpc>
+              <a:buNone/>
+            </a:pPr>
+            <a:r>
+              <a:rPr lang="vi-VN" sz="1000" dirty="0">
+                <a:effectLst/>
+                <a:latin typeface="Times New Roman" panose="02020603050405020304" pitchFamily="18" charset="0"/>
+                <a:ea typeface="Calibri" panose="020F0502020204030204" pitchFamily="34" charset="0"/>
+              </a:rPr>
+              <a:t>            pass  </a:t>
+            </a:r>
+          </a:p>
+          <a:p>
+            <a:pPr>
+              <a:lnSpc>
+                <a:spcPct val="107000"/>
+              </a:lnSpc>
+              <a:buNone/>
+            </a:pPr>
+            <a:r>
+              <a:rPr lang="vi-VN" sz="1000" dirty="0">
+                <a:effectLst/>
+                <a:latin typeface="Times New Roman" panose="02020603050405020304" pitchFamily="18" charset="0"/>
+                <a:ea typeface="Calibri" panose="020F0502020204030204" pitchFamily="34" charset="0"/>
+              </a:rPr>
+              <a:t>        </a:t>
+            </a:r>
+          </a:p>
+          <a:p>
+            <a:pPr>
+              <a:lnSpc>
+                <a:spcPct val="107000"/>
+              </a:lnSpc>
+              <a:buNone/>
+            </a:pPr>
+            <a:r>
+              <a:rPr lang="vi-VN" sz="1000" dirty="0">
+                <a:effectLst/>
+                <a:latin typeface="Times New Roman" panose="02020603050405020304" pitchFamily="18" charset="0"/>
+                <a:ea typeface="Calibri" panose="020F0502020204030204" pitchFamily="34" charset="0"/>
+              </a:rPr>
+              <a:t>        return best_move or self.get_fallback_move(color)</a:t>
+            </a:r>
+          </a:p>
+          <a:p>
+            <a:pPr>
+              <a:lnSpc>
+                <a:spcPct val="107000"/>
+              </a:lnSpc>
+              <a:buNone/>
+            </a:pPr>
+            <a:r>
+              <a:rPr lang="vi-VN" sz="1000" dirty="0">
+                <a:effectLst/>
+                <a:latin typeface="Times New Roman" panose="02020603050405020304" pitchFamily="18" charset="0"/>
+                <a:ea typeface="Calibri" panose="020F0502020204030204" pitchFamily="34" charset="0"/>
+              </a:rPr>
+              <a:t> </a:t>
+            </a:r>
+          </a:p>
+          <a:p>
+            <a:endParaRPr lang="en-US" sz="1000" dirty="0"/>
           </a:p>
         </p:txBody>
       </p:sp>
@@ -35376,12 +38360,1703 @@
             <p:ph idx="1"/>
           </p:nvPr>
         </p:nvSpPr>
-        <p:spPr/>
+        <p:spPr>
+          <a:xfrm>
+            <a:off x="715885" y="1236505"/>
+            <a:ext cx="3423495" cy="4050792"/>
+          </a:xfrm>
+        </p:spPr>
         <p:txBody>
-          <a:bodyPr/>
+          <a:bodyPr>
+            <a:noAutofit/>
+          </a:bodyPr>
           <a:lstStyle/>
           <a:p>
-            <a:endParaRPr lang="en-US"/>
+            <a:pPr>
+              <a:lnSpc>
+                <a:spcPct val="107000"/>
+              </a:lnSpc>
+              <a:spcBef>
+                <a:spcPts val="0"/>
+              </a:spcBef>
+              <a:buNone/>
+            </a:pPr>
+            <a:r>
+              <a:rPr lang="vi-VN" sz="1000" b="1" dirty="0">
+                <a:effectLst/>
+                <a:latin typeface="Times New Roman" panose="02020603050405020304" pitchFamily="18" charset="0"/>
+                <a:ea typeface="Calibri" panose="020F0502020204030204" pitchFamily="34" charset="0"/>
+              </a:rPr>
+              <a:t> def get_all_moves(self, color, depth=0):</a:t>
+            </a:r>
+          </a:p>
+          <a:p>
+            <a:pPr>
+              <a:lnSpc>
+                <a:spcPct val="107000"/>
+              </a:lnSpc>
+              <a:spcBef>
+                <a:spcPts val="0"/>
+              </a:spcBef>
+              <a:buNone/>
+            </a:pPr>
+            <a:r>
+              <a:rPr lang="vi-VN" sz="1000" dirty="0">
+                <a:effectLst/>
+                <a:latin typeface="Times New Roman" panose="02020603050405020304" pitchFamily="18" charset="0"/>
+                <a:ea typeface="Calibri" panose="020F0502020204030204" pitchFamily="34" charset="0"/>
+              </a:rPr>
+              <a:t>        """Mở rộng phương thức get_all_moves với move ordering"""</a:t>
+            </a:r>
+          </a:p>
+          <a:p>
+            <a:pPr>
+              <a:lnSpc>
+                <a:spcPct val="107000"/>
+              </a:lnSpc>
+              <a:spcBef>
+                <a:spcPts val="0"/>
+              </a:spcBef>
+              <a:buNone/>
+            </a:pPr>
+            <a:r>
+              <a:rPr lang="vi-VN" sz="1000" dirty="0">
+                <a:effectLst/>
+                <a:latin typeface="Times New Roman" panose="02020603050405020304" pitchFamily="18" charset="0"/>
+                <a:ea typeface="Calibri" panose="020F0502020204030204" pitchFamily="34" charset="0"/>
+              </a:rPr>
+              <a:t>        moves = super().get_all_moves(color)  # Lấy tất cả nước đi cơ bản</a:t>
+            </a:r>
+          </a:p>
+          <a:p>
+            <a:pPr>
+              <a:lnSpc>
+                <a:spcPct val="107000"/>
+              </a:lnSpc>
+              <a:spcBef>
+                <a:spcPts val="0"/>
+              </a:spcBef>
+              <a:buNone/>
+            </a:pPr>
+            <a:r>
+              <a:rPr lang="vi-VN" sz="1000" dirty="0">
+                <a:effectLst/>
+                <a:latin typeface="Times New Roman" panose="02020603050405020304" pitchFamily="18" charset="0"/>
+                <a:ea typeface="Calibri" panose="020F0502020204030204" pitchFamily="34" charset="0"/>
+              </a:rPr>
+              <a:t>        </a:t>
+            </a:r>
+          </a:p>
+          <a:p>
+            <a:pPr>
+              <a:lnSpc>
+                <a:spcPct val="107000"/>
+              </a:lnSpc>
+              <a:spcBef>
+                <a:spcPts val="0"/>
+              </a:spcBef>
+              <a:buNone/>
+            </a:pPr>
+            <a:r>
+              <a:rPr lang="vi-VN" sz="1000" dirty="0">
+                <a:effectLst/>
+                <a:latin typeface="Times New Roman" panose="02020603050405020304" pitchFamily="18" charset="0"/>
+                <a:ea typeface="Calibri" panose="020F0502020204030204" pitchFamily="34" charset="0"/>
+              </a:rPr>
+              <a:t>        # Thêm điểm số cho move ordering</a:t>
+            </a:r>
+          </a:p>
+          <a:p>
+            <a:pPr>
+              <a:lnSpc>
+                <a:spcPct val="107000"/>
+              </a:lnSpc>
+              <a:spcBef>
+                <a:spcPts val="0"/>
+              </a:spcBef>
+              <a:buNone/>
+            </a:pPr>
+            <a:r>
+              <a:rPr lang="vi-VN" sz="1000" dirty="0">
+                <a:effectLst/>
+                <a:latin typeface="Times New Roman" panose="02020603050405020304" pitchFamily="18" charset="0"/>
+                <a:ea typeface="Calibri" panose="020F0502020204030204" pitchFamily="34" charset="0"/>
+              </a:rPr>
+              <a:t>        scored_moves = []</a:t>
+            </a:r>
+          </a:p>
+          <a:p>
+            <a:pPr>
+              <a:lnSpc>
+                <a:spcPct val="107000"/>
+              </a:lnSpc>
+              <a:spcBef>
+                <a:spcPts val="0"/>
+              </a:spcBef>
+              <a:buNone/>
+            </a:pPr>
+            <a:r>
+              <a:rPr lang="vi-VN" sz="1000" dirty="0">
+                <a:effectLst/>
+                <a:latin typeface="Times New Roman" panose="02020603050405020304" pitchFamily="18" charset="0"/>
+                <a:ea typeface="Calibri" panose="020F0502020204030204" pitchFamily="34" charset="0"/>
+              </a:rPr>
+              <a:t>        for piece, move in moves:</a:t>
+            </a:r>
+          </a:p>
+          <a:p>
+            <a:pPr>
+              <a:lnSpc>
+                <a:spcPct val="107000"/>
+              </a:lnSpc>
+              <a:spcBef>
+                <a:spcPts val="0"/>
+              </a:spcBef>
+              <a:buNone/>
+            </a:pPr>
+            <a:r>
+              <a:rPr lang="vi-VN" sz="1000" dirty="0">
+                <a:effectLst/>
+                <a:latin typeface="Times New Roman" panose="02020603050405020304" pitchFamily="18" charset="0"/>
+                <a:ea typeface="Calibri" panose="020F0502020204030204" pitchFamily="34" charset="0"/>
+              </a:rPr>
+              <a:t>            score = 0</a:t>
+            </a:r>
+          </a:p>
+          <a:p>
+            <a:pPr>
+              <a:lnSpc>
+                <a:spcPct val="107000"/>
+              </a:lnSpc>
+              <a:spcBef>
+                <a:spcPts val="0"/>
+              </a:spcBef>
+              <a:buNone/>
+            </a:pPr>
+            <a:r>
+              <a:rPr lang="vi-VN" sz="1000" dirty="0">
+                <a:effectLst/>
+                <a:latin typeface="Times New Roman" panose="02020603050405020304" pitchFamily="18" charset="0"/>
+                <a:ea typeface="Calibri" panose="020F0502020204030204" pitchFamily="34" charset="0"/>
+              </a:rPr>
+              <a:t>            # Ưu tiên nước bắt quân</a:t>
+            </a:r>
+          </a:p>
+          <a:p>
+            <a:pPr>
+              <a:lnSpc>
+                <a:spcPct val="107000"/>
+              </a:lnSpc>
+              <a:spcBef>
+                <a:spcPts val="0"/>
+              </a:spcBef>
+              <a:buNone/>
+            </a:pPr>
+            <a:r>
+              <a:rPr lang="vi-VN" sz="1000" dirty="0">
+                <a:effectLst/>
+                <a:latin typeface="Times New Roman" panose="02020603050405020304" pitchFamily="18" charset="0"/>
+                <a:ea typeface="Calibri" panose="020F0502020204030204" pitchFamily="34" charset="0"/>
+              </a:rPr>
+              <a:t>            target = self.board.squares[move.final.row][move.final.col].piece</a:t>
+            </a:r>
+          </a:p>
+          <a:p>
+            <a:pPr>
+              <a:lnSpc>
+                <a:spcPct val="107000"/>
+              </a:lnSpc>
+              <a:spcBef>
+                <a:spcPts val="0"/>
+              </a:spcBef>
+              <a:buNone/>
+            </a:pPr>
+            <a:r>
+              <a:rPr lang="vi-VN" sz="1000" dirty="0">
+                <a:effectLst/>
+                <a:latin typeface="Times New Roman" panose="02020603050405020304" pitchFamily="18" charset="0"/>
+                <a:ea typeface="Calibri" panose="020F0502020204030204" pitchFamily="34" charset="0"/>
+              </a:rPr>
+              <a:t>            if target:</a:t>
+            </a:r>
+          </a:p>
+          <a:p>
+            <a:pPr>
+              <a:lnSpc>
+                <a:spcPct val="107000"/>
+              </a:lnSpc>
+              <a:spcBef>
+                <a:spcPts val="0"/>
+              </a:spcBef>
+              <a:buNone/>
+            </a:pPr>
+            <a:r>
+              <a:rPr lang="vi-VN" sz="1000" dirty="0">
+                <a:effectLst/>
+                <a:latin typeface="Times New Roman" panose="02020603050405020304" pitchFamily="18" charset="0"/>
+                <a:ea typeface="Calibri" panose="020F0502020204030204" pitchFamily="34" charset="0"/>
+              </a:rPr>
+              <a:t>                score = 1000 + self.get_piece_value(target) - self.get_piece_value(piece)</a:t>
+            </a:r>
+          </a:p>
+          <a:p>
+            <a:pPr>
+              <a:lnSpc>
+                <a:spcPct val="107000"/>
+              </a:lnSpc>
+              <a:spcBef>
+                <a:spcPts val="0"/>
+              </a:spcBef>
+              <a:buNone/>
+            </a:pPr>
+            <a:r>
+              <a:rPr lang="vi-VN" sz="1000" dirty="0">
+                <a:effectLst/>
+                <a:latin typeface="Times New Roman" panose="02020603050405020304" pitchFamily="18" charset="0"/>
+                <a:ea typeface="Calibri" panose="020F0502020204030204" pitchFamily="34" charset="0"/>
+              </a:rPr>
+              <a:t>            # Ưu tiên chiếu tướng</a:t>
+            </a:r>
+          </a:p>
+          <a:p>
+            <a:pPr>
+              <a:lnSpc>
+                <a:spcPct val="107000"/>
+              </a:lnSpc>
+              <a:spcBef>
+                <a:spcPts val="0"/>
+              </a:spcBef>
+              <a:buNone/>
+            </a:pPr>
+            <a:r>
+              <a:rPr lang="vi-VN" sz="1000" dirty="0">
+                <a:effectLst/>
+                <a:latin typeface="Times New Roman" panose="02020603050405020304" pitchFamily="18" charset="0"/>
+                <a:ea typeface="Calibri" panose="020F0502020204030204" pitchFamily="34" charset="0"/>
+              </a:rPr>
+              <a:t>            elif getattr(move, 'is_check', False):</a:t>
+            </a:r>
+          </a:p>
+          <a:p>
+            <a:pPr>
+              <a:lnSpc>
+                <a:spcPct val="107000"/>
+              </a:lnSpc>
+              <a:spcBef>
+                <a:spcPts val="0"/>
+              </a:spcBef>
+              <a:buNone/>
+            </a:pPr>
+            <a:r>
+              <a:rPr lang="vi-VN" sz="1000" dirty="0">
+                <a:effectLst/>
+                <a:latin typeface="Times New Roman" panose="02020603050405020304" pitchFamily="18" charset="0"/>
+                <a:ea typeface="Calibri" panose="020F0502020204030204" pitchFamily="34" charset="0"/>
+              </a:rPr>
+              <a:t>                score = 500</a:t>
+            </a:r>
+          </a:p>
+          <a:p>
+            <a:pPr>
+              <a:lnSpc>
+                <a:spcPct val="107000"/>
+              </a:lnSpc>
+              <a:spcBef>
+                <a:spcPts val="0"/>
+              </a:spcBef>
+              <a:buNone/>
+            </a:pPr>
+            <a:r>
+              <a:rPr lang="vi-VN" sz="1000" dirty="0">
+                <a:effectLst/>
+                <a:latin typeface="Times New Roman" panose="02020603050405020304" pitchFamily="18" charset="0"/>
+                <a:ea typeface="Calibri" panose="020F0502020204030204" pitchFamily="34" charset="0"/>
+              </a:rPr>
+              <a:t>            # Killer moves</a:t>
+            </a:r>
+          </a:p>
+          <a:p>
+            <a:pPr>
+              <a:lnSpc>
+                <a:spcPct val="107000"/>
+              </a:lnSpc>
+              <a:spcBef>
+                <a:spcPts val="0"/>
+              </a:spcBef>
+              <a:buNone/>
+            </a:pPr>
+            <a:r>
+              <a:rPr lang="vi-VN" sz="1000" dirty="0">
+                <a:effectLst/>
+                <a:latin typeface="Times New Roman" panose="02020603050405020304" pitchFamily="18" charset="0"/>
+                <a:ea typeface="Calibri" panose="020F0502020204030204" pitchFamily="34" charset="0"/>
+              </a:rPr>
+              <a:t>            initial_pos = self.find_piece_position(piece, self.board)</a:t>
+            </a:r>
+          </a:p>
+          <a:p>
+            <a:pPr>
+              <a:lnSpc>
+                <a:spcPct val="107000"/>
+              </a:lnSpc>
+              <a:spcBef>
+                <a:spcPts val="0"/>
+              </a:spcBef>
+              <a:buNone/>
+            </a:pPr>
+            <a:r>
+              <a:rPr lang="vi-VN" sz="1000" dirty="0">
+                <a:effectLst/>
+                <a:latin typeface="Times New Roman" panose="02020603050405020304" pitchFamily="18" charset="0"/>
+                <a:ea typeface="Calibri" panose="020F0502020204030204" pitchFamily="34" charset="0"/>
+              </a:rPr>
+              <a:t>            if initial_pos and (initial_pos[0], initial_pos[1], move.final.row, move.final.col) in self.killer_moves[depth]:</a:t>
+            </a:r>
+          </a:p>
+          <a:p>
+            <a:pPr>
+              <a:lnSpc>
+                <a:spcPct val="107000"/>
+              </a:lnSpc>
+              <a:spcBef>
+                <a:spcPts val="0"/>
+              </a:spcBef>
+              <a:buNone/>
+            </a:pPr>
+            <a:r>
+              <a:rPr lang="vi-VN" sz="1000" dirty="0">
+                <a:effectLst/>
+                <a:latin typeface="Times New Roman" panose="02020603050405020304" pitchFamily="18" charset="0"/>
+                <a:ea typeface="Calibri" panose="020F0502020204030204" pitchFamily="34" charset="0"/>
+              </a:rPr>
+              <a:t>                score += 400</a:t>
+            </a:r>
+          </a:p>
+          <a:p>
+            <a:pPr>
+              <a:lnSpc>
+                <a:spcPct val="107000"/>
+              </a:lnSpc>
+              <a:spcBef>
+                <a:spcPts val="0"/>
+              </a:spcBef>
+              <a:buNone/>
+            </a:pPr>
+            <a:r>
+              <a:rPr lang="vi-VN" sz="1000" dirty="0">
+                <a:effectLst/>
+                <a:latin typeface="Times New Roman" panose="02020603050405020304" pitchFamily="18" charset="0"/>
+                <a:ea typeface="Calibri" panose="020F0502020204030204" pitchFamily="34" charset="0"/>
+              </a:rPr>
+              <a:t>                </a:t>
+            </a:r>
+          </a:p>
+          <a:p>
+            <a:pPr>
+              <a:lnSpc>
+                <a:spcPct val="107000"/>
+              </a:lnSpc>
+              <a:spcBef>
+                <a:spcPts val="0"/>
+              </a:spcBef>
+              <a:buNone/>
+            </a:pPr>
+            <a:r>
+              <a:rPr lang="vi-VN" sz="1000" dirty="0">
+                <a:effectLst/>
+                <a:latin typeface="Times New Roman" panose="02020603050405020304" pitchFamily="18" charset="0"/>
+                <a:ea typeface="Calibri" panose="020F0502020204030204" pitchFamily="34" charset="0"/>
+              </a:rPr>
+              <a:t>            scored_moves.append((piece, move, score))</a:t>
+            </a:r>
+            <a:endParaRPr lang="en-US" sz="1000" dirty="0">
+              <a:effectLst/>
+              <a:latin typeface="Times New Roman" panose="02020603050405020304" pitchFamily="18" charset="0"/>
+              <a:ea typeface="Calibri" panose="020F0502020204030204" pitchFamily="34" charset="0"/>
+            </a:endParaRPr>
+          </a:p>
+          <a:p>
+            <a:pPr>
+              <a:lnSpc>
+                <a:spcPct val="107000"/>
+              </a:lnSpc>
+              <a:spcBef>
+                <a:spcPts val="0"/>
+              </a:spcBef>
+              <a:buNone/>
+            </a:pPr>
+            <a:r>
+              <a:rPr lang="en-US" sz="1000" dirty="0">
+                <a:effectLst/>
+                <a:latin typeface="Times New Roman" panose="02020603050405020304" pitchFamily="18" charset="0"/>
+                <a:ea typeface="Calibri" panose="020F0502020204030204" pitchFamily="34" charset="0"/>
+              </a:rPr>
+              <a:t>            </a:t>
+            </a:r>
+            <a:r>
+              <a:rPr lang="vi-VN" sz="1000" dirty="0">
+                <a:effectLst/>
+                <a:latin typeface="Times New Roman" panose="02020603050405020304" pitchFamily="18" charset="0"/>
+                <a:ea typeface="Calibri" panose="020F0502020204030204" pitchFamily="34" charset="0"/>
+              </a:rPr>
+              <a:t># Sắp xếp theo điểm số</a:t>
+            </a:r>
+          </a:p>
+          <a:p>
+            <a:pPr>
+              <a:lnSpc>
+                <a:spcPct val="107000"/>
+              </a:lnSpc>
+              <a:spcBef>
+                <a:spcPts val="0"/>
+              </a:spcBef>
+              <a:buNone/>
+            </a:pPr>
+            <a:r>
+              <a:rPr lang="vi-VN" sz="1000" dirty="0">
+                <a:effectLst/>
+                <a:latin typeface="Times New Roman" panose="02020603050405020304" pitchFamily="18" charset="0"/>
+                <a:ea typeface="Calibri" panose="020F0502020204030204" pitchFamily="34" charset="0"/>
+              </a:rPr>
+              <a:t>        </a:t>
+            </a:r>
+            <a:r>
+              <a:rPr lang="en-US" sz="1000" dirty="0">
+                <a:effectLst/>
+                <a:latin typeface="Times New Roman" panose="02020603050405020304" pitchFamily="18" charset="0"/>
+                <a:ea typeface="Calibri" panose="020F0502020204030204" pitchFamily="34" charset="0"/>
+              </a:rPr>
+              <a:t>    </a:t>
+            </a:r>
+            <a:r>
+              <a:rPr lang="vi-VN" sz="1000" dirty="0">
+                <a:effectLst/>
+                <a:latin typeface="Times New Roman" panose="02020603050405020304" pitchFamily="18" charset="0"/>
+                <a:ea typeface="Calibri" panose="020F0502020204030204" pitchFamily="34" charset="0"/>
+              </a:rPr>
+              <a:t>scored_moves.sort(key=lambda x: x[2], reverse=True)</a:t>
+            </a:r>
+          </a:p>
+          <a:p>
+            <a:pPr>
+              <a:lnSpc>
+                <a:spcPct val="107000"/>
+              </a:lnSpc>
+              <a:spcBef>
+                <a:spcPts val="0"/>
+              </a:spcBef>
+              <a:buNone/>
+            </a:pPr>
+            <a:r>
+              <a:rPr lang="vi-VN" sz="1000" dirty="0">
+                <a:effectLst/>
+                <a:latin typeface="Times New Roman" panose="02020603050405020304" pitchFamily="18" charset="0"/>
+                <a:ea typeface="Calibri" panose="020F0502020204030204" pitchFamily="34" charset="0"/>
+              </a:rPr>
+              <a:t>        </a:t>
+            </a:r>
+            <a:r>
+              <a:rPr lang="en-US" sz="1000" dirty="0">
+                <a:effectLst/>
+                <a:latin typeface="Times New Roman" panose="02020603050405020304" pitchFamily="18" charset="0"/>
+                <a:ea typeface="Calibri" panose="020F0502020204030204" pitchFamily="34" charset="0"/>
+              </a:rPr>
+              <a:t>    </a:t>
+            </a:r>
+            <a:r>
+              <a:rPr lang="vi-VN" sz="1000" dirty="0">
+                <a:effectLst/>
+                <a:latin typeface="Times New Roman" panose="02020603050405020304" pitchFamily="18" charset="0"/>
+                <a:ea typeface="Calibri" panose="020F0502020204030204" pitchFamily="34" charset="0"/>
+              </a:rPr>
+              <a:t>return [(p, m) for p, m, _ in scored_moves]</a:t>
+            </a:r>
+          </a:p>
+          <a:p>
+            <a:pPr>
+              <a:lnSpc>
+                <a:spcPct val="107000"/>
+              </a:lnSpc>
+              <a:spcBef>
+                <a:spcPts val="0"/>
+              </a:spcBef>
+              <a:buNone/>
+            </a:pPr>
+            <a:r>
+              <a:rPr lang="vi-VN" sz="1000" dirty="0">
+                <a:effectLst/>
+                <a:latin typeface="Times New Roman" panose="02020603050405020304" pitchFamily="18" charset="0"/>
+                <a:ea typeface="Calibri" panose="020F0502020204030204" pitchFamily="34" charset="0"/>
+              </a:rPr>
+              <a:t>        </a:t>
+            </a:r>
+          </a:p>
+          <a:p>
+            <a:pPr>
+              <a:lnSpc>
+                <a:spcPct val="107000"/>
+              </a:lnSpc>
+              <a:spcBef>
+                <a:spcPts val="0"/>
+              </a:spcBef>
+              <a:buNone/>
+            </a:pPr>
+            <a:r>
+              <a:rPr lang="vi-VN" sz="1000" dirty="0">
+                <a:effectLst/>
+                <a:latin typeface="Times New Roman" panose="02020603050405020304" pitchFamily="18" charset="0"/>
+                <a:ea typeface="Calibri" panose="020F0502020204030204" pitchFamily="34" charset="0"/>
+              </a:rPr>
+              <a:t>        </a:t>
+            </a:r>
+            <a:endParaRPr lang="en-US" sz="1000" dirty="0"/>
+          </a:p>
+        </p:txBody>
+      </p:sp>
+      <p:sp>
+        <p:nvSpPr>
+          <p:cNvPr id="4" name="TextBox 3">
+            <a:extLst>
+              <a:ext uri="{FF2B5EF4-FFF2-40B4-BE49-F238E27FC236}">
+                <a16:creationId xmlns:a16="http://schemas.microsoft.com/office/drawing/2014/main" id="{2D86462E-F190-85C4-D49A-8DAA1AAD9126}"/>
+              </a:ext>
+            </a:extLst>
+          </p:cNvPr>
+          <p:cNvSpPr txBox="1"/>
+          <p:nvPr/>
+        </p:nvSpPr>
+        <p:spPr>
+          <a:xfrm>
+            <a:off x="4316361" y="1236505"/>
+            <a:ext cx="3238387" cy="5514908"/>
+          </a:xfrm>
+          <a:prstGeom prst="rect">
+            <a:avLst/>
+          </a:prstGeom>
+          <a:noFill/>
+        </p:spPr>
+        <p:txBody>
+          <a:bodyPr wrap="none" rtlCol="0">
+            <a:spAutoFit/>
+          </a:bodyPr>
+          <a:lstStyle/>
+          <a:p>
+            <a:pPr>
+              <a:lnSpc>
+                <a:spcPct val="107000"/>
+              </a:lnSpc>
+              <a:spcBef>
+                <a:spcPts val="0"/>
+              </a:spcBef>
+              <a:buNone/>
+            </a:pPr>
+            <a:r>
+              <a:rPr lang="vi-VN" sz="1000" b="1" dirty="0">
+                <a:effectLst/>
+                <a:latin typeface="Times New Roman" panose="02020603050405020304" pitchFamily="18" charset="0"/>
+                <a:ea typeface="Calibri" panose="020F0502020204030204" pitchFamily="34" charset="0"/>
+              </a:rPr>
+              <a:t>def get_piece_value(self, piece):</a:t>
+            </a:r>
+          </a:p>
+          <a:p>
+            <a:pPr>
+              <a:lnSpc>
+                <a:spcPct val="107000"/>
+              </a:lnSpc>
+              <a:spcBef>
+                <a:spcPts val="0"/>
+              </a:spcBef>
+              <a:buNone/>
+            </a:pPr>
+            <a:r>
+              <a:rPr lang="en-US" sz="1000" dirty="0">
+                <a:effectLst/>
+                <a:latin typeface="Times New Roman" panose="02020603050405020304" pitchFamily="18" charset="0"/>
+                <a:ea typeface="Calibri" panose="020F0502020204030204" pitchFamily="34" charset="0"/>
+              </a:rPr>
+              <a:t>       </a:t>
+            </a:r>
+            <a:r>
+              <a:rPr lang="vi-VN" sz="1000" dirty="0">
+                <a:effectLst/>
+                <a:latin typeface="Times New Roman" panose="02020603050405020304" pitchFamily="18" charset="0"/>
+                <a:ea typeface="Calibri" panose="020F0502020204030204" pitchFamily="34" charset="0"/>
+              </a:rPr>
+              <a:t>value_map = {</a:t>
+            </a:r>
+          </a:p>
+          <a:p>
+            <a:pPr>
+              <a:lnSpc>
+                <a:spcPct val="107000"/>
+              </a:lnSpc>
+              <a:spcBef>
+                <a:spcPts val="0"/>
+              </a:spcBef>
+              <a:buNone/>
+            </a:pPr>
+            <a:r>
+              <a:rPr lang="vi-VN" sz="1000" dirty="0">
+                <a:effectLst/>
+                <a:latin typeface="Times New Roman" panose="02020603050405020304" pitchFamily="18" charset="0"/>
+                <a:ea typeface="Calibri" panose="020F0502020204030204" pitchFamily="34" charset="0"/>
+              </a:rPr>
+              <a:t>            'Pawn': 1.0,</a:t>
+            </a:r>
+          </a:p>
+          <a:p>
+            <a:pPr>
+              <a:lnSpc>
+                <a:spcPct val="107000"/>
+              </a:lnSpc>
+              <a:spcBef>
+                <a:spcPts val="0"/>
+              </a:spcBef>
+              <a:buNone/>
+            </a:pPr>
+            <a:r>
+              <a:rPr lang="vi-VN" sz="1000" dirty="0">
+                <a:effectLst/>
+                <a:latin typeface="Times New Roman" panose="02020603050405020304" pitchFamily="18" charset="0"/>
+                <a:ea typeface="Calibri" panose="020F0502020204030204" pitchFamily="34" charset="0"/>
+              </a:rPr>
+              <a:t>            'Knight': 3.2,</a:t>
+            </a:r>
+          </a:p>
+          <a:p>
+            <a:pPr>
+              <a:lnSpc>
+                <a:spcPct val="107000"/>
+              </a:lnSpc>
+              <a:spcBef>
+                <a:spcPts val="0"/>
+              </a:spcBef>
+              <a:buNone/>
+            </a:pPr>
+            <a:r>
+              <a:rPr lang="vi-VN" sz="1000" dirty="0">
+                <a:effectLst/>
+                <a:latin typeface="Times New Roman" panose="02020603050405020304" pitchFamily="18" charset="0"/>
+                <a:ea typeface="Calibri" panose="020F0502020204030204" pitchFamily="34" charset="0"/>
+              </a:rPr>
+              <a:t>            'Bishop': 3.3,</a:t>
+            </a:r>
+          </a:p>
+          <a:p>
+            <a:pPr>
+              <a:lnSpc>
+                <a:spcPct val="107000"/>
+              </a:lnSpc>
+              <a:spcBef>
+                <a:spcPts val="0"/>
+              </a:spcBef>
+              <a:buNone/>
+            </a:pPr>
+            <a:r>
+              <a:rPr lang="vi-VN" sz="1000" dirty="0">
+                <a:effectLst/>
+                <a:latin typeface="Times New Roman" panose="02020603050405020304" pitchFamily="18" charset="0"/>
+                <a:ea typeface="Calibri" panose="020F0502020204030204" pitchFamily="34" charset="0"/>
+              </a:rPr>
+              <a:t>            'Rook': 5.0,</a:t>
+            </a:r>
+          </a:p>
+          <a:p>
+            <a:pPr>
+              <a:lnSpc>
+                <a:spcPct val="107000"/>
+              </a:lnSpc>
+              <a:spcBef>
+                <a:spcPts val="0"/>
+              </a:spcBef>
+              <a:buNone/>
+            </a:pPr>
+            <a:r>
+              <a:rPr lang="vi-VN" sz="1000" dirty="0">
+                <a:effectLst/>
+                <a:latin typeface="Times New Roman" panose="02020603050405020304" pitchFamily="18" charset="0"/>
+                <a:ea typeface="Calibri" panose="020F0502020204030204" pitchFamily="34" charset="0"/>
+              </a:rPr>
+              <a:t>            'Queen': 9.0,</a:t>
+            </a:r>
+          </a:p>
+          <a:p>
+            <a:pPr>
+              <a:lnSpc>
+                <a:spcPct val="107000"/>
+              </a:lnSpc>
+              <a:spcBef>
+                <a:spcPts val="0"/>
+              </a:spcBef>
+              <a:buNone/>
+            </a:pPr>
+            <a:r>
+              <a:rPr lang="vi-VN" sz="1000" dirty="0">
+                <a:effectLst/>
+                <a:latin typeface="Times New Roman" panose="02020603050405020304" pitchFamily="18" charset="0"/>
+                <a:ea typeface="Calibri" panose="020F0502020204030204" pitchFamily="34" charset="0"/>
+              </a:rPr>
+              <a:t>            'King': 1000.0</a:t>
+            </a:r>
+          </a:p>
+          <a:p>
+            <a:pPr>
+              <a:lnSpc>
+                <a:spcPct val="107000"/>
+              </a:lnSpc>
+              <a:spcBef>
+                <a:spcPts val="0"/>
+              </a:spcBef>
+              <a:buNone/>
+            </a:pPr>
+            <a:r>
+              <a:rPr lang="vi-VN" sz="1000" dirty="0">
+                <a:effectLst/>
+                <a:latin typeface="Times New Roman" panose="02020603050405020304" pitchFamily="18" charset="0"/>
+                <a:ea typeface="Calibri" panose="020F0502020204030204" pitchFamily="34" charset="0"/>
+              </a:rPr>
+              <a:t>        }</a:t>
+            </a:r>
+          </a:p>
+          <a:p>
+            <a:pPr>
+              <a:lnSpc>
+                <a:spcPct val="107000"/>
+              </a:lnSpc>
+              <a:spcBef>
+                <a:spcPts val="0"/>
+              </a:spcBef>
+            </a:pPr>
+            <a:r>
+              <a:rPr lang="vi-VN" sz="1000" dirty="0">
+                <a:effectLst/>
+                <a:latin typeface="Times New Roman" panose="02020603050405020304" pitchFamily="18" charset="0"/>
+                <a:ea typeface="Calibri" panose="020F0502020204030204" pitchFamily="34" charset="0"/>
+              </a:rPr>
+              <a:t>        return value_map.get(piece.__class__.__name__, 0)</a:t>
+            </a:r>
+            <a:endParaRPr lang="en-US" sz="1000" dirty="0"/>
+          </a:p>
+          <a:p>
+            <a:pPr>
+              <a:lnSpc>
+                <a:spcPct val="107000"/>
+              </a:lnSpc>
+              <a:buNone/>
+            </a:pPr>
+            <a:r>
+              <a:rPr lang="vi-VN" sz="1000" b="1" dirty="0">
+                <a:effectLst/>
+                <a:latin typeface="Times New Roman" panose="02020603050405020304" pitchFamily="18" charset="0"/>
+                <a:ea typeface="Calibri" panose="020F0502020204030204" pitchFamily="34" charset="0"/>
+              </a:rPr>
+              <a:t>def find_piece_position(self, piece, board):</a:t>
+            </a:r>
+          </a:p>
+          <a:p>
+            <a:pPr>
+              <a:lnSpc>
+                <a:spcPct val="107000"/>
+              </a:lnSpc>
+              <a:buNone/>
+            </a:pPr>
+            <a:r>
+              <a:rPr lang="en-US" sz="1000" dirty="0">
+                <a:effectLst/>
+                <a:latin typeface="Times New Roman" panose="02020603050405020304" pitchFamily="18" charset="0"/>
+                <a:ea typeface="Calibri" panose="020F0502020204030204" pitchFamily="34" charset="0"/>
+              </a:rPr>
+              <a:t>        </a:t>
+            </a:r>
+            <a:r>
+              <a:rPr lang="vi-VN" sz="1000" dirty="0">
+                <a:effectLst/>
+                <a:latin typeface="Times New Roman" panose="02020603050405020304" pitchFamily="18" charset="0"/>
+                <a:ea typeface="Calibri" panose="020F0502020204030204" pitchFamily="34" charset="0"/>
+              </a:rPr>
+              <a:t>for row in range(8):</a:t>
+            </a:r>
+          </a:p>
+          <a:p>
+            <a:pPr>
+              <a:lnSpc>
+                <a:spcPct val="107000"/>
+              </a:lnSpc>
+              <a:buNone/>
+            </a:pPr>
+            <a:r>
+              <a:rPr lang="vi-VN" sz="1000" dirty="0">
+                <a:effectLst/>
+                <a:latin typeface="Times New Roman" panose="02020603050405020304" pitchFamily="18" charset="0"/>
+                <a:ea typeface="Calibri" panose="020F0502020204030204" pitchFamily="34" charset="0"/>
+              </a:rPr>
+              <a:t>            for col in range(8):</a:t>
+            </a:r>
+          </a:p>
+          <a:p>
+            <a:pPr>
+              <a:lnSpc>
+                <a:spcPct val="107000"/>
+              </a:lnSpc>
+              <a:buNone/>
+            </a:pPr>
+            <a:r>
+              <a:rPr lang="vi-VN" sz="1000" dirty="0">
+                <a:effectLst/>
+                <a:latin typeface="Times New Roman" panose="02020603050405020304" pitchFamily="18" charset="0"/>
+                <a:ea typeface="Calibri" panose="020F0502020204030204" pitchFamily="34" charset="0"/>
+              </a:rPr>
+              <a:t>                if board.squares[row][col].piece == piece:</a:t>
+            </a:r>
+          </a:p>
+          <a:p>
+            <a:pPr>
+              <a:lnSpc>
+                <a:spcPct val="107000"/>
+              </a:lnSpc>
+              <a:buNone/>
+            </a:pPr>
+            <a:r>
+              <a:rPr lang="vi-VN" sz="1000" dirty="0">
+                <a:effectLst/>
+                <a:latin typeface="Times New Roman" panose="02020603050405020304" pitchFamily="18" charset="0"/>
+                <a:ea typeface="Calibri" panose="020F0502020204030204" pitchFamily="34" charset="0"/>
+              </a:rPr>
+              <a:t>                    return (row, col)</a:t>
+            </a:r>
+          </a:p>
+          <a:p>
+            <a:pPr>
+              <a:lnSpc>
+                <a:spcPct val="107000"/>
+              </a:lnSpc>
+              <a:buNone/>
+            </a:pPr>
+            <a:r>
+              <a:rPr lang="vi-VN" sz="1000" dirty="0">
+                <a:effectLst/>
+                <a:latin typeface="Times New Roman" panose="02020603050405020304" pitchFamily="18" charset="0"/>
+                <a:ea typeface="Calibri" panose="020F0502020204030204" pitchFamily="34" charset="0"/>
+              </a:rPr>
+              <a:t>        return None</a:t>
+            </a:r>
+          </a:p>
+          <a:p>
+            <a:pPr>
+              <a:lnSpc>
+                <a:spcPct val="107000"/>
+              </a:lnSpc>
+              <a:buNone/>
+            </a:pPr>
+            <a:r>
+              <a:rPr lang="vi-VN" sz="1000" dirty="0">
+                <a:effectLst/>
+                <a:latin typeface="Times New Roman" panose="02020603050405020304" pitchFamily="18" charset="0"/>
+                <a:ea typeface="Calibri" panose="020F0502020204030204" pitchFamily="34" charset="0"/>
+              </a:rPr>
+              <a:t> </a:t>
+            </a:r>
+          </a:p>
+          <a:p>
+            <a:pPr>
+              <a:lnSpc>
+                <a:spcPct val="107000"/>
+              </a:lnSpc>
+              <a:buNone/>
+            </a:pPr>
+            <a:r>
+              <a:rPr lang="vi-VN" sz="1000" b="1" dirty="0">
+                <a:effectLst/>
+                <a:latin typeface="Times New Roman" panose="02020603050405020304" pitchFamily="18" charset="0"/>
+                <a:ea typeface="Calibri" panose="020F0502020204030204" pitchFamily="34" charset="0"/>
+              </a:rPr>
+              <a:t> def quiescence(self, board, color, alpha, beta, depth=0):</a:t>
+            </a:r>
+          </a:p>
+          <a:p>
+            <a:pPr>
+              <a:lnSpc>
+                <a:spcPct val="107000"/>
+              </a:lnSpc>
+              <a:buNone/>
+            </a:pPr>
+            <a:r>
+              <a:rPr lang="en-US" sz="1000" dirty="0">
+                <a:effectLst/>
+                <a:latin typeface="Times New Roman" panose="02020603050405020304" pitchFamily="18" charset="0"/>
+                <a:ea typeface="Calibri" panose="020F0502020204030204" pitchFamily="34" charset="0"/>
+              </a:rPr>
+              <a:t>        </a:t>
+            </a:r>
+            <a:r>
+              <a:rPr lang="vi-VN" sz="1000" dirty="0">
+                <a:effectLst/>
+                <a:latin typeface="Times New Roman" panose="02020603050405020304" pitchFamily="18" charset="0"/>
+                <a:ea typeface="Calibri" panose="020F0502020204030204" pitchFamily="34" charset="0"/>
+              </a:rPr>
+              <a:t>self.nodes_searched += 1</a:t>
+            </a:r>
+          </a:p>
+          <a:p>
+            <a:pPr>
+              <a:lnSpc>
+                <a:spcPct val="107000"/>
+              </a:lnSpc>
+              <a:buNone/>
+            </a:pPr>
+            <a:r>
+              <a:rPr lang="vi-VN" sz="1000" dirty="0">
+                <a:effectLst/>
+                <a:latin typeface="Times New Roman" panose="02020603050405020304" pitchFamily="18" charset="0"/>
+                <a:ea typeface="Calibri" panose="020F0502020204030204" pitchFamily="34" charset="0"/>
+              </a:rPr>
+              <a:t>        # Giới hạn số node và độ sâu</a:t>
+            </a:r>
+          </a:p>
+          <a:p>
+            <a:pPr>
+              <a:lnSpc>
+                <a:spcPct val="107000"/>
+              </a:lnSpc>
+              <a:buNone/>
+            </a:pPr>
+            <a:r>
+              <a:rPr lang="vi-VN" sz="1000" dirty="0">
+                <a:effectLst/>
+                <a:latin typeface="Times New Roman" panose="02020603050405020304" pitchFamily="18" charset="0"/>
+                <a:ea typeface="Calibri" panose="020F0502020204030204" pitchFamily="34" charset="0"/>
+              </a:rPr>
+              <a:t>        if self.nodes_searched &gt; self.max_nodes or depth &gt; 6:</a:t>
+            </a:r>
+          </a:p>
+          <a:p>
+            <a:pPr>
+              <a:lnSpc>
+                <a:spcPct val="107000"/>
+              </a:lnSpc>
+              <a:buNone/>
+            </a:pPr>
+            <a:r>
+              <a:rPr lang="vi-VN" sz="1000" dirty="0">
+                <a:effectLst/>
+                <a:latin typeface="Times New Roman" panose="02020603050405020304" pitchFamily="18" charset="0"/>
+                <a:ea typeface="Calibri" panose="020F0502020204030204" pitchFamily="34" charset="0"/>
+              </a:rPr>
+              <a:t>            return self.evaluate_board()</a:t>
+            </a:r>
+          </a:p>
+          <a:p>
+            <a:pPr>
+              <a:lnSpc>
+                <a:spcPct val="107000"/>
+              </a:lnSpc>
+              <a:buNone/>
+            </a:pPr>
+            <a:r>
+              <a:rPr lang="en-US" sz="1000" dirty="0">
+                <a:effectLst/>
+                <a:latin typeface="Times New Roman" panose="02020603050405020304" pitchFamily="18" charset="0"/>
+                <a:ea typeface="Calibri" panose="020F0502020204030204" pitchFamily="34" charset="0"/>
+              </a:rPr>
+              <a:t>        </a:t>
+            </a:r>
+            <a:r>
+              <a:rPr lang="vi-VN" sz="1000" dirty="0">
+                <a:effectLst/>
+                <a:latin typeface="Times New Roman" panose="02020603050405020304" pitchFamily="18" charset="0"/>
+                <a:ea typeface="Calibri" panose="020F0502020204030204" pitchFamily="34" charset="0"/>
+              </a:rPr>
+              <a:t>stand_pat = self.evaluate_board()</a:t>
+            </a:r>
+          </a:p>
+          <a:p>
+            <a:pPr>
+              <a:lnSpc>
+                <a:spcPct val="107000"/>
+              </a:lnSpc>
+              <a:buNone/>
+            </a:pPr>
+            <a:r>
+              <a:rPr lang="vi-VN" sz="1000" dirty="0">
+                <a:effectLst/>
+                <a:latin typeface="Times New Roman" panose="02020603050405020304" pitchFamily="18" charset="0"/>
+                <a:ea typeface="Calibri" panose="020F0502020204030204" pitchFamily="34" charset="0"/>
+              </a:rPr>
+              <a:t>        if color == 'black':</a:t>
+            </a:r>
+          </a:p>
+          <a:p>
+            <a:pPr>
+              <a:lnSpc>
+                <a:spcPct val="107000"/>
+              </a:lnSpc>
+              <a:buNone/>
+            </a:pPr>
+            <a:r>
+              <a:rPr lang="vi-VN" sz="1000" dirty="0">
+                <a:effectLst/>
+                <a:latin typeface="Times New Roman" panose="02020603050405020304" pitchFamily="18" charset="0"/>
+                <a:ea typeface="Calibri" panose="020F0502020204030204" pitchFamily="34" charset="0"/>
+              </a:rPr>
+              <a:t>            if stand_pat &gt;= beta:</a:t>
+            </a:r>
+          </a:p>
+          <a:p>
+            <a:pPr>
+              <a:lnSpc>
+                <a:spcPct val="107000"/>
+              </a:lnSpc>
+              <a:buNone/>
+            </a:pPr>
+            <a:r>
+              <a:rPr lang="vi-VN" sz="1000" dirty="0">
+                <a:effectLst/>
+                <a:latin typeface="Times New Roman" panose="02020603050405020304" pitchFamily="18" charset="0"/>
+                <a:ea typeface="Calibri" panose="020F0502020204030204" pitchFamily="34" charset="0"/>
+              </a:rPr>
+              <a:t>                return beta</a:t>
+            </a:r>
+          </a:p>
+          <a:p>
+            <a:pPr>
+              <a:lnSpc>
+                <a:spcPct val="107000"/>
+              </a:lnSpc>
+              <a:buNone/>
+            </a:pPr>
+            <a:r>
+              <a:rPr lang="vi-VN" sz="1000" dirty="0">
+                <a:effectLst/>
+                <a:latin typeface="Times New Roman" panose="02020603050405020304" pitchFamily="18" charset="0"/>
+                <a:ea typeface="Calibri" panose="020F0502020204030204" pitchFamily="34" charset="0"/>
+              </a:rPr>
+              <a:t>            alpha = max(alpha, stand_pat)</a:t>
+            </a:r>
+          </a:p>
+          <a:p>
+            <a:pPr>
+              <a:lnSpc>
+                <a:spcPct val="107000"/>
+              </a:lnSpc>
+              <a:buNone/>
+            </a:pPr>
+            <a:r>
+              <a:rPr lang="vi-VN" sz="1000" dirty="0">
+                <a:effectLst/>
+                <a:latin typeface="Times New Roman" panose="02020603050405020304" pitchFamily="18" charset="0"/>
+                <a:ea typeface="Calibri" panose="020F0502020204030204" pitchFamily="34" charset="0"/>
+              </a:rPr>
+              <a:t>        else:</a:t>
+            </a:r>
+          </a:p>
+          <a:p>
+            <a:pPr>
+              <a:lnSpc>
+                <a:spcPct val="107000"/>
+              </a:lnSpc>
+              <a:buNone/>
+            </a:pPr>
+            <a:r>
+              <a:rPr lang="vi-VN" sz="1000" dirty="0">
+                <a:effectLst/>
+                <a:latin typeface="Times New Roman" panose="02020603050405020304" pitchFamily="18" charset="0"/>
+                <a:ea typeface="Calibri" panose="020F0502020204030204" pitchFamily="34" charset="0"/>
+              </a:rPr>
+              <a:t>            if stand_pat &lt;= alpha:</a:t>
+            </a:r>
+          </a:p>
+          <a:p>
+            <a:pPr>
+              <a:lnSpc>
+                <a:spcPct val="107000"/>
+              </a:lnSpc>
+              <a:buNone/>
+            </a:pPr>
+            <a:r>
+              <a:rPr lang="vi-VN" sz="1000" dirty="0">
+                <a:effectLst/>
+                <a:latin typeface="Times New Roman" panose="02020603050405020304" pitchFamily="18" charset="0"/>
+                <a:ea typeface="Calibri" panose="020F0502020204030204" pitchFamily="34" charset="0"/>
+              </a:rPr>
+              <a:t>                return alpha</a:t>
+            </a:r>
+          </a:p>
+          <a:p>
+            <a:pPr>
+              <a:lnSpc>
+                <a:spcPct val="107000"/>
+              </a:lnSpc>
+              <a:buNone/>
+            </a:pPr>
+            <a:r>
+              <a:rPr lang="vi-VN" sz="1000" dirty="0">
+                <a:effectLst/>
+                <a:latin typeface="Times New Roman" panose="02020603050405020304" pitchFamily="18" charset="0"/>
+                <a:ea typeface="Calibri" panose="020F0502020204030204" pitchFamily="34" charset="0"/>
+              </a:rPr>
+              <a:t>            beta = min(beta, stand_pat)</a:t>
+            </a:r>
+          </a:p>
+          <a:p>
+            <a:pPr>
+              <a:lnSpc>
+                <a:spcPct val="107000"/>
+              </a:lnSpc>
+              <a:buNone/>
+            </a:pPr>
+            <a:endParaRPr lang="en-US" sz="1000" dirty="0"/>
+          </a:p>
+        </p:txBody>
+      </p:sp>
+      <p:sp>
+        <p:nvSpPr>
+          <p:cNvPr id="5" name="TextBox 4">
+            <a:extLst>
+              <a:ext uri="{FF2B5EF4-FFF2-40B4-BE49-F238E27FC236}">
+                <a16:creationId xmlns:a16="http://schemas.microsoft.com/office/drawing/2014/main" id="{B5CE5AB9-0A5C-C6AB-D550-36CC9C68D870}"/>
+              </a:ext>
+            </a:extLst>
+          </p:cNvPr>
+          <p:cNvSpPr txBox="1"/>
+          <p:nvPr/>
+        </p:nvSpPr>
+        <p:spPr>
+          <a:xfrm>
+            <a:off x="7731729" y="1177984"/>
+            <a:ext cx="4100052" cy="5680016"/>
+          </a:xfrm>
+          <a:prstGeom prst="rect">
+            <a:avLst/>
+          </a:prstGeom>
+          <a:noFill/>
+        </p:spPr>
+        <p:txBody>
+          <a:bodyPr wrap="square" rtlCol="0">
+            <a:spAutoFit/>
+          </a:bodyPr>
+          <a:lstStyle/>
+          <a:p>
+            <a:pPr>
+              <a:lnSpc>
+                <a:spcPct val="107000"/>
+              </a:lnSpc>
+              <a:buNone/>
+            </a:pPr>
+            <a:r>
+              <a:rPr lang="vi-VN" sz="1000" dirty="0">
+                <a:effectLst/>
+                <a:latin typeface="Times New Roman" panose="02020603050405020304" pitchFamily="18" charset="0"/>
+                <a:ea typeface="Calibri" panose="020F0502020204030204" pitchFamily="34" charset="0"/>
+              </a:rPr>
+              <a:t>        # Chỉ xét các nước đi bắt quân hoặc chiếu</a:t>
+            </a:r>
+          </a:p>
+          <a:p>
+            <a:pPr>
+              <a:lnSpc>
+                <a:spcPct val="107000"/>
+              </a:lnSpc>
+              <a:buNone/>
+            </a:pPr>
+            <a:r>
+              <a:rPr lang="vi-VN" sz="1000" dirty="0">
+                <a:effectLst/>
+                <a:latin typeface="Times New Roman" panose="02020603050405020304" pitchFamily="18" charset="0"/>
+                <a:ea typeface="Calibri" panose="020F0502020204030204" pitchFamily="34" charset="0"/>
+              </a:rPr>
+              <a:t>        captures = []</a:t>
+            </a:r>
+          </a:p>
+          <a:p>
+            <a:pPr>
+              <a:lnSpc>
+                <a:spcPct val="107000"/>
+              </a:lnSpc>
+              <a:buNone/>
+            </a:pPr>
+            <a:r>
+              <a:rPr lang="vi-VN" sz="1000" dirty="0">
+                <a:effectLst/>
+                <a:latin typeface="Times New Roman" panose="02020603050405020304" pitchFamily="18" charset="0"/>
+                <a:ea typeface="Calibri" panose="020F0502020204030204" pitchFamily="34" charset="0"/>
+              </a:rPr>
+              <a:t>        for row in range(8):</a:t>
+            </a:r>
+          </a:p>
+          <a:p>
+            <a:pPr>
+              <a:lnSpc>
+                <a:spcPct val="107000"/>
+              </a:lnSpc>
+              <a:buNone/>
+            </a:pPr>
+            <a:r>
+              <a:rPr lang="vi-VN" sz="1000" dirty="0">
+                <a:effectLst/>
+                <a:latin typeface="Times New Roman" panose="02020603050405020304" pitchFamily="18" charset="0"/>
+                <a:ea typeface="Calibri" panose="020F0502020204030204" pitchFamily="34" charset="0"/>
+              </a:rPr>
+              <a:t>            for col in range(8):</a:t>
+            </a:r>
+          </a:p>
+          <a:p>
+            <a:pPr>
+              <a:lnSpc>
+                <a:spcPct val="107000"/>
+              </a:lnSpc>
+              <a:buNone/>
+            </a:pPr>
+            <a:r>
+              <a:rPr lang="vi-VN" sz="1000" dirty="0">
+                <a:effectLst/>
+                <a:latin typeface="Times New Roman" panose="02020603050405020304" pitchFamily="18" charset="0"/>
+                <a:ea typeface="Calibri" panose="020F0502020204030204" pitchFamily="34" charset="0"/>
+              </a:rPr>
+              <a:t>                piece = board.squares[row][col].piece</a:t>
+            </a:r>
+          </a:p>
+          <a:p>
+            <a:pPr>
+              <a:lnSpc>
+                <a:spcPct val="107000"/>
+              </a:lnSpc>
+              <a:buNone/>
+            </a:pPr>
+            <a:r>
+              <a:rPr lang="vi-VN" sz="1000" dirty="0">
+                <a:effectLst/>
+                <a:latin typeface="Times New Roman" panose="02020603050405020304" pitchFamily="18" charset="0"/>
+                <a:ea typeface="Calibri" panose="020F0502020204030204" pitchFamily="34" charset="0"/>
+              </a:rPr>
+              <a:t>                if piece and piece.color == color:</a:t>
+            </a:r>
+          </a:p>
+          <a:p>
+            <a:pPr>
+              <a:lnSpc>
+                <a:spcPct val="107000"/>
+              </a:lnSpc>
+              <a:buNone/>
+            </a:pPr>
+            <a:r>
+              <a:rPr lang="vi-VN" sz="1000" dirty="0">
+                <a:effectLst/>
+                <a:latin typeface="Times New Roman" panose="02020603050405020304" pitchFamily="18" charset="0"/>
+                <a:ea typeface="Calibri" panose="020F0502020204030204" pitchFamily="34" charset="0"/>
+              </a:rPr>
+              <a:t>                    board.calc_moves(piece, row, col, bool=True)</a:t>
+            </a:r>
+          </a:p>
+          <a:p>
+            <a:pPr>
+              <a:lnSpc>
+                <a:spcPct val="107000"/>
+              </a:lnSpc>
+              <a:buNone/>
+            </a:pPr>
+            <a:r>
+              <a:rPr lang="vi-VN" sz="1000" dirty="0">
+                <a:effectLst/>
+                <a:latin typeface="Times New Roman" panose="02020603050405020304" pitchFamily="18" charset="0"/>
+                <a:ea typeface="Calibri" panose="020F0502020204030204" pitchFamily="34" charset="0"/>
+              </a:rPr>
+              <a:t>                    for move in piece.moves:</a:t>
+            </a:r>
+          </a:p>
+          <a:p>
+            <a:pPr>
+              <a:lnSpc>
+                <a:spcPct val="107000"/>
+              </a:lnSpc>
+              <a:buNone/>
+            </a:pPr>
+            <a:r>
+              <a:rPr lang="vi-VN" sz="1000" dirty="0">
+                <a:effectLst/>
+                <a:latin typeface="Times New Roman" panose="02020603050405020304" pitchFamily="18" charset="0"/>
+                <a:ea typeface="Calibri" panose="020F0502020204030204" pitchFamily="34" charset="0"/>
+              </a:rPr>
+              <a:t>                        target = board.squares[move.final.row][move.final.col].piece</a:t>
+            </a:r>
+          </a:p>
+          <a:p>
+            <a:pPr>
+              <a:lnSpc>
+                <a:spcPct val="107000"/>
+              </a:lnSpc>
+              <a:buNone/>
+            </a:pPr>
+            <a:r>
+              <a:rPr lang="vi-VN" sz="1000" dirty="0">
+                <a:effectLst/>
+                <a:latin typeface="Times New Roman" panose="02020603050405020304" pitchFamily="18" charset="0"/>
+                <a:ea typeface="Calibri" panose="020F0502020204030204" pitchFamily="34" charset="0"/>
+              </a:rPr>
+              <a:t>                        if target or getattr(move, 'is_check', False):</a:t>
+            </a:r>
+          </a:p>
+          <a:p>
+            <a:pPr>
+              <a:lnSpc>
+                <a:spcPct val="107000"/>
+              </a:lnSpc>
+              <a:buNone/>
+            </a:pPr>
+            <a:r>
+              <a:rPr lang="vi-VN" sz="1000" dirty="0">
+                <a:effectLst/>
+                <a:latin typeface="Times New Roman" panose="02020603050405020304" pitchFamily="18" charset="0"/>
+                <a:ea typeface="Calibri" panose="020F0502020204030204" pitchFamily="34" charset="0"/>
+              </a:rPr>
+              <a:t>                            score = self.get_piece_value(target) if target else 0</a:t>
+            </a:r>
+          </a:p>
+          <a:p>
+            <a:pPr>
+              <a:lnSpc>
+                <a:spcPct val="107000"/>
+              </a:lnSpc>
+              <a:buNone/>
+            </a:pPr>
+            <a:r>
+              <a:rPr lang="vi-VN" sz="1000" dirty="0">
+                <a:effectLst/>
+                <a:latin typeface="Times New Roman" panose="02020603050405020304" pitchFamily="18" charset="0"/>
+                <a:ea typeface="Calibri" panose="020F0502020204030204" pitchFamily="34" charset="0"/>
+              </a:rPr>
+              <a:t>                            score += 50 if getattr(move, 'is_check', False) else 0</a:t>
+            </a:r>
+          </a:p>
+          <a:p>
+            <a:pPr>
+              <a:lnSpc>
+                <a:spcPct val="107000"/>
+              </a:lnSpc>
+              <a:buNone/>
+            </a:pPr>
+            <a:r>
+              <a:rPr lang="vi-VN" sz="1000" dirty="0">
+                <a:effectLst/>
+                <a:latin typeface="Times New Roman" panose="02020603050405020304" pitchFamily="18" charset="0"/>
+                <a:ea typeface="Calibri" panose="020F0502020204030204" pitchFamily="34" charset="0"/>
+              </a:rPr>
+              <a:t>                            captures.append((piece, move, score))</a:t>
+            </a:r>
+          </a:p>
+          <a:p>
+            <a:pPr>
+              <a:lnSpc>
+                <a:spcPct val="107000"/>
+              </a:lnSpc>
+              <a:buNone/>
+            </a:pPr>
+            <a:r>
+              <a:rPr lang="vi-VN" sz="1000" dirty="0">
+                <a:effectLst/>
+                <a:latin typeface="Times New Roman" panose="02020603050405020304" pitchFamily="18" charset="0"/>
+                <a:ea typeface="Calibri" panose="020F0502020204030204" pitchFamily="34" charset="0"/>
+              </a:rPr>
+              <a:t>        </a:t>
+            </a:r>
+          </a:p>
+          <a:p>
+            <a:pPr>
+              <a:lnSpc>
+                <a:spcPct val="107000"/>
+              </a:lnSpc>
+              <a:buNone/>
+            </a:pPr>
+            <a:r>
+              <a:rPr lang="en-US" sz="1000" dirty="0">
+                <a:effectLst/>
+                <a:latin typeface="Times New Roman" panose="02020603050405020304" pitchFamily="18" charset="0"/>
+                <a:ea typeface="Calibri" panose="020F0502020204030204" pitchFamily="34" charset="0"/>
+              </a:rPr>
+              <a:t>        </a:t>
+            </a:r>
+            <a:r>
+              <a:rPr lang="vi-VN" sz="1000" dirty="0">
+                <a:effectLst/>
+                <a:latin typeface="Times New Roman" panose="02020603050405020304" pitchFamily="18" charset="0"/>
+                <a:ea typeface="Calibri" panose="020F0502020204030204" pitchFamily="34" charset="0"/>
+              </a:rPr>
+              <a:t>captures.sort(key=lambda x: x[2], reverse=True)</a:t>
+            </a:r>
+          </a:p>
+          <a:p>
+            <a:pPr>
+              <a:lnSpc>
+                <a:spcPct val="107000"/>
+              </a:lnSpc>
+              <a:buNone/>
+            </a:pPr>
+            <a:r>
+              <a:rPr lang="vi-VN" sz="1000" dirty="0">
+                <a:effectLst/>
+                <a:latin typeface="Times New Roman" panose="02020603050405020304" pitchFamily="18" charset="0"/>
+                <a:ea typeface="Calibri" panose="020F0502020204030204" pitchFamily="34" charset="0"/>
+              </a:rPr>
+              <a:t>        captures = captures[:12]</a:t>
+            </a:r>
+          </a:p>
+          <a:p>
+            <a:pPr>
+              <a:lnSpc>
+                <a:spcPct val="107000"/>
+              </a:lnSpc>
+              <a:buNone/>
+            </a:pPr>
+            <a:r>
+              <a:rPr lang="vi-VN" sz="1000" dirty="0">
+                <a:effectLst/>
+                <a:latin typeface="Times New Roman" panose="02020603050405020304" pitchFamily="18" charset="0"/>
+                <a:ea typeface="Calibri" panose="020F0502020204030204" pitchFamily="34" charset="0"/>
+              </a:rPr>
+              <a:t>        </a:t>
+            </a:r>
+          </a:p>
+          <a:p>
+            <a:pPr>
+              <a:lnSpc>
+                <a:spcPct val="107000"/>
+              </a:lnSpc>
+              <a:buNone/>
+            </a:pPr>
+            <a:r>
+              <a:rPr lang="vi-VN" sz="1000" dirty="0">
+                <a:effectLst/>
+                <a:latin typeface="Times New Roman" panose="02020603050405020304" pitchFamily="18" charset="0"/>
+                <a:ea typeface="Calibri" panose="020F0502020204030204" pitchFamily="34" charset="0"/>
+              </a:rPr>
+              <a:t>        for piece, move, _ in captures:</a:t>
+            </a:r>
+          </a:p>
+          <a:p>
+            <a:pPr>
+              <a:lnSpc>
+                <a:spcPct val="107000"/>
+              </a:lnSpc>
+              <a:buNone/>
+            </a:pPr>
+            <a:r>
+              <a:rPr lang="vi-VN" sz="1000" dirty="0">
+                <a:effectLst/>
+                <a:latin typeface="Times New Roman" panose="02020603050405020304" pitchFamily="18" charset="0"/>
+                <a:ea typeface="Calibri" panose="020F0502020204030204" pitchFamily="34" charset="0"/>
+              </a:rPr>
+              <a:t>            copied_board = copy.deepcopy(board)</a:t>
+            </a:r>
+          </a:p>
+          <a:p>
+            <a:pPr>
+              <a:lnSpc>
+                <a:spcPct val="107000"/>
+              </a:lnSpc>
+              <a:buNone/>
+            </a:pPr>
+            <a:r>
+              <a:rPr lang="vi-VN" sz="1000" dirty="0">
+                <a:effectLst/>
+                <a:latin typeface="Times New Roman" panose="02020603050405020304" pitchFamily="18" charset="0"/>
+                <a:ea typeface="Calibri" panose="020F0502020204030204" pitchFamily="34" charset="0"/>
+              </a:rPr>
+              <a:t>            copied_board.move(piece, move, testing=True)</a:t>
+            </a:r>
+          </a:p>
+          <a:p>
+            <a:pPr>
+              <a:lnSpc>
+                <a:spcPct val="107000"/>
+              </a:lnSpc>
+              <a:buNone/>
+            </a:pPr>
+            <a:r>
+              <a:rPr lang="vi-VN" sz="1000" dirty="0">
+                <a:effectLst/>
+                <a:latin typeface="Times New Roman" panose="02020603050405020304" pitchFamily="18" charset="0"/>
+                <a:ea typeface="Calibri" panose="020F0502020204030204" pitchFamily="34" charset="0"/>
+              </a:rPr>
+              <a:t>            score = self.quiescence(copied_board, 'white' if color == 'black' else 'black', alpha, beta, depth+1)</a:t>
+            </a:r>
+          </a:p>
+          <a:p>
+            <a:pPr>
+              <a:lnSpc>
+                <a:spcPct val="107000"/>
+              </a:lnSpc>
+              <a:buNone/>
+            </a:pPr>
+            <a:r>
+              <a:rPr lang="vi-VN" sz="1000" dirty="0">
+                <a:effectLst/>
+                <a:latin typeface="Times New Roman" panose="02020603050405020304" pitchFamily="18" charset="0"/>
+                <a:ea typeface="Calibri" panose="020F0502020204030204" pitchFamily="34" charset="0"/>
+              </a:rPr>
+              <a:t>            </a:t>
+            </a:r>
+          </a:p>
+          <a:p>
+            <a:pPr>
+              <a:lnSpc>
+                <a:spcPct val="107000"/>
+              </a:lnSpc>
+              <a:buNone/>
+            </a:pPr>
+            <a:r>
+              <a:rPr lang="vi-VN" sz="1000" dirty="0">
+                <a:effectLst/>
+                <a:latin typeface="Times New Roman" panose="02020603050405020304" pitchFamily="18" charset="0"/>
+                <a:ea typeface="Calibri" panose="020F0502020204030204" pitchFamily="34" charset="0"/>
+              </a:rPr>
+              <a:t>            if color == 'black':</a:t>
+            </a:r>
+          </a:p>
+          <a:p>
+            <a:pPr>
+              <a:lnSpc>
+                <a:spcPct val="107000"/>
+              </a:lnSpc>
+              <a:buNone/>
+            </a:pPr>
+            <a:r>
+              <a:rPr lang="vi-VN" sz="1000" dirty="0">
+                <a:effectLst/>
+                <a:latin typeface="Times New Roman" panose="02020603050405020304" pitchFamily="18" charset="0"/>
+                <a:ea typeface="Calibri" panose="020F0502020204030204" pitchFamily="34" charset="0"/>
+              </a:rPr>
+              <a:t>                if score &gt;= beta:</a:t>
+            </a:r>
+          </a:p>
+          <a:p>
+            <a:pPr>
+              <a:lnSpc>
+                <a:spcPct val="107000"/>
+              </a:lnSpc>
+              <a:buNone/>
+            </a:pPr>
+            <a:r>
+              <a:rPr lang="vi-VN" sz="1000" dirty="0">
+                <a:effectLst/>
+                <a:latin typeface="Times New Roman" panose="02020603050405020304" pitchFamily="18" charset="0"/>
+                <a:ea typeface="Calibri" panose="020F0502020204030204" pitchFamily="34" charset="0"/>
+              </a:rPr>
+              <a:t>                    return beta</a:t>
+            </a:r>
+          </a:p>
+          <a:p>
+            <a:pPr>
+              <a:lnSpc>
+                <a:spcPct val="107000"/>
+              </a:lnSpc>
+              <a:buNone/>
+            </a:pPr>
+            <a:r>
+              <a:rPr lang="vi-VN" sz="1000" dirty="0">
+                <a:effectLst/>
+                <a:latin typeface="Times New Roman" panose="02020603050405020304" pitchFamily="18" charset="0"/>
+                <a:ea typeface="Calibri" panose="020F0502020204030204" pitchFamily="34" charset="0"/>
+              </a:rPr>
+              <a:t>                alpha = max(alpha, score)</a:t>
+            </a:r>
+          </a:p>
+          <a:p>
+            <a:pPr>
+              <a:lnSpc>
+                <a:spcPct val="107000"/>
+              </a:lnSpc>
+              <a:buNone/>
+            </a:pPr>
+            <a:r>
+              <a:rPr lang="vi-VN" sz="1000" dirty="0">
+                <a:effectLst/>
+                <a:latin typeface="Times New Roman" panose="02020603050405020304" pitchFamily="18" charset="0"/>
+                <a:ea typeface="Calibri" panose="020F0502020204030204" pitchFamily="34" charset="0"/>
+              </a:rPr>
+              <a:t>            else:</a:t>
+            </a:r>
+          </a:p>
+          <a:p>
+            <a:pPr>
+              <a:lnSpc>
+                <a:spcPct val="107000"/>
+              </a:lnSpc>
+              <a:buNone/>
+            </a:pPr>
+            <a:r>
+              <a:rPr lang="vi-VN" sz="1000" dirty="0">
+                <a:effectLst/>
+                <a:latin typeface="Times New Roman" panose="02020603050405020304" pitchFamily="18" charset="0"/>
+                <a:ea typeface="Calibri" panose="020F0502020204030204" pitchFamily="34" charset="0"/>
+              </a:rPr>
+              <a:t>                if score &lt;= alpha:</a:t>
+            </a:r>
+          </a:p>
+          <a:p>
+            <a:pPr>
+              <a:lnSpc>
+                <a:spcPct val="107000"/>
+              </a:lnSpc>
+              <a:buNone/>
+            </a:pPr>
+            <a:r>
+              <a:rPr lang="vi-VN" sz="1000" dirty="0">
+                <a:effectLst/>
+                <a:latin typeface="Times New Roman" panose="02020603050405020304" pitchFamily="18" charset="0"/>
+                <a:ea typeface="Calibri" panose="020F0502020204030204" pitchFamily="34" charset="0"/>
+              </a:rPr>
+              <a:t>                    return alpha</a:t>
+            </a:r>
+          </a:p>
+          <a:p>
+            <a:pPr>
+              <a:lnSpc>
+                <a:spcPct val="107000"/>
+              </a:lnSpc>
+              <a:buNone/>
+            </a:pPr>
+            <a:r>
+              <a:rPr lang="vi-VN" sz="1000" dirty="0">
+                <a:effectLst/>
+                <a:latin typeface="Times New Roman" panose="02020603050405020304" pitchFamily="18" charset="0"/>
+                <a:ea typeface="Calibri" panose="020F0502020204030204" pitchFamily="34" charset="0"/>
+              </a:rPr>
+              <a:t>                beta = min(beta, score)</a:t>
+            </a:r>
+          </a:p>
+          <a:p>
+            <a:pPr>
+              <a:lnSpc>
+                <a:spcPct val="107000"/>
+              </a:lnSpc>
+              <a:buNone/>
+            </a:pPr>
+            <a:r>
+              <a:rPr lang="vi-VN" sz="1000" dirty="0">
+                <a:effectLst/>
+                <a:latin typeface="Times New Roman" panose="02020603050405020304" pitchFamily="18" charset="0"/>
+                <a:ea typeface="Calibri" panose="020F0502020204030204" pitchFamily="34" charset="0"/>
+              </a:rPr>
+              <a:t>        </a:t>
+            </a:r>
+          </a:p>
+          <a:p>
+            <a:pPr>
+              <a:lnSpc>
+                <a:spcPct val="107000"/>
+              </a:lnSpc>
+            </a:pPr>
+            <a:r>
+              <a:rPr lang="vi-VN" sz="1000" dirty="0">
+                <a:effectLst/>
+                <a:latin typeface="Times New Roman" panose="02020603050405020304" pitchFamily="18" charset="0"/>
+                <a:ea typeface="Calibri" panose="020F0502020204030204" pitchFamily="34" charset="0"/>
+              </a:rPr>
+              <a:t>        return alpha if color == 'black' else beta</a:t>
+            </a:r>
+          </a:p>
+          <a:p>
+            <a:endParaRPr lang="en-US" sz="1000" dirty="0"/>
           </a:p>
         </p:txBody>
       </p:sp>
@@ -35399,6 +40074,1659 @@
 </file>
 
 <file path=ppt/slides/slide42.xml><?xml version="1.0" encoding="utf-8"?>
+<p:sld xmlns:a="http://schemas.openxmlformats.org/drawingml/2006/main" xmlns:r="http://schemas.openxmlformats.org/officeDocument/2006/relationships" xmlns:p="http://schemas.openxmlformats.org/presentationml/2006/main">
+  <p:cSld>
+    <p:spTree>
+      <p:nvGrpSpPr>
+        <p:cNvPr id="1" name=""/>
+        <p:cNvGrpSpPr/>
+        <p:nvPr/>
+      </p:nvGrpSpPr>
+      <p:grpSpPr>
+        <a:xfrm>
+          <a:off x="0" y="0"/>
+          <a:ext cx="0" cy="0"/>
+          <a:chOff x="0" y="0"/>
+          <a:chExt cx="0" cy="0"/>
+        </a:xfrm>
+      </p:grpSpPr>
+      <p:sp>
+        <p:nvSpPr>
+          <p:cNvPr id="2" name="Title 1">
+            <a:extLst>
+              <a:ext uri="{FF2B5EF4-FFF2-40B4-BE49-F238E27FC236}">
+                <a16:creationId xmlns:a16="http://schemas.microsoft.com/office/drawing/2014/main" id="{55BF00F4-DB2A-D128-1ED7-E461852D72E0}"/>
+              </a:ext>
+            </a:extLst>
+          </p:cNvPr>
+          <p:cNvSpPr>
+            <a:spLocks noGrp="1"/>
+          </p:cNvSpPr>
+          <p:nvPr>
+            <p:ph type="title"/>
+          </p:nvPr>
+        </p:nvSpPr>
+        <p:spPr>
+          <a:xfrm>
+            <a:off x="1069848" y="484632"/>
+            <a:ext cx="10058400" cy="596916"/>
+          </a:xfrm>
+        </p:spPr>
+        <p:txBody>
+          <a:bodyPr>
+            <a:normAutofit fontScale="90000"/>
+          </a:bodyPr>
+          <a:lstStyle/>
+          <a:p>
+            <a:r>
+              <a:rPr lang="vi-VN" dirty="0"/>
+              <a:t>THỰC HIỆN VIẾT MÃ PYTHON</a:t>
+            </a:r>
+            <a:endParaRPr lang="en-US" dirty="0"/>
+          </a:p>
+        </p:txBody>
+      </p:sp>
+      <p:sp>
+        <p:nvSpPr>
+          <p:cNvPr id="3" name="Content Placeholder 2">
+            <a:extLst>
+              <a:ext uri="{FF2B5EF4-FFF2-40B4-BE49-F238E27FC236}">
+                <a16:creationId xmlns:a16="http://schemas.microsoft.com/office/drawing/2014/main" id="{55300556-0A5A-3970-E38A-04089038B19D}"/>
+              </a:ext>
+            </a:extLst>
+          </p:cNvPr>
+          <p:cNvSpPr>
+            <a:spLocks noGrp="1"/>
+          </p:cNvSpPr>
+          <p:nvPr>
+            <p:ph idx="1"/>
+          </p:nvPr>
+        </p:nvSpPr>
+        <p:spPr>
+          <a:xfrm>
+            <a:off x="843706" y="1238864"/>
+            <a:ext cx="3443158" cy="4903839"/>
+          </a:xfrm>
+        </p:spPr>
+        <p:txBody>
+          <a:bodyPr>
+            <a:noAutofit/>
+          </a:bodyPr>
+          <a:lstStyle/>
+          <a:p>
+            <a:pPr>
+              <a:lnSpc>
+                <a:spcPct val="107000"/>
+              </a:lnSpc>
+              <a:spcBef>
+                <a:spcPts val="0"/>
+              </a:spcBef>
+              <a:buNone/>
+            </a:pPr>
+            <a:r>
+              <a:rPr lang="vi-VN" sz="1000" b="1" dirty="0">
+                <a:effectLst/>
+                <a:latin typeface="Times New Roman" panose="02020603050405020304" pitchFamily="18" charset="0"/>
+                <a:ea typeface="Calibri" panose="020F0502020204030204" pitchFamily="34" charset="0"/>
+              </a:rPr>
+              <a:t>def minimax(self, board, color, depth, alpha, beta, current_depth=0):</a:t>
+            </a:r>
+          </a:p>
+          <a:p>
+            <a:pPr>
+              <a:lnSpc>
+                <a:spcPct val="107000"/>
+              </a:lnSpc>
+              <a:spcBef>
+                <a:spcPts val="0"/>
+              </a:spcBef>
+              <a:buNone/>
+            </a:pPr>
+            <a:r>
+              <a:rPr lang="en-US" sz="1000" dirty="0">
+                <a:effectLst/>
+                <a:latin typeface="Times New Roman" panose="02020603050405020304" pitchFamily="18" charset="0"/>
+                <a:ea typeface="Calibri" panose="020F0502020204030204" pitchFamily="34" charset="0"/>
+              </a:rPr>
+              <a:t>          </a:t>
+            </a:r>
+            <a:r>
+              <a:rPr lang="vi-VN" sz="1000" dirty="0">
+                <a:effectLst/>
+                <a:latin typeface="Times New Roman" panose="02020603050405020304" pitchFamily="18" charset="0"/>
+                <a:ea typeface="Calibri" panose="020F0502020204030204" pitchFamily="34" charset="0"/>
+              </a:rPr>
+              <a:t>elf.nodes_searched += 1</a:t>
+            </a:r>
+          </a:p>
+          <a:p>
+            <a:pPr>
+              <a:lnSpc>
+                <a:spcPct val="107000"/>
+              </a:lnSpc>
+              <a:spcBef>
+                <a:spcPts val="0"/>
+              </a:spcBef>
+              <a:buNone/>
+            </a:pPr>
+            <a:r>
+              <a:rPr lang="vi-VN" sz="1000" dirty="0">
+                <a:effectLst/>
+                <a:latin typeface="Times New Roman" panose="02020603050405020304" pitchFamily="18" charset="0"/>
+                <a:ea typeface="Calibri" panose="020F0502020204030204" pitchFamily="34" charset="0"/>
+              </a:rPr>
+              <a:t> </a:t>
+            </a:r>
+          </a:p>
+          <a:p>
+            <a:pPr>
+              <a:lnSpc>
+                <a:spcPct val="107000"/>
+              </a:lnSpc>
+              <a:spcBef>
+                <a:spcPts val="0"/>
+              </a:spcBef>
+              <a:buNone/>
+            </a:pPr>
+            <a:r>
+              <a:rPr lang="vi-VN" sz="1000" dirty="0">
+                <a:effectLst/>
+                <a:latin typeface="Times New Roman" panose="02020603050405020304" pitchFamily="18" charset="0"/>
+                <a:ea typeface="Calibri" panose="020F0502020204030204" pitchFamily="34" charset="0"/>
+              </a:rPr>
+              <a:t>        # Kiểm tra giới hạn</a:t>
+            </a:r>
+          </a:p>
+          <a:p>
+            <a:pPr>
+              <a:lnSpc>
+                <a:spcPct val="107000"/>
+              </a:lnSpc>
+              <a:spcBef>
+                <a:spcPts val="0"/>
+              </a:spcBef>
+              <a:buNone/>
+            </a:pPr>
+            <a:r>
+              <a:rPr lang="vi-VN" sz="1000" dirty="0">
+                <a:effectLst/>
+                <a:latin typeface="Times New Roman" panose="02020603050405020304" pitchFamily="18" charset="0"/>
+                <a:ea typeface="Calibri" panose="020F0502020204030204" pitchFamily="34" charset="0"/>
+              </a:rPr>
+              <a:t>        if (time.time() - self.start_time &gt; self.time_limit or </a:t>
+            </a:r>
+          </a:p>
+          <a:p>
+            <a:pPr>
+              <a:lnSpc>
+                <a:spcPct val="107000"/>
+              </a:lnSpc>
+              <a:spcBef>
+                <a:spcPts val="0"/>
+              </a:spcBef>
+              <a:buNone/>
+            </a:pPr>
+            <a:r>
+              <a:rPr lang="vi-VN" sz="1000" dirty="0">
+                <a:effectLst/>
+                <a:latin typeface="Times New Roman" panose="02020603050405020304" pitchFamily="18" charset="0"/>
+                <a:ea typeface="Calibri" panose="020F0502020204030204" pitchFamily="34" charset="0"/>
+              </a:rPr>
+              <a:t>            self.nodes_searched &gt; self.max_nodes):</a:t>
+            </a:r>
+          </a:p>
+          <a:p>
+            <a:pPr>
+              <a:lnSpc>
+                <a:spcPct val="107000"/>
+              </a:lnSpc>
+              <a:spcBef>
+                <a:spcPts val="0"/>
+              </a:spcBef>
+              <a:buNone/>
+            </a:pPr>
+            <a:r>
+              <a:rPr lang="vi-VN" sz="1000" dirty="0">
+                <a:effectLst/>
+                <a:latin typeface="Times New Roman" panose="02020603050405020304" pitchFamily="18" charset="0"/>
+                <a:ea typeface="Calibri" panose="020F0502020204030204" pitchFamily="34" charset="0"/>
+              </a:rPr>
+              <a:t>            raise TimeoutError()</a:t>
+            </a:r>
+          </a:p>
+          <a:p>
+            <a:pPr>
+              <a:lnSpc>
+                <a:spcPct val="107000"/>
+              </a:lnSpc>
+              <a:spcBef>
+                <a:spcPts val="0"/>
+              </a:spcBef>
+              <a:buNone/>
+            </a:pPr>
+            <a:r>
+              <a:rPr lang="vi-VN" sz="1000" dirty="0">
+                <a:effectLst/>
+                <a:latin typeface="Times New Roman" panose="02020603050405020304" pitchFamily="18" charset="0"/>
+                <a:ea typeface="Calibri" panose="020F0502020204030204" pitchFamily="34" charset="0"/>
+              </a:rPr>
+              <a:t>            </a:t>
+            </a:r>
+          </a:p>
+          <a:p>
+            <a:pPr>
+              <a:lnSpc>
+                <a:spcPct val="107000"/>
+              </a:lnSpc>
+              <a:spcBef>
+                <a:spcPts val="0"/>
+              </a:spcBef>
+              <a:buNone/>
+            </a:pPr>
+            <a:r>
+              <a:rPr lang="vi-VN" sz="1000" dirty="0">
+                <a:effectLst/>
+                <a:latin typeface="Times New Roman" panose="02020603050405020304" pitchFamily="18" charset="0"/>
+                <a:ea typeface="Calibri" panose="020F0502020204030204" pitchFamily="34" charset="0"/>
+              </a:rPr>
+              <a:t>        board_hash = self.get_board_hash(board)</a:t>
+            </a:r>
+          </a:p>
+          <a:p>
+            <a:pPr>
+              <a:lnSpc>
+                <a:spcPct val="107000"/>
+              </a:lnSpc>
+              <a:spcBef>
+                <a:spcPts val="0"/>
+              </a:spcBef>
+              <a:buNone/>
+            </a:pPr>
+            <a:r>
+              <a:rPr lang="vi-VN" sz="1000" dirty="0">
+                <a:effectLst/>
+                <a:latin typeface="Times New Roman" panose="02020603050405020304" pitchFamily="18" charset="0"/>
+                <a:ea typeface="Calibri" panose="020F0502020204030204" pitchFamily="34" charset="0"/>
+              </a:rPr>
+              <a:t>        if board_hash in self.transposition_table:</a:t>
+            </a:r>
+          </a:p>
+          <a:p>
+            <a:pPr>
+              <a:lnSpc>
+                <a:spcPct val="107000"/>
+              </a:lnSpc>
+              <a:spcBef>
+                <a:spcPts val="0"/>
+              </a:spcBef>
+              <a:buNone/>
+            </a:pPr>
+            <a:r>
+              <a:rPr lang="vi-VN" sz="1000" dirty="0">
+                <a:effectLst/>
+                <a:latin typeface="Times New Roman" panose="02020603050405020304" pitchFamily="18" charset="0"/>
+                <a:ea typeface="Calibri" panose="020F0502020204030204" pitchFamily="34" charset="0"/>
+              </a:rPr>
+              <a:t>            entry = self.transposition_table[board_hash]</a:t>
+            </a:r>
+          </a:p>
+          <a:p>
+            <a:pPr>
+              <a:lnSpc>
+                <a:spcPct val="107000"/>
+              </a:lnSpc>
+              <a:spcBef>
+                <a:spcPts val="0"/>
+              </a:spcBef>
+              <a:buNone/>
+            </a:pPr>
+            <a:r>
+              <a:rPr lang="vi-VN" sz="1000" dirty="0">
+                <a:effectLst/>
+                <a:latin typeface="Times New Roman" panose="02020603050405020304" pitchFamily="18" charset="0"/>
+                <a:ea typeface="Calibri" panose="020F0502020204030204" pitchFamily="34" charset="0"/>
+              </a:rPr>
+              <a:t>            if entry['depth'] &gt;= depth:</a:t>
+            </a:r>
+          </a:p>
+          <a:p>
+            <a:pPr>
+              <a:lnSpc>
+                <a:spcPct val="107000"/>
+              </a:lnSpc>
+              <a:spcBef>
+                <a:spcPts val="0"/>
+              </a:spcBef>
+              <a:buNone/>
+            </a:pPr>
+            <a:r>
+              <a:rPr lang="vi-VN" sz="1000" dirty="0">
+                <a:effectLst/>
+                <a:latin typeface="Times New Roman" panose="02020603050405020304" pitchFamily="18" charset="0"/>
+                <a:ea typeface="Calibri" panose="020F0502020204030204" pitchFamily="34" charset="0"/>
+              </a:rPr>
+              <a:t>                return entry['value']</a:t>
+            </a:r>
+          </a:p>
+          <a:p>
+            <a:pPr>
+              <a:lnSpc>
+                <a:spcPct val="107000"/>
+              </a:lnSpc>
+              <a:spcBef>
+                <a:spcPts val="0"/>
+              </a:spcBef>
+              <a:buNone/>
+            </a:pPr>
+            <a:r>
+              <a:rPr lang="vi-VN" sz="1000" dirty="0">
+                <a:effectLst/>
+                <a:latin typeface="Times New Roman" panose="02020603050405020304" pitchFamily="18" charset="0"/>
+                <a:ea typeface="Calibri" panose="020F0502020204030204" pitchFamily="34" charset="0"/>
+              </a:rPr>
+              <a:t>        </a:t>
+            </a:r>
+          </a:p>
+          <a:p>
+            <a:pPr>
+              <a:lnSpc>
+                <a:spcPct val="107000"/>
+              </a:lnSpc>
+              <a:spcBef>
+                <a:spcPts val="0"/>
+              </a:spcBef>
+              <a:buNone/>
+            </a:pPr>
+            <a:r>
+              <a:rPr lang="vi-VN" sz="1000" dirty="0">
+                <a:effectLst/>
+                <a:latin typeface="Times New Roman" panose="02020603050405020304" pitchFamily="18" charset="0"/>
+                <a:ea typeface="Calibri" panose="020F0502020204030204" pitchFamily="34" charset="0"/>
+              </a:rPr>
+              <a:t>        # Đến độ sâu tối đa thì chuyển sang quiescence</a:t>
+            </a:r>
+          </a:p>
+          <a:p>
+            <a:pPr>
+              <a:lnSpc>
+                <a:spcPct val="107000"/>
+              </a:lnSpc>
+              <a:spcBef>
+                <a:spcPts val="0"/>
+              </a:spcBef>
+              <a:buNone/>
+            </a:pPr>
+            <a:r>
+              <a:rPr lang="vi-VN" sz="1000" dirty="0">
+                <a:effectLst/>
+                <a:latin typeface="Times New Roman" panose="02020603050405020304" pitchFamily="18" charset="0"/>
+                <a:ea typeface="Calibri" panose="020F0502020204030204" pitchFamily="34" charset="0"/>
+              </a:rPr>
+              <a:t>        if depth == 0:</a:t>
+            </a:r>
+          </a:p>
+          <a:p>
+            <a:pPr>
+              <a:lnSpc>
+                <a:spcPct val="107000"/>
+              </a:lnSpc>
+              <a:spcBef>
+                <a:spcPts val="0"/>
+              </a:spcBef>
+              <a:buNone/>
+            </a:pPr>
+            <a:r>
+              <a:rPr lang="vi-VN" sz="1000" dirty="0">
+                <a:effectLst/>
+                <a:latin typeface="Times New Roman" panose="02020603050405020304" pitchFamily="18" charset="0"/>
+                <a:ea typeface="Calibri" panose="020F0502020204030204" pitchFamily="34" charset="0"/>
+              </a:rPr>
+              <a:t>            q_score = self.quiescence(board, color, alpha, beta)</a:t>
+            </a:r>
+          </a:p>
+          <a:p>
+            <a:pPr>
+              <a:lnSpc>
+                <a:spcPct val="107000"/>
+              </a:lnSpc>
+              <a:spcBef>
+                <a:spcPts val="0"/>
+              </a:spcBef>
+              <a:buNone/>
+            </a:pPr>
+            <a:r>
+              <a:rPr lang="vi-VN" sz="1000" dirty="0">
+                <a:effectLst/>
+                <a:latin typeface="Times New Roman" panose="02020603050405020304" pitchFamily="18" charset="0"/>
+                <a:ea typeface="Calibri" panose="020F0502020204030204" pitchFamily="34" charset="0"/>
+              </a:rPr>
+              <a:t>            return [q_score, None, None]</a:t>
+            </a:r>
+          </a:p>
+          <a:p>
+            <a:pPr>
+              <a:lnSpc>
+                <a:spcPct val="107000"/>
+              </a:lnSpc>
+              <a:spcBef>
+                <a:spcPts val="0"/>
+              </a:spcBef>
+              <a:buNone/>
+            </a:pPr>
+            <a:r>
+              <a:rPr lang="vi-VN" sz="1000" dirty="0">
+                <a:effectLst/>
+                <a:latin typeface="Times New Roman" panose="02020603050405020304" pitchFamily="18" charset="0"/>
+                <a:ea typeface="Calibri" panose="020F0502020204030204" pitchFamily="34" charset="0"/>
+              </a:rPr>
+              <a:t> </a:t>
+            </a:r>
+          </a:p>
+          <a:p>
+            <a:pPr>
+              <a:lnSpc>
+                <a:spcPct val="107000"/>
+              </a:lnSpc>
+              <a:spcBef>
+                <a:spcPts val="0"/>
+              </a:spcBef>
+              <a:buNone/>
+            </a:pPr>
+            <a:r>
+              <a:rPr lang="vi-VN" sz="1000" dirty="0">
+                <a:effectLst/>
+                <a:latin typeface="Times New Roman" panose="02020603050405020304" pitchFamily="18" charset="0"/>
+                <a:ea typeface="Calibri" panose="020F0502020204030204" pitchFamily="34" charset="0"/>
+              </a:rPr>
+              <a:t>        # Lấy các nước đi đã sắp xếp</a:t>
+            </a:r>
+          </a:p>
+          <a:p>
+            <a:pPr>
+              <a:lnSpc>
+                <a:spcPct val="107000"/>
+              </a:lnSpc>
+              <a:spcBef>
+                <a:spcPts val="0"/>
+              </a:spcBef>
+              <a:buNone/>
+            </a:pPr>
+            <a:r>
+              <a:rPr lang="vi-VN" sz="1000" dirty="0">
+                <a:effectLst/>
+                <a:latin typeface="Times New Roman" panose="02020603050405020304" pitchFamily="18" charset="0"/>
+                <a:ea typeface="Calibri" panose="020F0502020204030204" pitchFamily="34" charset="0"/>
+              </a:rPr>
+              <a:t>        moves = self.get_all_moves(color, current_depth)</a:t>
+            </a:r>
+          </a:p>
+          <a:p>
+            <a:pPr>
+              <a:lnSpc>
+                <a:spcPct val="107000"/>
+              </a:lnSpc>
+              <a:spcBef>
+                <a:spcPts val="0"/>
+              </a:spcBef>
+              <a:buNone/>
+            </a:pPr>
+            <a:r>
+              <a:rPr lang="vi-VN" sz="1000" dirty="0">
+                <a:effectLst/>
+                <a:latin typeface="Times New Roman" panose="02020603050405020304" pitchFamily="18" charset="0"/>
+                <a:ea typeface="Calibri" panose="020F0502020204030204" pitchFamily="34" charset="0"/>
+              </a:rPr>
+              <a:t>        best_move = (None, None)</a:t>
+            </a:r>
+          </a:p>
+          <a:p>
+            <a:pPr>
+              <a:lnSpc>
+                <a:spcPct val="107000"/>
+              </a:lnSpc>
+              <a:spcBef>
+                <a:spcPts val="0"/>
+              </a:spcBef>
+              <a:buNone/>
+            </a:pPr>
+            <a:r>
+              <a:rPr lang="vi-VN" sz="1000" dirty="0">
+                <a:effectLst/>
+                <a:latin typeface="Times New Roman" panose="02020603050405020304" pitchFamily="18" charset="0"/>
+                <a:ea typeface="Calibri" panose="020F0502020204030204" pitchFamily="34" charset="0"/>
+              </a:rPr>
+              <a:t>        best_value = -float('inf') if color == 'black' else float('inf')</a:t>
+            </a:r>
+          </a:p>
+          <a:p>
+            <a:pPr>
+              <a:lnSpc>
+                <a:spcPct val="107000"/>
+              </a:lnSpc>
+              <a:spcBef>
+                <a:spcPts val="0"/>
+              </a:spcBef>
+              <a:buNone/>
+            </a:pPr>
+            <a:r>
+              <a:rPr lang="vi-VN" sz="1000" dirty="0">
+                <a:effectLst/>
+                <a:latin typeface="Times New Roman" panose="02020603050405020304" pitchFamily="18" charset="0"/>
+                <a:ea typeface="Calibri" panose="020F0502020204030204" pitchFamily="34" charset="0"/>
+              </a:rPr>
+              <a:t> </a:t>
+            </a:r>
+          </a:p>
+          <a:p>
+            <a:pPr>
+              <a:lnSpc>
+                <a:spcPct val="107000"/>
+              </a:lnSpc>
+              <a:spcBef>
+                <a:spcPts val="0"/>
+              </a:spcBef>
+              <a:buNone/>
+            </a:pPr>
+            <a:r>
+              <a:rPr lang="vi-VN" sz="1000" dirty="0">
+                <a:effectLst/>
+                <a:latin typeface="Times New Roman" panose="02020603050405020304" pitchFamily="18" charset="0"/>
+                <a:ea typeface="Calibri" panose="020F0502020204030204" pitchFamily="34" charset="0"/>
+              </a:rPr>
+              <a:t>        for piece, move in moves:</a:t>
+            </a:r>
+          </a:p>
+          <a:p>
+            <a:pPr>
+              <a:lnSpc>
+                <a:spcPct val="107000"/>
+              </a:lnSpc>
+              <a:spcBef>
+                <a:spcPts val="0"/>
+              </a:spcBef>
+              <a:buNone/>
+            </a:pPr>
+            <a:r>
+              <a:rPr lang="vi-VN" sz="1000" dirty="0">
+                <a:effectLst/>
+                <a:latin typeface="Times New Roman" panose="02020603050405020304" pitchFamily="18" charset="0"/>
+                <a:ea typeface="Calibri" panose="020F0502020204030204" pitchFamily="34" charset="0"/>
+              </a:rPr>
+              <a:t>            pos = self.find_piece_position(piece, board)</a:t>
+            </a:r>
+          </a:p>
+          <a:p>
+            <a:pPr>
+              <a:lnSpc>
+                <a:spcPct val="107000"/>
+              </a:lnSpc>
+              <a:spcBef>
+                <a:spcPts val="0"/>
+              </a:spcBef>
+              <a:buNone/>
+            </a:pPr>
+            <a:r>
+              <a:rPr lang="vi-VN" sz="1000" dirty="0">
+                <a:effectLst/>
+                <a:latin typeface="Times New Roman" panose="02020603050405020304" pitchFamily="18" charset="0"/>
+                <a:ea typeface="Calibri" panose="020F0502020204030204" pitchFamily="34" charset="0"/>
+              </a:rPr>
+              <a:t>            if not pos:</a:t>
+            </a:r>
+          </a:p>
+          <a:p>
+            <a:pPr>
+              <a:lnSpc>
+                <a:spcPct val="107000"/>
+              </a:lnSpc>
+              <a:spcBef>
+                <a:spcPts val="0"/>
+              </a:spcBef>
+              <a:buNone/>
+            </a:pPr>
+            <a:r>
+              <a:rPr lang="vi-VN" sz="1000" dirty="0">
+                <a:effectLst/>
+                <a:latin typeface="Times New Roman" panose="02020603050405020304" pitchFamily="18" charset="0"/>
+                <a:ea typeface="Calibri" panose="020F0502020204030204" pitchFamily="34" charset="0"/>
+              </a:rPr>
+              <a:t>                continue</a:t>
+            </a:r>
+          </a:p>
+          <a:p>
+            <a:pPr>
+              <a:lnSpc>
+                <a:spcPct val="107000"/>
+              </a:lnSpc>
+              <a:spcBef>
+                <a:spcPts val="0"/>
+              </a:spcBef>
+              <a:buNone/>
+            </a:pPr>
+            <a:r>
+              <a:rPr lang="vi-VN" sz="1000" dirty="0">
+                <a:effectLst/>
+                <a:latin typeface="Times New Roman" panose="02020603050405020304" pitchFamily="18" charset="0"/>
+                <a:ea typeface="Calibri" panose="020F0502020204030204" pitchFamily="34" charset="0"/>
+              </a:rPr>
+              <a:t>                </a:t>
+            </a:r>
+          </a:p>
+          <a:p>
+            <a:pPr>
+              <a:lnSpc>
+                <a:spcPct val="107000"/>
+              </a:lnSpc>
+              <a:spcBef>
+                <a:spcPts val="0"/>
+              </a:spcBef>
+              <a:buNone/>
+            </a:pPr>
+            <a:r>
+              <a:rPr lang="vi-VN" sz="1000" dirty="0">
+                <a:effectLst/>
+                <a:latin typeface="Times New Roman" panose="02020603050405020304" pitchFamily="18" charset="0"/>
+                <a:ea typeface="Calibri" panose="020F0502020204030204" pitchFamily="34" charset="0"/>
+              </a:rPr>
+              <a:t>            copied_board = copy.deepcopy(board)</a:t>
+            </a:r>
+          </a:p>
+          <a:p>
+            <a:pPr>
+              <a:lnSpc>
+                <a:spcPct val="107000"/>
+              </a:lnSpc>
+              <a:spcBef>
+                <a:spcPts val="0"/>
+              </a:spcBef>
+              <a:buNone/>
+            </a:pPr>
+            <a:r>
+              <a:rPr lang="vi-VN" sz="1000" dirty="0">
+                <a:effectLst/>
+                <a:latin typeface="Times New Roman" panose="02020603050405020304" pitchFamily="18" charset="0"/>
+                <a:ea typeface="Calibri" panose="020F0502020204030204" pitchFamily="34" charset="0"/>
+              </a:rPr>
+              <a:t>            copied_board.move(piece, move, testing=True)</a:t>
+            </a:r>
+          </a:p>
+          <a:p>
+            <a:pPr>
+              <a:lnSpc>
+                <a:spcPct val="107000"/>
+              </a:lnSpc>
+              <a:spcBef>
+                <a:spcPts val="0"/>
+              </a:spcBef>
+              <a:buNone/>
+            </a:pPr>
+            <a:r>
+              <a:rPr lang="vi-VN" sz="1000" dirty="0">
+                <a:effectLst/>
+                <a:latin typeface="Times New Roman" panose="02020603050405020304" pitchFamily="18" charset="0"/>
+                <a:ea typeface="Calibri" panose="020F0502020204030204" pitchFamily="34" charset="0"/>
+              </a:rPr>
+              <a:t>            </a:t>
+            </a:r>
+          </a:p>
+          <a:p>
+            <a:pPr marL="0" indent="0">
+              <a:spcBef>
+                <a:spcPts val="0"/>
+              </a:spcBef>
+              <a:buNone/>
+            </a:pPr>
+            <a:endParaRPr lang="en-US" sz="1000" dirty="0"/>
+          </a:p>
+        </p:txBody>
+      </p:sp>
+      <p:sp>
+        <p:nvSpPr>
+          <p:cNvPr id="4" name="TextBox 3">
+            <a:extLst>
+              <a:ext uri="{FF2B5EF4-FFF2-40B4-BE49-F238E27FC236}">
+                <a16:creationId xmlns:a16="http://schemas.microsoft.com/office/drawing/2014/main" id="{847C290E-5C82-4156-6581-1B77F6B05F22}"/>
+              </a:ext>
+            </a:extLst>
+          </p:cNvPr>
+          <p:cNvSpPr txBox="1"/>
+          <p:nvPr/>
+        </p:nvSpPr>
+        <p:spPr>
+          <a:xfrm>
+            <a:off x="4473023" y="1238864"/>
+            <a:ext cx="3884397" cy="5515036"/>
+          </a:xfrm>
+          <a:prstGeom prst="rect">
+            <a:avLst/>
+          </a:prstGeom>
+          <a:noFill/>
+        </p:spPr>
+        <p:txBody>
+          <a:bodyPr wrap="none" rtlCol="0">
+            <a:spAutoFit/>
+          </a:bodyPr>
+          <a:lstStyle/>
+          <a:p>
+            <a:pPr>
+              <a:lnSpc>
+                <a:spcPct val="107000"/>
+              </a:lnSpc>
+              <a:spcBef>
+                <a:spcPts val="0"/>
+              </a:spcBef>
+              <a:buNone/>
+            </a:pPr>
+            <a:r>
+              <a:rPr lang="vi-VN" sz="1000" dirty="0">
+                <a:effectLst/>
+                <a:latin typeface="Times New Roman" panose="02020603050405020304" pitchFamily="18" charset="0"/>
+                <a:ea typeface="Calibri" panose="020F0502020204030204" pitchFamily="34" charset="0"/>
+              </a:rPr>
+              <a:t> </a:t>
+            </a:r>
+            <a:r>
+              <a:rPr lang="en-US" sz="1000" dirty="0">
+                <a:effectLst/>
+                <a:latin typeface="Times New Roman" panose="02020603050405020304" pitchFamily="18" charset="0"/>
+                <a:ea typeface="Calibri" panose="020F0502020204030204" pitchFamily="34" charset="0"/>
+              </a:rPr>
+              <a:t>          </a:t>
+            </a:r>
+            <a:r>
+              <a:rPr lang="vi-VN" sz="1000" dirty="0">
+                <a:effectLst/>
+                <a:latin typeface="Times New Roman" panose="02020603050405020304" pitchFamily="18" charset="0"/>
+                <a:ea typeface="Calibri" panose="020F0502020204030204" pitchFamily="34" charset="0"/>
+              </a:rPr>
+              <a:t>eval_result = self.minimax(</a:t>
+            </a:r>
+          </a:p>
+          <a:p>
+            <a:pPr>
+              <a:lnSpc>
+                <a:spcPct val="107000"/>
+              </a:lnSpc>
+              <a:spcBef>
+                <a:spcPts val="0"/>
+              </a:spcBef>
+              <a:buNone/>
+            </a:pPr>
+            <a:r>
+              <a:rPr lang="vi-VN" sz="1000" dirty="0">
+                <a:effectLst/>
+                <a:latin typeface="Times New Roman" panose="02020603050405020304" pitchFamily="18" charset="0"/>
+                <a:ea typeface="Calibri" panose="020F0502020204030204" pitchFamily="34" charset="0"/>
+              </a:rPr>
+              <a:t>                copied_board, </a:t>
+            </a:r>
+          </a:p>
+          <a:p>
+            <a:pPr>
+              <a:lnSpc>
+                <a:spcPct val="107000"/>
+              </a:lnSpc>
+              <a:spcBef>
+                <a:spcPts val="0"/>
+              </a:spcBef>
+              <a:buNone/>
+            </a:pPr>
+            <a:r>
+              <a:rPr lang="vi-VN" sz="1000" dirty="0">
+                <a:effectLst/>
+                <a:latin typeface="Times New Roman" panose="02020603050405020304" pitchFamily="18" charset="0"/>
+                <a:ea typeface="Calibri" panose="020F0502020204030204" pitchFamily="34" charset="0"/>
+              </a:rPr>
+              <a:t>                'white' if color == 'black' else 'black',</a:t>
+            </a:r>
+          </a:p>
+          <a:p>
+            <a:pPr>
+              <a:lnSpc>
+                <a:spcPct val="107000"/>
+              </a:lnSpc>
+              <a:spcBef>
+                <a:spcPts val="0"/>
+              </a:spcBef>
+              <a:buNone/>
+            </a:pPr>
+            <a:r>
+              <a:rPr lang="vi-VN" sz="1000" dirty="0">
+                <a:effectLst/>
+                <a:latin typeface="Times New Roman" panose="02020603050405020304" pitchFamily="18" charset="0"/>
+                <a:ea typeface="Calibri" panose="020F0502020204030204" pitchFamily="34" charset="0"/>
+              </a:rPr>
+              <a:t>                depth - 1, </a:t>
+            </a:r>
+          </a:p>
+          <a:p>
+            <a:pPr>
+              <a:lnSpc>
+                <a:spcPct val="107000"/>
+              </a:lnSpc>
+              <a:spcBef>
+                <a:spcPts val="0"/>
+              </a:spcBef>
+              <a:buNone/>
+            </a:pPr>
+            <a:r>
+              <a:rPr lang="vi-VN" sz="1000" dirty="0">
+                <a:effectLst/>
+                <a:latin typeface="Times New Roman" panose="02020603050405020304" pitchFamily="18" charset="0"/>
+                <a:ea typeface="Calibri" panose="020F0502020204030204" pitchFamily="34" charset="0"/>
+              </a:rPr>
+              <a:t>                alpha, </a:t>
+            </a:r>
+          </a:p>
+          <a:p>
+            <a:pPr>
+              <a:lnSpc>
+                <a:spcPct val="107000"/>
+              </a:lnSpc>
+              <a:spcBef>
+                <a:spcPts val="0"/>
+              </a:spcBef>
+              <a:buNone/>
+            </a:pPr>
+            <a:r>
+              <a:rPr lang="vi-VN" sz="1000" dirty="0">
+                <a:effectLst/>
+                <a:latin typeface="Times New Roman" panose="02020603050405020304" pitchFamily="18" charset="0"/>
+                <a:ea typeface="Calibri" panose="020F0502020204030204" pitchFamily="34" charset="0"/>
+              </a:rPr>
+              <a:t>                beta,</a:t>
+            </a:r>
+          </a:p>
+          <a:p>
+            <a:pPr>
+              <a:lnSpc>
+                <a:spcPct val="107000"/>
+              </a:lnSpc>
+              <a:spcBef>
+                <a:spcPts val="0"/>
+              </a:spcBef>
+              <a:buNone/>
+            </a:pPr>
+            <a:r>
+              <a:rPr lang="vi-VN" sz="1000" dirty="0">
+                <a:effectLst/>
+                <a:latin typeface="Times New Roman" panose="02020603050405020304" pitchFamily="18" charset="0"/>
+                <a:ea typeface="Calibri" panose="020F0502020204030204" pitchFamily="34" charset="0"/>
+              </a:rPr>
+              <a:t>                current_depth + 1</a:t>
+            </a:r>
+          </a:p>
+          <a:p>
+            <a:pPr>
+              <a:lnSpc>
+                <a:spcPct val="107000"/>
+              </a:lnSpc>
+              <a:spcBef>
+                <a:spcPts val="0"/>
+              </a:spcBef>
+              <a:buNone/>
+            </a:pPr>
+            <a:r>
+              <a:rPr lang="vi-VN" sz="1000" dirty="0">
+                <a:effectLst/>
+                <a:latin typeface="Times New Roman" panose="02020603050405020304" pitchFamily="18" charset="0"/>
+                <a:ea typeface="Calibri" panose="020F0502020204030204" pitchFamily="34" charset="0"/>
+              </a:rPr>
+              <a:t>            )</a:t>
+            </a:r>
+          </a:p>
+          <a:p>
+            <a:pPr>
+              <a:lnSpc>
+                <a:spcPct val="107000"/>
+              </a:lnSpc>
+              <a:spcBef>
+                <a:spcPts val="0"/>
+              </a:spcBef>
+              <a:buNone/>
+            </a:pPr>
+            <a:r>
+              <a:rPr lang="vi-VN" sz="1000" dirty="0">
+                <a:effectLst/>
+                <a:latin typeface="Times New Roman" panose="02020603050405020304" pitchFamily="18" charset="0"/>
+                <a:ea typeface="Calibri" panose="020F0502020204030204" pitchFamily="34" charset="0"/>
+              </a:rPr>
+              <a:t>            eval_score = eval_result[0]</a:t>
+            </a:r>
+          </a:p>
+          <a:p>
+            <a:pPr>
+              <a:lnSpc>
+                <a:spcPct val="107000"/>
+              </a:lnSpc>
+              <a:spcBef>
+                <a:spcPts val="0"/>
+              </a:spcBef>
+              <a:buNone/>
+            </a:pPr>
+            <a:r>
+              <a:rPr lang="vi-VN" sz="1000" dirty="0">
+                <a:effectLst/>
+                <a:latin typeface="Times New Roman" panose="02020603050405020304" pitchFamily="18" charset="0"/>
+                <a:ea typeface="Calibri" panose="020F0502020204030204" pitchFamily="34" charset="0"/>
+              </a:rPr>
+              <a:t> </a:t>
+            </a:r>
+          </a:p>
+          <a:p>
+            <a:pPr>
+              <a:lnSpc>
+                <a:spcPct val="107000"/>
+              </a:lnSpc>
+              <a:spcBef>
+                <a:spcPts val="0"/>
+              </a:spcBef>
+              <a:buNone/>
+            </a:pPr>
+            <a:r>
+              <a:rPr lang="vi-VN" sz="1000" dirty="0">
+                <a:effectLst/>
+                <a:latin typeface="Times New Roman" panose="02020603050405020304" pitchFamily="18" charset="0"/>
+                <a:ea typeface="Calibri" panose="020F0502020204030204" pitchFamily="34" charset="0"/>
+              </a:rPr>
+              <a:t>            if color == 'black':</a:t>
+            </a:r>
+          </a:p>
+          <a:p>
+            <a:pPr>
+              <a:lnSpc>
+                <a:spcPct val="107000"/>
+              </a:lnSpc>
+              <a:spcBef>
+                <a:spcPts val="0"/>
+              </a:spcBef>
+              <a:buNone/>
+            </a:pPr>
+            <a:r>
+              <a:rPr lang="vi-VN" sz="1000" dirty="0">
+                <a:effectLst/>
+                <a:latin typeface="Times New Roman" panose="02020603050405020304" pitchFamily="18" charset="0"/>
+                <a:ea typeface="Calibri" panose="020F0502020204030204" pitchFamily="34" charset="0"/>
+              </a:rPr>
+              <a:t>                if eval_score &gt; best_value:</a:t>
+            </a:r>
+          </a:p>
+          <a:p>
+            <a:pPr>
+              <a:lnSpc>
+                <a:spcPct val="107000"/>
+              </a:lnSpc>
+              <a:spcBef>
+                <a:spcPts val="0"/>
+              </a:spcBef>
+              <a:buNone/>
+            </a:pPr>
+            <a:r>
+              <a:rPr lang="vi-VN" sz="1000" dirty="0">
+                <a:effectLst/>
+                <a:latin typeface="Times New Roman" panose="02020603050405020304" pitchFamily="18" charset="0"/>
+                <a:ea typeface="Calibri" panose="020F0502020204030204" pitchFamily="34" charset="0"/>
+              </a:rPr>
+              <a:t>                    best_value = eval_score</a:t>
+            </a:r>
+          </a:p>
+          <a:p>
+            <a:pPr>
+              <a:lnSpc>
+                <a:spcPct val="107000"/>
+              </a:lnSpc>
+              <a:spcBef>
+                <a:spcPts val="0"/>
+              </a:spcBef>
+              <a:buNone/>
+            </a:pPr>
+            <a:r>
+              <a:rPr lang="vi-VN" sz="1000" dirty="0">
+                <a:effectLst/>
+                <a:latin typeface="Times New Roman" panose="02020603050405020304" pitchFamily="18" charset="0"/>
+                <a:ea typeface="Calibri" panose="020F0502020204030204" pitchFamily="34" charset="0"/>
+              </a:rPr>
+              <a:t>                    best_move = (pos, move)</a:t>
+            </a:r>
+          </a:p>
+          <a:p>
+            <a:pPr>
+              <a:lnSpc>
+                <a:spcPct val="107000"/>
+              </a:lnSpc>
+              <a:spcBef>
+                <a:spcPts val="0"/>
+              </a:spcBef>
+              <a:buNone/>
+            </a:pPr>
+            <a:r>
+              <a:rPr lang="vi-VN" sz="1000" dirty="0">
+                <a:effectLst/>
+                <a:latin typeface="Times New Roman" panose="02020603050405020304" pitchFamily="18" charset="0"/>
+                <a:ea typeface="Calibri" panose="020F0502020204030204" pitchFamily="34" charset="0"/>
+              </a:rPr>
+              <a:t>                    # Cập nhật killer move</a:t>
+            </a:r>
+          </a:p>
+          <a:p>
+            <a:pPr>
+              <a:lnSpc>
+                <a:spcPct val="107000"/>
+              </a:lnSpc>
+              <a:spcBef>
+                <a:spcPts val="0"/>
+              </a:spcBef>
+              <a:buNone/>
+            </a:pPr>
+            <a:r>
+              <a:rPr lang="vi-VN" sz="1000" dirty="0">
+                <a:effectLst/>
+                <a:latin typeface="Times New Roman" panose="02020603050405020304" pitchFamily="18" charset="0"/>
+                <a:ea typeface="Calibri" panose="020F0502020204030204" pitchFamily="34" charset="0"/>
+              </a:rPr>
+              <a:t>                    if not board.squares[move.final.row][move.final.col].piece:</a:t>
+            </a:r>
+          </a:p>
+          <a:p>
+            <a:pPr>
+              <a:lnSpc>
+                <a:spcPct val="107000"/>
+              </a:lnSpc>
+              <a:spcBef>
+                <a:spcPts val="0"/>
+              </a:spcBef>
+              <a:buNone/>
+            </a:pPr>
+            <a:r>
+              <a:rPr lang="vi-VN" sz="1000" dirty="0">
+                <a:effectLst/>
+                <a:latin typeface="Times New Roman" panose="02020603050405020304" pitchFamily="18" charset="0"/>
+                <a:ea typeface="Calibri" panose="020F0502020204030204" pitchFamily="34" charset="0"/>
+              </a:rPr>
+              <a:t>                        self.killer_moves[current_depth].append((</a:t>
+            </a:r>
+          </a:p>
+          <a:p>
+            <a:pPr>
+              <a:lnSpc>
+                <a:spcPct val="107000"/>
+              </a:lnSpc>
+              <a:spcBef>
+                <a:spcPts val="0"/>
+              </a:spcBef>
+              <a:buNone/>
+            </a:pPr>
+            <a:r>
+              <a:rPr lang="vi-VN" sz="1000" dirty="0">
+                <a:effectLst/>
+                <a:latin typeface="Times New Roman" panose="02020603050405020304" pitchFamily="18" charset="0"/>
+                <a:ea typeface="Calibri" panose="020F0502020204030204" pitchFamily="34" charset="0"/>
+              </a:rPr>
+              <a:t>                            pos[0], pos[1], </a:t>
+            </a:r>
+          </a:p>
+          <a:p>
+            <a:pPr>
+              <a:lnSpc>
+                <a:spcPct val="107000"/>
+              </a:lnSpc>
+              <a:spcBef>
+                <a:spcPts val="0"/>
+              </a:spcBef>
+              <a:buNone/>
+            </a:pPr>
+            <a:r>
+              <a:rPr lang="vi-VN" sz="1000" dirty="0">
+                <a:effectLst/>
+                <a:latin typeface="Times New Roman" panose="02020603050405020304" pitchFamily="18" charset="0"/>
+                <a:ea typeface="Calibri" panose="020F0502020204030204" pitchFamily="34" charset="0"/>
+              </a:rPr>
+              <a:t>                            move.final.row, move.final.col</a:t>
+            </a:r>
+          </a:p>
+          <a:p>
+            <a:pPr>
+              <a:lnSpc>
+                <a:spcPct val="107000"/>
+              </a:lnSpc>
+              <a:spcBef>
+                <a:spcPts val="0"/>
+              </a:spcBef>
+              <a:buNone/>
+            </a:pPr>
+            <a:r>
+              <a:rPr lang="vi-VN" sz="1000" dirty="0">
+                <a:effectLst/>
+                <a:latin typeface="Times New Roman" panose="02020603050405020304" pitchFamily="18" charset="0"/>
+                <a:ea typeface="Calibri" panose="020F0502020204030204" pitchFamily="34" charset="0"/>
+              </a:rPr>
+              <a:t>                        ))</a:t>
+            </a:r>
+          </a:p>
+          <a:p>
+            <a:pPr>
+              <a:lnSpc>
+                <a:spcPct val="107000"/>
+              </a:lnSpc>
+              <a:spcBef>
+                <a:spcPts val="0"/>
+              </a:spcBef>
+              <a:buNone/>
+            </a:pPr>
+            <a:r>
+              <a:rPr lang="vi-VN" sz="1000" dirty="0">
+                <a:effectLst/>
+                <a:latin typeface="Times New Roman" panose="02020603050405020304" pitchFamily="18" charset="0"/>
+                <a:ea typeface="Calibri" panose="020F0502020204030204" pitchFamily="34" charset="0"/>
+              </a:rPr>
+              <a:t>                        if len(self.killer_moves[current_depth]) &gt; 2:</a:t>
+            </a:r>
+          </a:p>
+          <a:p>
+            <a:pPr>
+              <a:lnSpc>
+                <a:spcPct val="107000"/>
+              </a:lnSpc>
+              <a:spcBef>
+                <a:spcPts val="0"/>
+              </a:spcBef>
+              <a:buNone/>
+            </a:pPr>
+            <a:r>
+              <a:rPr lang="vi-VN" sz="1000" dirty="0">
+                <a:effectLst/>
+                <a:latin typeface="Times New Roman" panose="02020603050405020304" pitchFamily="18" charset="0"/>
+                <a:ea typeface="Calibri" panose="020F0502020204030204" pitchFamily="34" charset="0"/>
+              </a:rPr>
+              <a:t>                            self.killer_moves[current_depth].pop(0)</a:t>
+            </a:r>
+          </a:p>
+          <a:p>
+            <a:pPr>
+              <a:lnSpc>
+                <a:spcPct val="107000"/>
+              </a:lnSpc>
+              <a:spcBef>
+                <a:spcPts val="0"/>
+              </a:spcBef>
+              <a:buNone/>
+            </a:pPr>
+            <a:r>
+              <a:rPr lang="vi-VN" sz="1000" dirty="0">
+                <a:effectLst/>
+                <a:latin typeface="Times New Roman" panose="02020603050405020304" pitchFamily="18" charset="0"/>
+                <a:ea typeface="Calibri" panose="020F0502020204030204" pitchFamily="34" charset="0"/>
+              </a:rPr>
+              <a:t>                alpha = max(alpha, best_value)</a:t>
+            </a:r>
+          </a:p>
+          <a:p>
+            <a:pPr>
+              <a:lnSpc>
+                <a:spcPct val="107000"/>
+              </a:lnSpc>
+              <a:spcBef>
+                <a:spcPts val="0"/>
+              </a:spcBef>
+              <a:buNone/>
+            </a:pPr>
+            <a:r>
+              <a:rPr lang="vi-VN" sz="1000" dirty="0">
+                <a:effectLst/>
+                <a:latin typeface="Times New Roman" panose="02020603050405020304" pitchFamily="18" charset="0"/>
+                <a:ea typeface="Calibri" panose="020F0502020204030204" pitchFamily="34" charset="0"/>
+              </a:rPr>
+              <a:t>            else:</a:t>
+            </a:r>
+          </a:p>
+          <a:p>
+            <a:pPr>
+              <a:lnSpc>
+                <a:spcPct val="107000"/>
+              </a:lnSpc>
+              <a:spcBef>
+                <a:spcPts val="0"/>
+              </a:spcBef>
+              <a:buNone/>
+            </a:pPr>
+            <a:r>
+              <a:rPr lang="vi-VN" sz="1000" dirty="0">
+                <a:effectLst/>
+                <a:latin typeface="Times New Roman" panose="02020603050405020304" pitchFamily="18" charset="0"/>
+                <a:ea typeface="Calibri" panose="020F0502020204030204" pitchFamily="34" charset="0"/>
+              </a:rPr>
+              <a:t>                if eval_score &lt; best_value:</a:t>
+            </a:r>
+          </a:p>
+          <a:p>
+            <a:pPr>
+              <a:lnSpc>
+                <a:spcPct val="107000"/>
+              </a:lnSpc>
+              <a:spcBef>
+                <a:spcPts val="0"/>
+              </a:spcBef>
+              <a:buNone/>
+            </a:pPr>
+            <a:r>
+              <a:rPr lang="vi-VN" sz="1000" dirty="0">
+                <a:effectLst/>
+                <a:latin typeface="Times New Roman" panose="02020603050405020304" pitchFamily="18" charset="0"/>
+                <a:ea typeface="Calibri" panose="020F0502020204030204" pitchFamily="34" charset="0"/>
+              </a:rPr>
+              <a:t>                    best_value = eval_score</a:t>
+            </a:r>
+          </a:p>
+          <a:p>
+            <a:pPr>
+              <a:lnSpc>
+                <a:spcPct val="107000"/>
+              </a:lnSpc>
+              <a:spcBef>
+                <a:spcPts val="0"/>
+              </a:spcBef>
+              <a:buNone/>
+            </a:pPr>
+            <a:r>
+              <a:rPr lang="vi-VN" sz="1000" dirty="0">
+                <a:effectLst/>
+                <a:latin typeface="Times New Roman" panose="02020603050405020304" pitchFamily="18" charset="0"/>
+                <a:ea typeface="Calibri" panose="020F0502020204030204" pitchFamily="34" charset="0"/>
+              </a:rPr>
+              <a:t>                    best_move = (pos, move)</a:t>
+            </a:r>
+          </a:p>
+          <a:p>
+            <a:pPr>
+              <a:lnSpc>
+                <a:spcPct val="107000"/>
+              </a:lnSpc>
+              <a:spcBef>
+                <a:spcPts val="0"/>
+              </a:spcBef>
+              <a:buNone/>
+            </a:pPr>
+            <a:r>
+              <a:rPr lang="vi-VN" sz="1000" dirty="0">
+                <a:effectLst/>
+                <a:latin typeface="Times New Roman" panose="02020603050405020304" pitchFamily="18" charset="0"/>
+                <a:ea typeface="Calibri" panose="020F0502020204030204" pitchFamily="34" charset="0"/>
+              </a:rPr>
+              <a:t>                beta = min(beta, best_value)</a:t>
+            </a:r>
+          </a:p>
+          <a:p>
+            <a:pPr>
+              <a:lnSpc>
+                <a:spcPct val="107000"/>
+              </a:lnSpc>
+              <a:spcBef>
+                <a:spcPts val="0"/>
+              </a:spcBef>
+              <a:buNone/>
+            </a:pPr>
+            <a:r>
+              <a:rPr lang="vi-VN" sz="1000" dirty="0">
+                <a:effectLst/>
+                <a:latin typeface="Times New Roman" panose="02020603050405020304" pitchFamily="18" charset="0"/>
+                <a:ea typeface="Calibri" panose="020F0502020204030204" pitchFamily="34" charset="0"/>
+              </a:rPr>
+              <a:t> </a:t>
+            </a:r>
+          </a:p>
+          <a:p>
+            <a:pPr>
+              <a:lnSpc>
+                <a:spcPct val="107000"/>
+              </a:lnSpc>
+              <a:spcBef>
+                <a:spcPts val="0"/>
+              </a:spcBef>
+              <a:buNone/>
+            </a:pPr>
+            <a:r>
+              <a:rPr lang="vi-VN" sz="1000" dirty="0">
+                <a:effectLst/>
+                <a:latin typeface="Times New Roman" panose="02020603050405020304" pitchFamily="18" charset="0"/>
+                <a:ea typeface="Calibri" panose="020F0502020204030204" pitchFamily="34" charset="0"/>
+              </a:rPr>
+              <a:t>            if beta &lt;= alpha:</a:t>
+            </a:r>
+          </a:p>
+          <a:p>
+            <a:pPr>
+              <a:lnSpc>
+                <a:spcPct val="107000"/>
+              </a:lnSpc>
+              <a:spcBef>
+                <a:spcPts val="0"/>
+              </a:spcBef>
+              <a:buNone/>
+            </a:pPr>
+            <a:r>
+              <a:rPr lang="vi-VN" sz="1000" dirty="0">
+                <a:effectLst/>
+                <a:latin typeface="Times New Roman" panose="02020603050405020304" pitchFamily="18" charset="0"/>
+                <a:ea typeface="Calibri" panose="020F0502020204030204" pitchFamily="34" charset="0"/>
+              </a:rPr>
+              <a:t>                break</a:t>
+            </a:r>
+          </a:p>
+          <a:p>
+            <a:pPr>
+              <a:lnSpc>
+                <a:spcPct val="107000"/>
+              </a:lnSpc>
+              <a:spcBef>
+                <a:spcPts val="0"/>
+              </a:spcBef>
+              <a:buNone/>
+            </a:pPr>
+            <a:r>
+              <a:rPr lang="vi-VN" sz="1000" dirty="0">
+                <a:effectLst/>
+                <a:latin typeface="Times New Roman" panose="02020603050405020304" pitchFamily="18" charset="0"/>
+                <a:ea typeface="Calibri" panose="020F0502020204030204" pitchFamily="34" charset="0"/>
+              </a:rPr>
+              <a:t> </a:t>
+            </a:r>
+          </a:p>
+          <a:p>
+            <a:pPr>
+              <a:lnSpc>
+                <a:spcPct val="107000"/>
+              </a:lnSpc>
+              <a:spcBef>
+                <a:spcPts val="0"/>
+              </a:spcBef>
+              <a:buNone/>
+            </a:pPr>
+            <a:r>
+              <a:rPr lang="vi-VN" sz="1000" dirty="0">
+                <a:effectLst/>
+                <a:latin typeface="Times New Roman" panose="02020603050405020304" pitchFamily="18" charset="0"/>
+                <a:ea typeface="Calibri" panose="020F0502020204030204" pitchFamily="34" charset="0"/>
+              </a:rPr>
+              <a:t>        </a:t>
+            </a:r>
+            <a:endParaRPr lang="en-US" sz="1000" dirty="0"/>
+          </a:p>
+        </p:txBody>
+      </p:sp>
+      <p:sp>
+        <p:nvSpPr>
+          <p:cNvPr id="5" name="TextBox 4">
+            <a:extLst>
+              <a:ext uri="{FF2B5EF4-FFF2-40B4-BE49-F238E27FC236}">
+                <a16:creationId xmlns:a16="http://schemas.microsoft.com/office/drawing/2014/main" id="{CA9DBB50-026F-237D-179D-0F2E5A4858FB}"/>
+              </a:ext>
+            </a:extLst>
+          </p:cNvPr>
+          <p:cNvSpPr txBox="1"/>
+          <p:nvPr/>
+        </p:nvSpPr>
+        <p:spPr>
+          <a:xfrm>
+            <a:off x="8357420" y="1238864"/>
+            <a:ext cx="3171061" cy="2222147"/>
+          </a:xfrm>
+          <a:prstGeom prst="rect">
+            <a:avLst/>
+          </a:prstGeom>
+          <a:noFill/>
+        </p:spPr>
+        <p:txBody>
+          <a:bodyPr wrap="none" rtlCol="0">
+            <a:spAutoFit/>
+          </a:bodyPr>
+          <a:lstStyle/>
+          <a:p>
+            <a:pPr>
+              <a:lnSpc>
+                <a:spcPct val="107000"/>
+              </a:lnSpc>
+              <a:spcBef>
+                <a:spcPts val="0"/>
+              </a:spcBef>
+              <a:buNone/>
+            </a:pPr>
+            <a:r>
+              <a:rPr lang="vi-VN" sz="1000" dirty="0">
+                <a:effectLst/>
+                <a:latin typeface="Times New Roman" panose="02020603050405020304" pitchFamily="18" charset="0"/>
+                <a:ea typeface="Calibri" panose="020F0502020204030204" pitchFamily="34" charset="0"/>
+              </a:rPr>
+              <a:t># Lưu vào transposition table</a:t>
+            </a:r>
+          </a:p>
+          <a:p>
+            <a:pPr>
+              <a:lnSpc>
+                <a:spcPct val="107000"/>
+              </a:lnSpc>
+              <a:spcBef>
+                <a:spcPts val="0"/>
+              </a:spcBef>
+              <a:buNone/>
+            </a:pPr>
+            <a:r>
+              <a:rPr lang="vi-VN" sz="1000" dirty="0">
+                <a:effectLst/>
+                <a:latin typeface="Times New Roman" panose="02020603050405020304" pitchFamily="18" charset="0"/>
+                <a:ea typeface="Calibri" panose="020F0502020204030204" pitchFamily="34" charset="0"/>
+              </a:rPr>
+              <a:t>        self.transposition_table[board_hash] = {</a:t>
+            </a:r>
+          </a:p>
+          <a:p>
+            <a:pPr>
+              <a:lnSpc>
+                <a:spcPct val="107000"/>
+              </a:lnSpc>
+              <a:spcBef>
+                <a:spcPts val="0"/>
+              </a:spcBef>
+              <a:buNone/>
+            </a:pPr>
+            <a:r>
+              <a:rPr lang="vi-VN" sz="1000" dirty="0">
+                <a:effectLst/>
+                <a:latin typeface="Times New Roman" panose="02020603050405020304" pitchFamily="18" charset="0"/>
+                <a:ea typeface="Calibri" panose="020F0502020204030204" pitchFamily="34" charset="0"/>
+              </a:rPr>
+              <a:t>            'value': [best_value, best_move[0], best_move[1]],</a:t>
+            </a:r>
+          </a:p>
+          <a:p>
+            <a:pPr>
+              <a:lnSpc>
+                <a:spcPct val="107000"/>
+              </a:lnSpc>
+              <a:spcBef>
+                <a:spcPts val="0"/>
+              </a:spcBef>
+              <a:buNone/>
+            </a:pPr>
+            <a:r>
+              <a:rPr lang="vi-VN" sz="1000" dirty="0">
+                <a:effectLst/>
+                <a:latin typeface="Times New Roman" panose="02020603050405020304" pitchFamily="18" charset="0"/>
+                <a:ea typeface="Calibri" panose="020F0502020204030204" pitchFamily="34" charset="0"/>
+              </a:rPr>
+              <a:t>            'depth': depth</a:t>
+            </a:r>
+          </a:p>
+          <a:p>
+            <a:pPr>
+              <a:lnSpc>
+                <a:spcPct val="107000"/>
+              </a:lnSpc>
+              <a:spcBef>
+                <a:spcPts val="0"/>
+              </a:spcBef>
+              <a:buNone/>
+            </a:pPr>
+            <a:r>
+              <a:rPr lang="vi-VN" sz="1000" dirty="0">
+                <a:effectLst/>
+                <a:latin typeface="Times New Roman" panose="02020603050405020304" pitchFamily="18" charset="0"/>
+                <a:ea typeface="Calibri" panose="020F0502020204030204" pitchFamily="34" charset="0"/>
+              </a:rPr>
+              <a:t>        }</a:t>
+            </a:r>
+          </a:p>
+          <a:p>
+            <a:pPr>
+              <a:lnSpc>
+                <a:spcPct val="107000"/>
+              </a:lnSpc>
+              <a:spcBef>
+                <a:spcPts val="0"/>
+              </a:spcBef>
+              <a:buNone/>
+            </a:pPr>
+            <a:r>
+              <a:rPr lang="vi-VN" sz="1000" dirty="0">
+                <a:effectLst/>
+                <a:latin typeface="Times New Roman" panose="02020603050405020304" pitchFamily="18" charset="0"/>
+                <a:ea typeface="Calibri" panose="020F0502020204030204" pitchFamily="34" charset="0"/>
+              </a:rPr>
+              <a:t>        </a:t>
+            </a:r>
+          </a:p>
+          <a:p>
+            <a:pPr>
+              <a:lnSpc>
+                <a:spcPct val="107000"/>
+              </a:lnSpc>
+              <a:spcBef>
+                <a:spcPts val="0"/>
+              </a:spcBef>
+              <a:buNone/>
+            </a:pPr>
+            <a:r>
+              <a:rPr lang="vi-VN" sz="1000" dirty="0">
+                <a:effectLst/>
+                <a:latin typeface="Times New Roman" panose="02020603050405020304" pitchFamily="18" charset="0"/>
+                <a:ea typeface="Calibri" panose="020F0502020204030204" pitchFamily="34" charset="0"/>
+              </a:rPr>
+              <a:t>        return [best_value, best_move[0], best_move[1]]</a:t>
+            </a:r>
+          </a:p>
+          <a:p>
+            <a:pPr>
+              <a:lnSpc>
+                <a:spcPct val="107000"/>
+              </a:lnSpc>
+              <a:spcBef>
+                <a:spcPts val="0"/>
+              </a:spcBef>
+              <a:buNone/>
+            </a:pPr>
+            <a:r>
+              <a:rPr lang="vi-VN" sz="1000" dirty="0">
+                <a:effectLst/>
+                <a:latin typeface="Times New Roman" panose="02020603050405020304" pitchFamily="18" charset="0"/>
+                <a:ea typeface="Calibri" panose="020F0502020204030204" pitchFamily="34" charset="0"/>
+              </a:rPr>
+              <a:t> </a:t>
+            </a:r>
+          </a:p>
+          <a:p>
+            <a:pPr>
+              <a:lnSpc>
+                <a:spcPct val="107000"/>
+              </a:lnSpc>
+              <a:spcBef>
+                <a:spcPts val="0"/>
+              </a:spcBef>
+              <a:buNone/>
+            </a:pPr>
+            <a:r>
+              <a:rPr lang="vi-VN" sz="1000" b="1" dirty="0">
+                <a:effectLst/>
+                <a:latin typeface="Times New Roman" panose="02020603050405020304" pitchFamily="18" charset="0"/>
+                <a:ea typeface="Calibri" panose="020F0502020204030204" pitchFamily="34" charset="0"/>
+              </a:rPr>
+              <a:t>    def get_fallback_move(self, color):</a:t>
+            </a:r>
+          </a:p>
+          <a:p>
+            <a:pPr>
+              <a:lnSpc>
+                <a:spcPct val="107000"/>
+              </a:lnSpc>
+              <a:spcBef>
+                <a:spcPts val="0"/>
+              </a:spcBef>
+              <a:buNone/>
+            </a:pPr>
+            <a:r>
+              <a:rPr lang="vi-VN" sz="1000" dirty="0">
+                <a:effectLst/>
+                <a:latin typeface="Times New Roman" panose="02020603050405020304" pitchFamily="18" charset="0"/>
+                <a:ea typeface="Calibri" panose="020F0502020204030204" pitchFamily="34" charset="0"/>
+              </a:rPr>
+              <a:t>        """Nước đi dự phòng nếu hết thời gian"""</a:t>
+            </a:r>
+          </a:p>
+          <a:p>
+            <a:pPr>
+              <a:lnSpc>
+                <a:spcPct val="107000"/>
+              </a:lnSpc>
+              <a:spcBef>
+                <a:spcPts val="0"/>
+              </a:spcBef>
+              <a:buNone/>
+            </a:pPr>
+            <a:r>
+              <a:rPr lang="vi-VN" sz="1000" dirty="0">
+                <a:effectLst/>
+                <a:latin typeface="Times New Roman" panose="02020603050405020304" pitchFamily="18" charset="0"/>
+                <a:ea typeface="Calibri" panose="020F0502020204030204" pitchFamily="34" charset="0"/>
+              </a:rPr>
+              <a:t>        moves = super().get_all_moves(color)</a:t>
+            </a:r>
+          </a:p>
+          <a:p>
+            <a:pPr>
+              <a:lnSpc>
+                <a:spcPct val="107000"/>
+              </a:lnSpc>
+              <a:spcBef>
+                <a:spcPts val="0"/>
+              </a:spcBef>
+            </a:pPr>
+            <a:r>
+              <a:rPr lang="vi-VN" sz="1000" dirty="0">
+                <a:effectLst/>
+                <a:latin typeface="Times New Roman" panose="02020603050405020304" pitchFamily="18" charset="0"/>
+                <a:ea typeface="Calibri" panose="020F0502020204030204" pitchFamily="34" charset="0"/>
+              </a:rPr>
+              <a:t>        return random.choice(moves) if moves else None</a:t>
+            </a:r>
+            <a:endParaRPr lang="en-US" sz="1000" dirty="0"/>
+          </a:p>
+          <a:p>
+            <a:endParaRPr lang="en-US" sz="1000" dirty="0"/>
+          </a:p>
+        </p:txBody>
+      </p:sp>
+    </p:spTree>
+    <p:extLst>
+      <p:ext uri="{BB962C8B-B14F-4D97-AF65-F5344CB8AC3E}">
+        <p14:creationId xmlns:p14="http://schemas.microsoft.com/office/powerpoint/2010/main" val="2308733854"/>
+      </p:ext>
+    </p:extLst>
+  </p:cSld>
+  <p:clrMapOvr>
+    <a:masterClrMapping/>
+  </p:clrMapOvr>
+</p:sld>
+</file>
+
+<file path=ppt/slides/slide43.xml><?xml version="1.0" encoding="utf-8"?>
 <p:sld xmlns:a="http://schemas.openxmlformats.org/drawingml/2006/main" xmlns:r="http://schemas.openxmlformats.org/officeDocument/2006/relationships" xmlns:p="http://schemas.openxmlformats.org/presentationml/2006/main">
   <p:cSld>
     <p:spTree>
@@ -37344,7 +43672,7 @@
 </p:sld>
 </file>
 
-<file path=ppt/slides/slide43.xml><?xml version="1.0" encoding="utf-8"?>
+<file path=ppt/slides/slide44.xml><?xml version="1.0" encoding="utf-8"?>
 <p:sld xmlns:a="http://schemas.openxmlformats.org/drawingml/2006/main" xmlns:r="http://schemas.openxmlformats.org/officeDocument/2006/relationships" xmlns:p="http://schemas.openxmlformats.org/presentationml/2006/main">
   <p:cSld>
     <p:spTree>
@@ -38024,7 +44352,7 @@
 </p:sld>
 </file>
 
-<file path=ppt/slides/slide44.xml><?xml version="1.0" encoding="utf-8"?>
+<file path=ppt/slides/slide45.xml><?xml version="1.0" encoding="utf-8"?>
 <p:sld xmlns:a="http://schemas.openxmlformats.org/drawingml/2006/main" xmlns:r="http://schemas.openxmlformats.org/officeDocument/2006/relationships" xmlns:p="http://schemas.openxmlformats.org/presentationml/2006/main">
   <p:cSld>
     <p:spTree>
@@ -38108,7 +44436,7 @@
 </p:sld>
 </file>
 
-<file path=ppt/slides/slide45.xml><?xml version="1.0" encoding="utf-8"?>
+<file path=ppt/slides/slide46.xml><?xml version="1.0" encoding="utf-8"?>
 <p:sld xmlns:a="http://schemas.openxmlformats.org/drawingml/2006/main" xmlns:r="http://schemas.openxmlformats.org/officeDocument/2006/relationships" xmlns:p="http://schemas.openxmlformats.org/presentationml/2006/main">
   <p:cSld>
     <p:spTree>
@@ -38484,7 +44812,7 @@
 </p:sld>
 </file>
 
-<file path=ppt/slides/slide46.xml><?xml version="1.0" encoding="utf-8"?>
+<file path=ppt/slides/slide47.xml><?xml version="1.0" encoding="utf-8"?>
 <p:sld xmlns:a="http://schemas.openxmlformats.org/drawingml/2006/main" xmlns:r="http://schemas.openxmlformats.org/officeDocument/2006/relationships" xmlns:p="http://schemas.openxmlformats.org/presentationml/2006/main">
   <p:cSld>
     <p:spTree>
@@ -38711,7 +45039,7 @@
 </p:sld>
 </file>
 
-<file path=ppt/slides/slide47.xml><?xml version="1.0" encoding="utf-8"?>
+<file path=ppt/slides/slide48.xml><?xml version="1.0" encoding="utf-8"?>
 <p:sld xmlns:a="http://schemas.openxmlformats.org/drawingml/2006/main" xmlns:r="http://schemas.openxmlformats.org/officeDocument/2006/relationships" xmlns:p="http://schemas.openxmlformats.org/presentationml/2006/main">
   <p:cSld>
     <p:spTree>
